--- a/1-Meus-Artigos/Qualificacao/apresentação.pptx
+++ b/1-Meus-Artigos/Qualificacao/apresentação.pptx
@@ -5,7 +5,7 @@
     <p:sldMasterId id="2147483660" r:id="rId1"/>
   </p:sldMasterIdLst>
   <p:notesMasterIdLst>
-    <p:notesMasterId r:id="rId27"/>
+    <p:notesMasterId r:id="rId22"/>
   </p:notesMasterIdLst>
   <p:sldIdLst>
     <p:sldId id="256" r:id="rId2"/>
@@ -16,23 +16,18 @@
     <p:sldId id="293" r:id="rId7"/>
     <p:sldId id="348" r:id="rId8"/>
     <p:sldId id="318" r:id="rId9"/>
-    <p:sldId id="319" r:id="rId10"/>
-    <p:sldId id="320" r:id="rId11"/>
-    <p:sldId id="308" r:id="rId12"/>
-    <p:sldId id="294" r:id="rId13"/>
-    <p:sldId id="332" r:id="rId14"/>
-    <p:sldId id="333" r:id="rId15"/>
-    <p:sldId id="334" r:id="rId16"/>
-    <p:sldId id="335" r:id="rId17"/>
-    <p:sldId id="336" r:id="rId18"/>
-    <p:sldId id="337" r:id="rId19"/>
-    <p:sldId id="338" r:id="rId20"/>
-    <p:sldId id="339" r:id="rId21"/>
-    <p:sldId id="346" r:id="rId22"/>
-    <p:sldId id="341" r:id="rId23"/>
-    <p:sldId id="306" r:id="rId24"/>
-    <p:sldId id="344" r:id="rId25"/>
-    <p:sldId id="345" r:id="rId26"/>
+    <p:sldId id="349" r:id="rId10"/>
+    <p:sldId id="350" r:id="rId11"/>
+    <p:sldId id="294" r:id="rId12"/>
+    <p:sldId id="351" r:id="rId13"/>
+    <p:sldId id="352" r:id="rId14"/>
+    <p:sldId id="353" r:id="rId15"/>
+    <p:sldId id="339" r:id="rId16"/>
+    <p:sldId id="346" r:id="rId17"/>
+    <p:sldId id="341" r:id="rId18"/>
+    <p:sldId id="306" r:id="rId19"/>
+    <p:sldId id="344" r:id="rId20"/>
+    <p:sldId id="345" r:id="rId21"/>
   </p:sldIdLst>
   <p:sldSz cx="9144000" cy="6858000" type="screen4x3"/>
   <p:notesSz cx="6858000" cy="9144000"/>
@@ -216,7 +211,7 @@
           <a:p>
             <a:fld id="{0B368503-99CB-41EB-9D67-4ADA1DCFFC7F}" type="datetimeFigureOut">
               <a:rPr lang="pt-BR" smtClean="0"/>
-              <a:t>12/09/2011</a:t>
+              <a:t>13/09/2011</a:t>
             </a:fld>
             <a:endParaRPr lang="pt-BR" dirty="0"/>
           </a:p>
@@ -589,62 +584,58 @@
         <p:nvSpPr>
           <p:cNvPr id="2" name="Espaço Reservado para Imagem de Slide 1"/>
           <p:cNvSpPr>
-            <a:spLocks noGrp="1" noRot="1" noChangeAspect="1"/>
+            <a:spLocks noGrp="1" noRot="1" noChangeAspect="1" noResize="1"/>
           </p:cNvSpPr>
           <p:nvPr>
             <p:ph type="sldImg"/>
           </p:nvPr>
         </p:nvSpPr>
-        <p:spPr/>
+        <p:spPr>
+          <a:xfrm>
+            <a:off x="1143000" y="695325"/>
+            <a:ext cx="4570413" cy="3427413"/>
+          </a:xfrm>
+          <a:solidFill>
+            <a:schemeClr val="accent1"/>
+          </a:solidFill>
+          <a:ln w="25400">
+            <a:solidFill>
+              <a:schemeClr val="accent1">
+                <a:shade val="50000"/>
+              </a:schemeClr>
+            </a:solidFill>
+            <a:prstDash val="solid"/>
+          </a:ln>
+        </p:spPr>
       </p:sp>
       <p:sp>
         <p:nvSpPr>
           <p:cNvPr id="3" name="Espaço Reservado para Anotações 2"/>
-          <p:cNvSpPr>
-            <a:spLocks noGrp="1"/>
-          </p:cNvSpPr>
-          <p:nvPr>
-            <p:ph type="body" idx="1"/>
-          </p:nvPr>
-        </p:nvSpPr>
-        <p:spPr/>
-        <p:txBody>
-          <a:bodyPr/>
-          <a:lstStyle/>
-          <a:p>
+          <p:cNvSpPr txBox="1">
+            <a:spLocks noGrp="1"/>
+          </p:cNvSpPr>
+          <p:nvPr>
+            <p:ph type="body" sz="quarter" idx="1"/>
+          </p:nvPr>
+        </p:nvSpPr>
+        <p:spPr>
+          <a:xfrm>
+            <a:off x="685800" y="4343400"/>
+            <a:ext cx="5486400" cy="1569660"/>
+          </a:xfrm>
+        </p:spPr>
+        <p:txBody>
+          <a:bodyPr>
+            <a:spAutoFit/>
+          </a:bodyPr>
+          <a:lstStyle/>
+          <a:p>
+            <a:pPr lvl="0"/>
             <a:endParaRPr lang="pt-BR" dirty="0"/>
           </a:p>
         </p:txBody>
       </p:sp>
-      <p:sp>
-        <p:nvSpPr>
-          <p:cNvPr id="4" name="Espaço Reservado para Número de Slide 3"/>
-          <p:cNvSpPr>
-            <a:spLocks noGrp="1"/>
-          </p:cNvSpPr>
-          <p:nvPr>
-            <p:ph type="sldNum" sz="quarter" idx="10"/>
-          </p:nvPr>
-        </p:nvSpPr>
-        <p:spPr/>
-        <p:txBody>
-          <a:bodyPr/>
-          <a:lstStyle/>
-          <a:p>
-            <a:fld id="{1145560E-C839-40E2-957A-A4B404157F19}" type="slidenum">
-              <a:rPr lang="pt-BR" smtClean="0"/>
-              <a:t>12</a:t>
-            </a:fld>
-            <a:endParaRPr lang="pt-BR" dirty="0"/>
-          </a:p>
-        </p:txBody>
-      </p:sp>
     </p:spTree>
-    <p:extLst>
-      <p:ext uri="{BB962C8B-B14F-4D97-AF65-F5344CB8AC3E}">
-        <p14:creationId xmlns:p14="http://schemas.microsoft.com/office/powerpoint/2010/main" val="2073858245"/>
-      </p:ext>
-    </p:extLst>
   </p:cSld>
   <p:clrMapOvr>
     <a:masterClrMapping/>
@@ -673,62 +664,58 @@
         <p:nvSpPr>
           <p:cNvPr id="2" name="Espaço Reservado para Imagem de Slide 1"/>
           <p:cNvSpPr>
-            <a:spLocks noGrp="1" noRot="1" noChangeAspect="1"/>
+            <a:spLocks noGrp="1" noRot="1" noChangeAspect="1" noResize="1"/>
           </p:cNvSpPr>
           <p:nvPr>
             <p:ph type="sldImg"/>
           </p:nvPr>
         </p:nvSpPr>
-        <p:spPr/>
+        <p:spPr>
+          <a:xfrm>
+            <a:off x="1143000" y="695325"/>
+            <a:ext cx="4570413" cy="3427413"/>
+          </a:xfrm>
+          <a:solidFill>
+            <a:schemeClr val="accent1"/>
+          </a:solidFill>
+          <a:ln w="25400">
+            <a:solidFill>
+              <a:schemeClr val="accent1">
+                <a:shade val="50000"/>
+              </a:schemeClr>
+            </a:solidFill>
+            <a:prstDash val="solid"/>
+          </a:ln>
+        </p:spPr>
       </p:sp>
       <p:sp>
         <p:nvSpPr>
           <p:cNvPr id="3" name="Espaço Reservado para Anotações 2"/>
-          <p:cNvSpPr>
-            <a:spLocks noGrp="1"/>
-          </p:cNvSpPr>
-          <p:nvPr>
-            <p:ph type="body" idx="1"/>
-          </p:nvPr>
-        </p:nvSpPr>
-        <p:spPr/>
-        <p:txBody>
-          <a:bodyPr/>
-          <a:lstStyle/>
-          <a:p>
+          <p:cNvSpPr txBox="1">
+            <a:spLocks noGrp="1"/>
+          </p:cNvSpPr>
+          <p:nvPr>
+            <p:ph type="body" sz="quarter" idx="1"/>
+          </p:nvPr>
+        </p:nvSpPr>
+        <p:spPr>
+          <a:xfrm>
+            <a:off x="685800" y="4343400"/>
+            <a:ext cx="5486400" cy="1569660"/>
+          </a:xfrm>
+        </p:spPr>
+        <p:txBody>
+          <a:bodyPr>
+            <a:spAutoFit/>
+          </a:bodyPr>
+          <a:lstStyle/>
+          <a:p>
+            <a:pPr lvl="0"/>
             <a:endParaRPr lang="pt-BR" dirty="0"/>
           </a:p>
         </p:txBody>
       </p:sp>
-      <p:sp>
-        <p:nvSpPr>
-          <p:cNvPr id="4" name="Espaço Reservado para Número de Slide 3"/>
-          <p:cNvSpPr>
-            <a:spLocks noGrp="1"/>
-          </p:cNvSpPr>
-          <p:nvPr>
-            <p:ph type="sldNum" sz="quarter" idx="10"/>
-          </p:nvPr>
-        </p:nvSpPr>
-        <p:spPr/>
-        <p:txBody>
-          <a:bodyPr/>
-          <a:lstStyle/>
-          <a:p>
-            <a:fld id="{1145560E-C839-40E2-957A-A4B404157F19}" type="slidenum">
-              <a:rPr lang="pt-BR" smtClean="0"/>
-              <a:t>13</a:t>
-            </a:fld>
-            <a:endParaRPr lang="pt-BR" dirty="0"/>
-          </a:p>
-        </p:txBody>
-      </p:sp>
     </p:spTree>
-    <p:extLst>
-      <p:ext uri="{BB962C8B-B14F-4D97-AF65-F5344CB8AC3E}">
-        <p14:creationId xmlns:p14="http://schemas.microsoft.com/office/powerpoint/2010/main" val="2073858245"/>
-      </p:ext>
-    </p:extLst>
   </p:cSld>
   <p:clrMapOvr>
     <a:masterClrMapping/>
@@ -801,7 +788,7 @@
           <a:p>
             <a:fld id="{1145560E-C839-40E2-957A-A4B404157F19}" type="slidenum">
               <a:rPr lang="pt-BR" smtClean="0"/>
-              <a:t>14</a:t>
+              <a:t>15</a:t>
             </a:fld>
             <a:endParaRPr lang="pt-BR" dirty="0"/>
           </a:p>
@@ -885,7 +872,7 @@
           <a:p>
             <a:fld id="{1145560E-C839-40E2-957A-A4B404157F19}" type="slidenum">
               <a:rPr lang="pt-BR" smtClean="0"/>
-              <a:t>15</a:t>
+              <a:t>16</a:t>
             </a:fld>
             <a:endParaRPr lang="pt-BR" dirty="0"/>
           </a:p>
@@ -969,427 +956,7 @@
           <a:p>
             <a:fld id="{1145560E-C839-40E2-957A-A4B404157F19}" type="slidenum">
               <a:rPr lang="pt-BR" smtClean="0"/>
-              <a:t>16</a:t>
-            </a:fld>
-            <a:endParaRPr lang="pt-BR" dirty="0"/>
-          </a:p>
-        </p:txBody>
-      </p:sp>
-    </p:spTree>
-    <p:extLst>
-      <p:ext uri="{BB962C8B-B14F-4D97-AF65-F5344CB8AC3E}">
-        <p14:creationId xmlns:p14="http://schemas.microsoft.com/office/powerpoint/2010/main" val="2073858245"/>
-      </p:ext>
-    </p:extLst>
-  </p:cSld>
-  <p:clrMapOvr>
-    <a:masterClrMapping/>
-  </p:clrMapOvr>
-</p:notes>
-</file>
-
-<file path=ppt/notesSlides/notesSlide15.xml><?xml version="1.0" encoding="utf-8"?>
-<p:notes xmlns:a="http://schemas.openxmlformats.org/drawingml/2006/main" xmlns:r="http://schemas.openxmlformats.org/officeDocument/2006/relationships" xmlns:p="http://schemas.openxmlformats.org/presentationml/2006/main">
-  <p:cSld>
-    <p:spTree>
-      <p:nvGrpSpPr>
-        <p:cNvPr id="1" name=""/>
-        <p:cNvGrpSpPr/>
-        <p:nvPr/>
-      </p:nvGrpSpPr>
-      <p:grpSpPr>
-        <a:xfrm>
-          <a:off x="0" y="0"/>
-          <a:ext cx="0" cy="0"/>
-          <a:chOff x="0" y="0"/>
-          <a:chExt cx="0" cy="0"/>
-        </a:xfrm>
-      </p:grpSpPr>
-      <p:sp>
-        <p:nvSpPr>
-          <p:cNvPr id="2" name="Espaço Reservado para Imagem de Slide 1"/>
-          <p:cNvSpPr>
-            <a:spLocks noGrp="1" noRot="1" noChangeAspect="1"/>
-          </p:cNvSpPr>
-          <p:nvPr>
-            <p:ph type="sldImg"/>
-          </p:nvPr>
-        </p:nvSpPr>
-        <p:spPr/>
-      </p:sp>
-      <p:sp>
-        <p:nvSpPr>
-          <p:cNvPr id="3" name="Espaço Reservado para Anotações 2"/>
-          <p:cNvSpPr>
-            <a:spLocks noGrp="1"/>
-          </p:cNvSpPr>
-          <p:nvPr>
-            <p:ph type="body" idx="1"/>
-          </p:nvPr>
-        </p:nvSpPr>
-        <p:spPr/>
-        <p:txBody>
-          <a:bodyPr/>
-          <a:lstStyle/>
-          <a:p>
-            <a:endParaRPr lang="pt-BR" dirty="0"/>
-          </a:p>
-        </p:txBody>
-      </p:sp>
-      <p:sp>
-        <p:nvSpPr>
-          <p:cNvPr id="4" name="Espaço Reservado para Número de Slide 3"/>
-          <p:cNvSpPr>
-            <a:spLocks noGrp="1"/>
-          </p:cNvSpPr>
-          <p:nvPr>
-            <p:ph type="sldNum" sz="quarter" idx="10"/>
-          </p:nvPr>
-        </p:nvSpPr>
-        <p:spPr/>
-        <p:txBody>
-          <a:bodyPr/>
-          <a:lstStyle/>
-          <a:p>
-            <a:fld id="{1145560E-C839-40E2-957A-A4B404157F19}" type="slidenum">
-              <a:rPr lang="pt-BR" smtClean="0"/>
-              <a:t>17</a:t>
-            </a:fld>
-            <a:endParaRPr lang="pt-BR" dirty="0"/>
-          </a:p>
-        </p:txBody>
-      </p:sp>
-    </p:spTree>
-    <p:extLst>
-      <p:ext uri="{BB962C8B-B14F-4D97-AF65-F5344CB8AC3E}">
-        <p14:creationId xmlns:p14="http://schemas.microsoft.com/office/powerpoint/2010/main" val="2073858245"/>
-      </p:ext>
-    </p:extLst>
-  </p:cSld>
-  <p:clrMapOvr>
-    <a:masterClrMapping/>
-  </p:clrMapOvr>
-</p:notes>
-</file>
-
-<file path=ppt/notesSlides/notesSlide16.xml><?xml version="1.0" encoding="utf-8"?>
-<p:notes xmlns:a="http://schemas.openxmlformats.org/drawingml/2006/main" xmlns:r="http://schemas.openxmlformats.org/officeDocument/2006/relationships" xmlns:p="http://schemas.openxmlformats.org/presentationml/2006/main">
-  <p:cSld>
-    <p:spTree>
-      <p:nvGrpSpPr>
-        <p:cNvPr id="1" name=""/>
-        <p:cNvGrpSpPr/>
-        <p:nvPr/>
-      </p:nvGrpSpPr>
-      <p:grpSpPr>
-        <a:xfrm>
-          <a:off x="0" y="0"/>
-          <a:ext cx="0" cy="0"/>
-          <a:chOff x="0" y="0"/>
-          <a:chExt cx="0" cy="0"/>
-        </a:xfrm>
-      </p:grpSpPr>
-      <p:sp>
-        <p:nvSpPr>
-          <p:cNvPr id="2" name="Espaço Reservado para Imagem de Slide 1"/>
-          <p:cNvSpPr>
-            <a:spLocks noGrp="1" noRot="1" noChangeAspect="1"/>
-          </p:cNvSpPr>
-          <p:nvPr>
-            <p:ph type="sldImg"/>
-          </p:nvPr>
-        </p:nvSpPr>
-        <p:spPr/>
-      </p:sp>
-      <p:sp>
-        <p:nvSpPr>
-          <p:cNvPr id="3" name="Espaço Reservado para Anotações 2"/>
-          <p:cNvSpPr>
-            <a:spLocks noGrp="1"/>
-          </p:cNvSpPr>
-          <p:nvPr>
-            <p:ph type="body" idx="1"/>
-          </p:nvPr>
-        </p:nvSpPr>
-        <p:spPr/>
-        <p:txBody>
-          <a:bodyPr/>
-          <a:lstStyle/>
-          <a:p>
-            <a:endParaRPr lang="pt-BR" dirty="0"/>
-          </a:p>
-        </p:txBody>
-      </p:sp>
-      <p:sp>
-        <p:nvSpPr>
-          <p:cNvPr id="4" name="Espaço Reservado para Número de Slide 3"/>
-          <p:cNvSpPr>
-            <a:spLocks noGrp="1"/>
-          </p:cNvSpPr>
-          <p:nvPr>
-            <p:ph type="sldNum" sz="quarter" idx="10"/>
-          </p:nvPr>
-        </p:nvSpPr>
-        <p:spPr/>
-        <p:txBody>
-          <a:bodyPr/>
-          <a:lstStyle/>
-          <a:p>
-            <a:fld id="{1145560E-C839-40E2-957A-A4B404157F19}" type="slidenum">
-              <a:rPr lang="pt-BR" smtClean="0"/>
               <a:t>18</a:t>
-            </a:fld>
-            <a:endParaRPr lang="pt-BR" dirty="0"/>
-          </a:p>
-        </p:txBody>
-      </p:sp>
-    </p:spTree>
-    <p:extLst>
-      <p:ext uri="{BB962C8B-B14F-4D97-AF65-F5344CB8AC3E}">
-        <p14:creationId xmlns:p14="http://schemas.microsoft.com/office/powerpoint/2010/main" val="2073858245"/>
-      </p:ext>
-    </p:extLst>
-  </p:cSld>
-  <p:clrMapOvr>
-    <a:masterClrMapping/>
-  </p:clrMapOvr>
-</p:notes>
-</file>
-
-<file path=ppt/notesSlides/notesSlide17.xml><?xml version="1.0" encoding="utf-8"?>
-<p:notes xmlns:a="http://schemas.openxmlformats.org/drawingml/2006/main" xmlns:r="http://schemas.openxmlformats.org/officeDocument/2006/relationships" xmlns:p="http://schemas.openxmlformats.org/presentationml/2006/main">
-  <p:cSld>
-    <p:spTree>
-      <p:nvGrpSpPr>
-        <p:cNvPr id="1" name=""/>
-        <p:cNvGrpSpPr/>
-        <p:nvPr/>
-      </p:nvGrpSpPr>
-      <p:grpSpPr>
-        <a:xfrm>
-          <a:off x="0" y="0"/>
-          <a:ext cx="0" cy="0"/>
-          <a:chOff x="0" y="0"/>
-          <a:chExt cx="0" cy="0"/>
-        </a:xfrm>
-      </p:grpSpPr>
-      <p:sp>
-        <p:nvSpPr>
-          <p:cNvPr id="2" name="Espaço Reservado para Imagem de Slide 1"/>
-          <p:cNvSpPr>
-            <a:spLocks noGrp="1" noRot="1" noChangeAspect="1"/>
-          </p:cNvSpPr>
-          <p:nvPr>
-            <p:ph type="sldImg"/>
-          </p:nvPr>
-        </p:nvSpPr>
-        <p:spPr/>
-      </p:sp>
-      <p:sp>
-        <p:nvSpPr>
-          <p:cNvPr id="3" name="Espaço Reservado para Anotações 2"/>
-          <p:cNvSpPr>
-            <a:spLocks noGrp="1"/>
-          </p:cNvSpPr>
-          <p:nvPr>
-            <p:ph type="body" idx="1"/>
-          </p:nvPr>
-        </p:nvSpPr>
-        <p:spPr/>
-        <p:txBody>
-          <a:bodyPr/>
-          <a:lstStyle/>
-          <a:p>
-            <a:endParaRPr lang="pt-BR" dirty="0"/>
-          </a:p>
-        </p:txBody>
-      </p:sp>
-      <p:sp>
-        <p:nvSpPr>
-          <p:cNvPr id="4" name="Espaço Reservado para Número de Slide 3"/>
-          <p:cNvSpPr>
-            <a:spLocks noGrp="1"/>
-          </p:cNvSpPr>
-          <p:nvPr>
-            <p:ph type="sldNum" sz="quarter" idx="10"/>
-          </p:nvPr>
-        </p:nvSpPr>
-        <p:spPr/>
-        <p:txBody>
-          <a:bodyPr/>
-          <a:lstStyle/>
-          <a:p>
-            <a:fld id="{1145560E-C839-40E2-957A-A4B404157F19}" type="slidenum">
-              <a:rPr lang="pt-BR" smtClean="0"/>
-              <a:t>19</a:t>
-            </a:fld>
-            <a:endParaRPr lang="pt-BR" dirty="0"/>
-          </a:p>
-        </p:txBody>
-      </p:sp>
-    </p:spTree>
-    <p:extLst>
-      <p:ext uri="{BB962C8B-B14F-4D97-AF65-F5344CB8AC3E}">
-        <p14:creationId xmlns:p14="http://schemas.microsoft.com/office/powerpoint/2010/main" val="2073858245"/>
-      </p:ext>
-    </p:extLst>
-  </p:cSld>
-  <p:clrMapOvr>
-    <a:masterClrMapping/>
-  </p:clrMapOvr>
-</p:notes>
-</file>
-
-<file path=ppt/notesSlides/notesSlide18.xml><?xml version="1.0" encoding="utf-8"?>
-<p:notes xmlns:a="http://schemas.openxmlformats.org/drawingml/2006/main" xmlns:r="http://schemas.openxmlformats.org/officeDocument/2006/relationships" xmlns:p="http://schemas.openxmlformats.org/presentationml/2006/main">
-  <p:cSld>
-    <p:spTree>
-      <p:nvGrpSpPr>
-        <p:cNvPr id="1" name=""/>
-        <p:cNvGrpSpPr/>
-        <p:nvPr/>
-      </p:nvGrpSpPr>
-      <p:grpSpPr>
-        <a:xfrm>
-          <a:off x="0" y="0"/>
-          <a:ext cx="0" cy="0"/>
-          <a:chOff x="0" y="0"/>
-          <a:chExt cx="0" cy="0"/>
-        </a:xfrm>
-      </p:grpSpPr>
-      <p:sp>
-        <p:nvSpPr>
-          <p:cNvPr id="2" name="Espaço Reservado para Imagem de Slide 1"/>
-          <p:cNvSpPr>
-            <a:spLocks noGrp="1" noRot="1" noChangeAspect="1"/>
-          </p:cNvSpPr>
-          <p:nvPr>
-            <p:ph type="sldImg"/>
-          </p:nvPr>
-        </p:nvSpPr>
-        <p:spPr/>
-      </p:sp>
-      <p:sp>
-        <p:nvSpPr>
-          <p:cNvPr id="3" name="Espaço Reservado para Anotações 2"/>
-          <p:cNvSpPr>
-            <a:spLocks noGrp="1"/>
-          </p:cNvSpPr>
-          <p:nvPr>
-            <p:ph type="body" idx="1"/>
-          </p:nvPr>
-        </p:nvSpPr>
-        <p:spPr/>
-        <p:txBody>
-          <a:bodyPr/>
-          <a:lstStyle/>
-          <a:p>
-            <a:endParaRPr lang="pt-BR" dirty="0"/>
-          </a:p>
-        </p:txBody>
-      </p:sp>
-      <p:sp>
-        <p:nvSpPr>
-          <p:cNvPr id="4" name="Espaço Reservado para Número de Slide 3"/>
-          <p:cNvSpPr>
-            <a:spLocks noGrp="1"/>
-          </p:cNvSpPr>
-          <p:nvPr>
-            <p:ph type="sldNum" sz="quarter" idx="10"/>
-          </p:nvPr>
-        </p:nvSpPr>
-        <p:spPr/>
-        <p:txBody>
-          <a:bodyPr/>
-          <a:lstStyle/>
-          <a:p>
-            <a:fld id="{1145560E-C839-40E2-957A-A4B404157F19}" type="slidenum">
-              <a:rPr lang="pt-BR" smtClean="0"/>
-              <a:t>20</a:t>
-            </a:fld>
-            <a:endParaRPr lang="pt-BR" dirty="0"/>
-          </a:p>
-        </p:txBody>
-      </p:sp>
-    </p:spTree>
-    <p:extLst>
-      <p:ext uri="{BB962C8B-B14F-4D97-AF65-F5344CB8AC3E}">
-        <p14:creationId xmlns:p14="http://schemas.microsoft.com/office/powerpoint/2010/main" val="2073858245"/>
-      </p:ext>
-    </p:extLst>
-  </p:cSld>
-  <p:clrMapOvr>
-    <a:masterClrMapping/>
-  </p:clrMapOvr>
-</p:notes>
-</file>
-
-<file path=ppt/notesSlides/notesSlide19.xml><?xml version="1.0" encoding="utf-8"?>
-<p:notes xmlns:a="http://schemas.openxmlformats.org/drawingml/2006/main" xmlns:r="http://schemas.openxmlformats.org/officeDocument/2006/relationships" xmlns:p="http://schemas.openxmlformats.org/presentationml/2006/main">
-  <p:cSld>
-    <p:spTree>
-      <p:nvGrpSpPr>
-        <p:cNvPr id="1" name=""/>
-        <p:cNvGrpSpPr/>
-        <p:nvPr/>
-      </p:nvGrpSpPr>
-      <p:grpSpPr>
-        <a:xfrm>
-          <a:off x="0" y="0"/>
-          <a:ext cx="0" cy="0"/>
-          <a:chOff x="0" y="0"/>
-          <a:chExt cx="0" cy="0"/>
-        </a:xfrm>
-      </p:grpSpPr>
-      <p:sp>
-        <p:nvSpPr>
-          <p:cNvPr id="2" name="Espaço Reservado para Imagem de Slide 1"/>
-          <p:cNvSpPr>
-            <a:spLocks noGrp="1" noRot="1" noChangeAspect="1"/>
-          </p:cNvSpPr>
-          <p:nvPr>
-            <p:ph type="sldImg"/>
-          </p:nvPr>
-        </p:nvSpPr>
-        <p:spPr/>
-      </p:sp>
-      <p:sp>
-        <p:nvSpPr>
-          <p:cNvPr id="3" name="Espaço Reservado para Anotações 2"/>
-          <p:cNvSpPr>
-            <a:spLocks noGrp="1"/>
-          </p:cNvSpPr>
-          <p:nvPr>
-            <p:ph type="body" idx="1"/>
-          </p:nvPr>
-        </p:nvSpPr>
-        <p:spPr/>
-        <p:txBody>
-          <a:bodyPr/>
-          <a:lstStyle/>
-          <a:p>
-            <a:endParaRPr lang="pt-BR" dirty="0"/>
-          </a:p>
-        </p:txBody>
-      </p:sp>
-      <p:sp>
-        <p:nvSpPr>
-          <p:cNvPr id="4" name="Espaço Reservado para Número de Slide 3"/>
-          <p:cNvSpPr>
-            <a:spLocks noGrp="1"/>
-          </p:cNvSpPr>
-          <p:nvPr>
-            <p:ph type="sldNum" sz="quarter" idx="10"/>
-          </p:nvPr>
-        </p:nvSpPr>
-        <p:spPr/>
-        <p:txBody>
-          <a:bodyPr/>
-          <a:lstStyle/>
-          <a:p>
-            <a:fld id="{1145560E-C839-40E2-957A-A4B404157F19}" type="slidenum">
-              <a:rPr lang="pt-BR" smtClean="0"/>
-              <a:t>21</a:t>
             </a:fld>
             <a:endParaRPr lang="pt-BR" dirty="0"/>
           </a:p>
@@ -1492,90 +1059,6 @@
 </p:notes>
 </file>
 
-<file path=ppt/notesSlides/notesSlide20.xml><?xml version="1.0" encoding="utf-8"?>
-<p:notes xmlns:a="http://schemas.openxmlformats.org/drawingml/2006/main" xmlns:r="http://schemas.openxmlformats.org/officeDocument/2006/relationships" xmlns:p="http://schemas.openxmlformats.org/presentationml/2006/main">
-  <p:cSld>
-    <p:spTree>
-      <p:nvGrpSpPr>
-        <p:cNvPr id="1" name=""/>
-        <p:cNvGrpSpPr/>
-        <p:nvPr/>
-      </p:nvGrpSpPr>
-      <p:grpSpPr>
-        <a:xfrm>
-          <a:off x="0" y="0"/>
-          <a:ext cx="0" cy="0"/>
-          <a:chOff x="0" y="0"/>
-          <a:chExt cx="0" cy="0"/>
-        </a:xfrm>
-      </p:grpSpPr>
-      <p:sp>
-        <p:nvSpPr>
-          <p:cNvPr id="2" name="Espaço Reservado para Imagem de Slide 1"/>
-          <p:cNvSpPr>
-            <a:spLocks noGrp="1" noRot="1" noChangeAspect="1"/>
-          </p:cNvSpPr>
-          <p:nvPr>
-            <p:ph type="sldImg"/>
-          </p:nvPr>
-        </p:nvSpPr>
-        <p:spPr/>
-      </p:sp>
-      <p:sp>
-        <p:nvSpPr>
-          <p:cNvPr id="3" name="Espaço Reservado para Anotações 2"/>
-          <p:cNvSpPr>
-            <a:spLocks noGrp="1"/>
-          </p:cNvSpPr>
-          <p:nvPr>
-            <p:ph type="body" idx="1"/>
-          </p:nvPr>
-        </p:nvSpPr>
-        <p:spPr/>
-        <p:txBody>
-          <a:bodyPr/>
-          <a:lstStyle/>
-          <a:p>
-            <a:endParaRPr lang="pt-BR" dirty="0"/>
-          </a:p>
-        </p:txBody>
-      </p:sp>
-      <p:sp>
-        <p:nvSpPr>
-          <p:cNvPr id="4" name="Espaço Reservado para Número de Slide 3"/>
-          <p:cNvSpPr>
-            <a:spLocks noGrp="1"/>
-          </p:cNvSpPr>
-          <p:nvPr>
-            <p:ph type="sldNum" sz="quarter" idx="10"/>
-          </p:nvPr>
-        </p:nvSpPr>
-        <p:spPr/>
-        <p:txBody>
-          <a:bodyPr/>
-          <a:lstStyle/>
-          <a:p>
-            <a:fld id="{1145560E-C839-40E2-957A-A4B404157F19}" type="slidenum">
-              <a:rPr lang="pt-BR" smtClean="0"/>
-              <a:t>23</a:t>
-            </a:fld>
-            <a:endParaRPr lang="pt-BR" dirty="0"/>
-          </a:p>
-        </p:txBody>
-      </p:sp>
-    </p:spTree>
-    <p:extLst>
-      <p:ext uri="{BB962C8B-B14F-4D97-AF65-F5344CB8AC3E}">
-        <p14:creationId xmlns:p14="http://schemas.microsoft.com/office/powerpoint/2010/main" val="2073858245"/>
-      </p:ext>
-    </p:extLst>
-  </p:cSld>
-  <p:clrMapOvr>
-    <a:masterClrMapping/>
-  </p:clrMapOvr>
-</p:notes>
-</file>
-
 <file path=ppt/notesSlides/notesSlide3.xml><?xml version="1.0" encoding="utf-8"?>
 <p:notes xmlns:a="http://schemas.openxmlformats.org/drawingml/2006/main" xmlns:r="http://schemas.openxmlformats.org/officeDocument/2006/relationships" xmlns:p="http://schemas.openxmlformats.org/presentationml/2006/main">
   <p:cSld>
@@ -1962,7 +1445,7 @@
         <p:spPr>
           <a:xfrm>
             <a:off x="685800" y="4343400"/>
-            <a:ext cx="5486400" cy="2554545"/>
+            <a:ext cx="5486400" cy="1569660"/>
           </a:xfrm>
         </p:spPr>
         <p:txBody>
@@ -1972,11 +1455,139 @@
           <a:lstStyle/>
           <a:p>
             <a:pPr lvl="0"/>
-            <a:endParaRPr lang="pt-BR" sz="1600" dirty="0">
-              <a:solidFill>
-                <a:srgbClr val="000000"/>
-              </a:solidFill>
-            </a:endParaRPr>
+            <a:r>
+              <a:rPr lang="en-US" dirty="0" smtClean="0"/>
+              <a:t>A </a:t>
+            </a:r>
+            <a:r>
+              <a:rPr lang="en-US" dirty="0" err="1" smtClean="0"/>
+              <a:t>polarização</a:t>
+            </a:r>
+            <a:r>
+              <a:rPr lang="en-US" dirty="0" smtClean="0"/>
+              <a:t> </a:t>
+            </a:r>
+            <a:r>
+              <a:rPr lang="en-US" dirty="0" err="1" smtClean="0"/>
+              <a:t>faz</a:t>
+            </a:r>
+            <a:r>
+              <a:rPr lang="en-US" dirty="0" smtClean="0"/>
+              <a:t> com </a:t>
+            </a:r>
+            <a:r>
+              <a:rPr lang="en-US" dirty="0" err="1" smtClean="0"/>
+              <a:t>que</a:t>
+            </a:r>
+            <a:r>
+              <a:rPr lang="en-US" dirty="0" smtClean="0"/>
+              <a:t> o </a:t>
+            </a:r>
+            <a:r>
+              <a:rPr lang="en-US" dirty="0" err="1" smtClean="0"/>
+              <a:t>sinal</a:t>
+            </a:r>
+            <a:r>
+              <a:rPr lang="en-US" dirty="0" smtClean="0"/>
+              <a:t> (</a:t>
+            </a:r>
+            <a:r>
+              <a:rPr lang="en-US" dirty="0" err="1" smtClean="0"/>
+              <a:t>que</a:t>
+            </a:r>
+            <a:r>
+              <a:rPr lang="en-US" baseline="0" dirty="0" smtClean="0"/>
+              <a:t> é </a:t>
+            </a:r>
+            <a:r>
+              <a:rPr lang="en-US" baseline="0" dirty="0" err="1" smtClean="0"/>
+              <a:t>uma</a:t>
+            </a:r>
+            <a:r>
+              <a:rPr lang="en-US" baseline="0" dirty="0" smtClean="0"/>
+              <a:t> </a:t>
+            </a:r>
+            <a:r>
+              <a:rPr lang="en-US" baseline="0" dirty="0" err="1" smtClean="0"/>
+              <a:t>onda</a:t>
+            </a:r>
+            <a:r>
+              <a:rPr lang="en-US" baseline="0" dirty="0" smtClean="0"/>
+              <a:t>) </a:t>
+            </a:r>
+            <a:r>
+              <a:rPr lang="en-US" baseline="0" dirty="0" err="1" smtClean="0"/>
+              <a:t>siga</a:t>
+            </a:r>
+            <a:r>
+              <a:rPr lang="en-US" baseline="0" dirty="0" smtClean="0"/>
+              <a:t> </a:t>
+            </a:r>
+            <a:r>
+              <a:rPr lang="en-US" baseline="0" dirty="0" err="1" smtClean="0"/>
+              <a:t>apenas</a:t>
+            </a:r>
+            <a:r>
+              <a:rPr lang="en-US" baseline="0" dirty="0" smtClean="0"/>
+              <a:t> um </a:t>
+            </a:r>
+            <a:r>
+              <a:rPr lang="en-US" baseline="0" dirty="0" err="1" smtClean="0"/>
+              <a:t>plano</a:t>
+            </a:r>
+            <a:r>
+              <a:rPr lang="en-US" baseline="0" dirty="0" smtClean="0"/>
+              <a:t> </a:t>
+            </a:r>
+            <a:r>
+              <a:rPr lang="en-US" baseline="0" dirty="0" err="1" smtClean="0"/>
+              <a:t>na</a:t>
+            </a:r>
+            <a:r>
+              <a:rPr lang="en-US" baseline="0" dirty="0" smtClean="0"/>
+              <a:t> </a:t>
+            </a:r>
+            <a:r>
+              <a:rPr lang="en-US" baseline="0" dirty="0" err="1" smtClean="0"/>
+              <a:t>transmissão</a:t>
+            </a:r>
+            <a:r>
+              <a:rPr lang="en-US" baseline="0" dirty="0" smtClean="0"/>
+              <a:t>, e </a:t>
+            </a:r>
+            <a:r>
+              <a:rPr lang="en-US" baseline="0" dirty="0" err="1" smtClean="0"/>
+              <a:t>não</a:t>
+            </a:r>
+            <a:r>
+              <a:rPr lang="en-US" baseline="0" dirty="0" smtClean="0"/>
+              <a:t> </a:t>
+            </a:r>
+            <a:r>
+              <a:rPr lang="en-US" baseline="0" dirty="0" err="1" smtClean="0"/>
+              <a:t>para</a:t>
+            </a:r>
+            <a:r>
+              <a:rPr lang="en-US" baseline="0" dirty="0" smtClean="0"/>
+              <a:t> </a:t>
+            </a:r>
+            <a:r>
+              <a:rPr lang="en-US" baseline="0" dirty="0" err="1" smtClean="0"/>
+              <a:t>todas</a:t>
+            </a:r>
+            <a:r>
+              <a:rPr lang="en-US" baseline="0" dirty="0" smtClean="0"/>
+              <a:t> as </a:t>
+            </a:r>
+            <a:r>
+              <a:rPr lang="en-US" baseline="0" dirty="0" err="1" smtClean="0"/>
+              <a:t>direções</a:t>
+            </a:r>
+            <a:r>
+              <a:rPr lang="en-US" baseline="0" dirty="0" smtClean="0"/>
+              <a:t>.</a:t>
+            </a:r>
+            <a:endParaRPr lang="pt-BR" dirty="0"/>
           </a:p>
         </p:txBody>
       </p:sp>
@@ -2009,38 +1620,22 @@
         <p:nvSpPr>
           <p:cNvPr id="2" name="Espaço Reservado para Imagem de Slide 1"/>
           <p:cNvSpPr>
-            <a:spLocks noGrp="1" noRot="1" noChangeAspect="1" noResize="1"/>
+            <a:spLocks noGrp="1" noRot="1" noChangeAspect="1"/>
           </p:cNvSpPr>
           <p:nvPr>
             <p:ph type="sldImg"/>
           </p:nvPr>
         </p:nvSpPr>
-        <p:spPr>
-          <a:xfrm>
-            <a:off x="1143000" y="695325"/>
-            <a:ext cx="4570413" cy="3427413"/>
-          </a:xfrm>
-          <a:solidFill>
-            <a:schemeClr val="accent1"/>
-          </a:solidFill>
-          <a:ln w="25400">
-            <a:solidFill>
-              <a:schemeClr val="accent1">
-                <a:shade val="50000"/>
-              </a:schemeClr>
-            </a:solidFill>
-            <a:prstDash val="solid"/>
-          </a:ln>
-        </p:spPr>
+        <p:spPr/>
       </p:sp>
       <p:sp>
         <p:nvSpPr>
           <p:cNvPr id="3" name="Espaço Reservado para Anotações 2"/>
-          <p:cNvSpPr txBox="1">
-            <a:spLocks noGrp="1"/>
-          </p:cNvSpPr>
-          <p:nvPr>
-            <p:ph type="body" sz="quarter" idx="1"/>
+          <p:cNvSpPr>
+            <a:spLocks noGrp="1"/>
+          </p:cNvSpPr>
+          <p:nvPr>
+            <p:ph type="body" idx="1"/>
           </p:nvPr>
         </p:nvSpPr>
         <p:spPr/>
@@ -2052,7 +1647,35 @@
           </a:p>
         </p:txBody>
       </p:sp>
+      <p:sp>
+        <p:nvSpPr>
+          <p:cNvPr id="4" name="Espaço Reservado para Número de Slide 3"/>
+          <p:cNvSpPr>
+            <a:spLocks noGrp="1"/>
+          </p:cNvSpPr>
+          <p:nvPr>
+            <p:ph type="sldNum" sz="quarter" idx="10"/>
+          </p:nvPr>
+        </p:nvSpPr>
+        <p:spPr/>
+        <p:txBody>
+          <a:bodyPr/>
+          <a:lstStyle/>
+          <a:p>
+            <a:fld id="{1145560E-C839-40E2-957A-A4B404157F19}" type="slidenum">
+              <a:rPr lang="pt-BR" smtClean="0"/>
+              <a:t>11</a:t>
+            </a:fld>
+            <a:endParaRPr lang="pt-BR" dirty="0"/>
+          </a:p>
+        </p:txBody>
+      </p:sp>
     </p:spTree>
+    <p:extLst>
+      <p:ext uri="{BB962C8B-B14F-4D97-AF65-F5344CB8AC3E}">
+        <p14:creationId xmlns:p14="http://schemas.microsoft.com/office/powerpoint/2010/main" val="2073858245"/>
+      </p:ext>
+    </p:extLst>
   </p:cSld>
   <p:clrMapOvr>
     <a:masterClrMapping/>
@@ -2081,62 +1704,58 @@
         <p:nvSpPr>
           <p:cNvPr id="2" name="Espaço Reservado para Imagem de Slide 1"/>
           <p:cNvSpPr>
-            <a:spLocks noGrp="1" noRot="1" noChangeAspect="1"/>
+            <a:spLocks noGrp="1" noRot="1" noChangeAspect="1" noResize="1"/>
           </p:cNvSpPr>
           <p:nvPr>
             <p:ph type="sldImg"/>
           </p:nvPr>
         </p:nvSpPr>
-        <p:spPr/>
+        <p:spPr>
+          <a:xfrm>
+            <a:off x="1143000" y="695325"/>
+            <a:ext cx="4570413" cy="3427413"/>
+          </a:xfrm>
+          <a:solidFill>
+            <a:schemeClr val="accent1"/>
+          </a:solidFill>
+          <a:ln w="25400">
+            <a:solidFill>
+              <a:schemeClr val="accent1">
+                <a:shade val="50000"/>
+              </a:schemeClr>
+            </a:solidFill>
+            <a:prstDash val="solid"/>
+          </a:ln>
+        </p:spPr>
       </p:sp>
       <p:sp>
         <p:nvSpPr>
           <p:cNvPr id="3" name="Espaço Reservado para Anotações 2"/>
-          <p:cNvSpPr>
-            <a:spLocks noGrp="1"/>
-          </p:cNvSpPr>
-          <p:nvPr>
-            <p:ph type="body" idx="1"/>
-          </p:nvPr>
-        </p:nvSpPr>
-        <p:spPr/>
-        <p:txBody>
-          <a:bodyPr/>
-          <a:lstStyle/>
-          <a:p>
+          <p:cNvSpPr txBox="1">
+            <a:spLocks noGrp="1"/>
+          </p:cNvSpPr>
+          <p:nvPr>
+            <p:ph type="body" sz="quarter" idx="1"/>
+          </p:nvPr>
+        </p:nvSpPr>
+        <p:spPr>
+          <a:xfrm>
+            <a:off x="685800" y="4343400"/>
+            <a:ext cx="5486400" cy="1569660"/>
+          </a:xfrm>
+        </p:spPr>
+        <p:txBody>
+          <a:bodyPr>
+            <a:spAutoFit/>
+          </a:bodyPr>
+          <a:lstStyle/>
+          <a:p>
+            <a:pPr lvl="0"/>
             <a:endParaRPr lang="pt-BR" dirty="0"/>
           </a:p>
         </p:txBody>
       </p:sp>
-      <p:sp>
-        <p:nvSpPr>
-          <p:cNvPr id="4" name="Espaço Reservado para Número de Slide 3"/>
-          <p:cNvSpPr>
-            <a:spLocks noGrp="1"/>
-          </p:cNvSpPr>
-          <p:nvPr>
-            <p:ph type="sldNum" sz="quarter" idx="10"/>
-          </p:nvPr>
-        </p:nvSpPr>
-        <p:spPr/>
-        <p:txBody>
-          <a:bodyPr/>
-          <a:lstStyle/>
-          <a:p>
-            <a:fld id="{1145560E-C839-40E2-957A-A4B404157F19}" type="slidenum">
-              <a:rPr lang="pt-BR" smtClean="0"/>
-              <a:t>11</a:t>
-            </a:fld>
-            <a:endParaRPr lang="pt-BR" dirty="0"/>
-          </a:p>
-        </p:txBody>
-      </p:sp>
     </p:spTree>
-    <p:extLst>
-      <p:ext uri="{BB962C8B-B14F-4D97-AF65-F5344CB8AC3E}">
-        <p14:creationId xmlns:p14="http://schemas.microsoft.com/office/powerpoint/2010/main" val="2073858245"/>
-      </p:ext>
-    </p:extLst>
   </p:cSld>
   <p:clrMapOvr>
     <a:masterClrMapping/>
@@ -2281,7 +1900,7 @@
           <a:p>
             <a:fld id="{E3188135-16F7-40D6-B3B0-663DD3FC54B8}" type="datetime1">
               <a:rPr lang="pt-BR" smtClean="0"/>
-              <a:t>12/09/2011</a:t>
+              <a:t>13/09/2011</a:t>
             </a:fld>
             <a:endParaRPr lang="pt-BR" dirty="0"/>
           </a:p>
@@ -3154,7 +2773,7 @@
           <a:p>
             <a:fld id="{EBDDE201-C26D-40BB-A193-6F0035D73FBF}" type="datetime1">
               <a:rPr lang="pt-BR" smtClean="0"/>
-              <a:t>12/09/2011</a:t>
+              <a:t>13/09/2011</a:t>
             </a:fld>
             <a:endParaRPr lang="pt-BR" dirty="0"/>
           </a:p>
@@ -3333,7 +2952,7 @@
           <a:p>
             <a:fld id="{472F4B7F-6C10-4D53-A27B-CC237E91CB34}" type="datetime1">
               <a:rPr lang="pt-BR" smtClean="0"/>
-              <a:t>12/09/2011</a:t>
+              <a:t>13/09/2011</a:t>
             </a:fld>
             <a:endParaRPr lang="pt-BR" dirty="0"/>
           </a:p>
@@ -3507,7 +3126,7 @@
           <a:p>
             <a:fld id="{A02F8022-A04B-432E-9866-27487618912D}" type="datetime1">
               <a:rPr lang="pt-BR" smtClean="0"/>
-              <a:t>12/09/2011</a:t>
+              <a:t>13/09/2011</a:t>
             </a:fld>
             <a:endParaRPr lang="pt-BR" dirty="0"/>
           </a:p>
@@ -3721,7 +3340,7 @@
           <a:p>
             <a:fld id="{4E9312FF-E5A5-4E7D-A855-27DC3D260262}" type="datetime1">
               <a:rPr lang="pt-BR" smtClean="0"/>
-              <a:t>12/09/2011</a:t>
+              <a:t>13/09/2011</a:t>
             </a:fld>
             <a:endParaRPr lang="pt-BR" dirty="0"/>
           </a:p>
@@ -4539,7 +4158,7 @@
           <a:p>
             <a:fld id="{54EB7FFA-AEF9-48E2-BD82-6E1E402D109F}" type="datetime1">
               <a:rPr lang="pt-BR" smtClean="0"/>
-              <a:t>12/09/2011</a:t>
+              <a:t>13/09/2011</a:t>
             </a:fld>
             <a:endParaRPr lang="pt-BR" dirty="0"/>
           </a:p>
@@ -4779,7 +4398,7 @@
           <a:p>
             <a:fld id="{357DDFA5-E5F1-43EC-996F-78DBF8B52FC6}" type="datetime1">
               <a:rPr lang="pt-BR" smtClean="0"/>
-              <a:t>12/09/2011</a:t>
+              <a:t>13/09/2011</a:t>
             </a:fld>
             <a:endParaRPr lang="pt-BR" dirty="0"/>
           </a:p>
@@ -5106,7 +4725,7 @@
           <a:p>
             <a:fld id="{61209680-2B12-4AB9-BCBC-6836D7A2D5A2}" type="datetime1">
               <a:rPr lang="pt-BR" smtClean="0"/>
-              <a:t>12/09/2011</a:t>
+              <a:t>13/09/2011</a:t>
             </a:fld>
             <a:endParaRPr lang="pt-BR" dirty="0"/>
           </a:p>
@@ -5200,7 +4819,7 @@
           <a:p>
             <a:fld id="{3F8C3AB0-901B-49F6-92CD-AD15C65D5417}" type="datetime1">
               <a:rPr lang="pt-BR" smtClean="0"/>
-              <a:t>12/09/2011</a:t>
+              <a:t>13/09/2011</a:t>
             </a:fld>
             <a:endParaRPr lang="pt-BR" dirty="0"/>
           </a:p>
@@ -5721,7 +5340,7 @@
           <a:p>
             <a:fld id="{22EC3EF7-9ED9-49E9-9BD3-95C4E33B81A6}" type="datetime1">
               <a:rPr lang="pt-BR" smtClean="0"/>
-              <a:t>12/09/2011</a:t>
+              <a:t>13/09/2011</a:t>
             </a:fld>
             <a:endParaRPr lang="pt-BR" dirty="0"/>
           </a:p>
@@ -6236,7 +5855,7 @@
           <a:p>
             <a:fld id="{9A90EF26-17C7-4334-AF48-68D474289B48}" type="datetime1">
               <a:rPr lang="pt-BR" smtClean="0"/>
-              <a:t>12/09/2011</a:t>
+              <a:t>13/09/2011</a:t>
             </a:fld>
             <a:endParaRPr lang="pt-BR" dirty="0"/>
           </a:p>
@@ -6485,7 +6104,7 @@
           <a:p>
             <a:fld id="{D51C65EF-F4B2-4CE5-8009-2D690941F00A}" type="datetime1">
               <a:rPr lang="pt-BR" smtClean="0"/>
-              <a:t>12/09/2011</a:t>
+              <a:t>13/09/2011</a:t>
             </a:fld>
             <a:endParaRPr lang="pt-BR" dirty="0"/>
           </a:p>
@@ -7171,15 +6790,7 @@
           <a:p>
             <a:r>
               <a:rPr lang="pt-BR" sz="1400" b="0" dirty="0" smtClean="0"/>
-              <a:t>Orientando: Matheus </a:t>
-            </a:r>
-            <a:r>
-              <a:rPr lang="pt-BR" sz="1400" b="0" dirty="0" smtClean="0"/>
-              <a:t>Ricardo Uihara </a:t>
-            </a:r>
-            <a:r>
-              <a:rPr lang="pt-BR" sz="1400" b="0" dirty="0" smtClean="0"/>
-              <a:t>Zingarelli</a:t>
+              <a:t>Orientando: Matheus Ricardo Uihara Zingarelli</a:t>
             </a:r>
           </a:p>
           <a:p>
@@ -7187,7 +6798,6 @@
               <a:rPr lang="pt-BR" sz="1400" b="0" dirty="0" smtClean="0"/>
               <a:t>Orientador: Prof. Dr. Rudinei Goularte</a:t>
             </a:r>
-            <a:endParaRPr lang="pt-BR" sz="1400" b="0" dirty="0" smtClean="0"/>
           </a:p>
           <a:p>
             <a:endParaRPr lang="pt-BR" sz="1200" dirty="0" smtClean="0"/>
@@ -7271,210 +6881,272 @@
       </p:grpSpPr>
       <p:sp>
         <p:nvSpPr>
-          <p:cNvPr id="2" name="CaixaDeTexto 1"/>
-          <p:cNvSpPr txBox="1"/>
-          <p:nvPr/>
+          <p:cNvPr id="9" name="Título 8"/>
+          <p:cNvSpPr>
+            <a:spLocks noGrp="1"/>
+          </p:cNvSpPr>
+          <p:nvPr>
+            <p:ph type="title"/>
+          </p:nvPr>
+        </p:nvSpPr>
+        <p:spPr/>
+        <p:txBody>
+          <a:bodyPr/>
+          <a:lstStyle/>
+          <a:p>
+            <a:r>
+              <a:rPr lang="pt-BR" dirty="0" smtClean="0"/>
+              <a:t>Visualização </a:t>
+            </a:r>
+            <a:r>
+              <a:rPr lang="pt-BR" dirty="0" smtClean="0"/>
+              <a:t>Estereoscópica – Outros Métodos</a:t>
+            </a:r>
+            <a:endParaRPr lang="pt-BR" dirty="0"/>
+          </a:p>
+        </p:txBody>
+      </p:sp>
+      <p:sp>
+        <p:nvSpPr>
+          <p:cNvPr id="10" name="Espaço Reservado para Conteúdo 9"/>
+          <p:cNvSpPr>
+            <a:spLocks noGrp="1"/>
+          </p:cNvSpPr>
+          <p:nvPr>
+            <p:ph sz="quarter" idx="1"/>
+          </p:nvPr>
         </p:nvSpPr>
         <p:spPr>
           <a:xfrm>
-            <a:off x="620447" y="326586"/>
-            <a:ext cx="8196435" cy="1143049"/>
-          </a:xfrm>
-          <a:prstGeom prst="rect">
-            <a:avLst/>
-          </a:prstGeom>
-          <a:noFill/>
-          <a:ln>
-            <a:noFill/>
-          </a:ln>
-        </p:spPr>
-        <p:txBody>
-          <a:bodyPr vert="horz" lIns="81639" tIns="40820" rIns="81639" bIns="40820" compatLnSpc="0"/>
-          <a:lstStyle/>
-          <a:p>
-            <a:pPr hangingPunct="0"/>
-            <a:r>
-              <a:rPr lang="pt-BR" sz="3000" u="sng" cap="small" dirty="0">
-                <a:solidFill>
-                  <a:schemeClr val="tx2"/>
-                </a:solidFill>
-                <a:latin typeface="+mj-lt"/>
-                <a:ea typeface="+mj-ea"/>
-                <a:cs typeface="+mj-cs"/>
-              </a:rPr>
-              <a:t>Obturador      				                      .</a:t>
-            </a:r>
-          </a:p>
-        </p:txBody>
-      </p:sp>
-      <p:pic>
-        <p:nvPicPr>
-          <p:cNvPr id="3" name="Imagem 2"/>
-          <p:cNvPicPr>
-            <a:picLocks noChangeAspect="1"/>
-          </p:cNvPicPr>
-          <p:nvPr/>
-        </p:nvPicPr>
-        <p:blipFill>
-          <a:blip r:embed="rId3">
-            <a:lum/>
-            <a:alphaModFix/>
-          </a:blip>
-          <a:srcRect/>
-          <a:stretch>
-            <a:fillRect/>
-          </a:stretch>
-        </p:blipFill>
+            <a:off x="251520" y="1484784"/>
+            <a:ext cx="8208912" cy="4873752"/>
+          </a:xfrm>
+        </p:spPr>
+        <p:txBody>
+          <a:bodyPr>
+            <a:normAutofit/>
+          </a:bodyPr>
+          <a:lstStyle/>
+          <a:p>
+            <a:r>
+              <a:rPr lang="pt-BR" sz="2200" dirty="0" smtClean="0"/>
+              <a:t>Luz Polarizada</a:t>
+            </a:r>
+          </a:p>
+          <a:p>
+            <a:pPr lvl="1"/>
+            <a:r>
+              <a:rPr lang="pt-BR" sz="1900" dirty="0" smtClean="0"/>
+              <a:t>Filtros polarizam o sinal de cada vídeo de modo diferente</a:t>
+            </a:r>
+          </a:p>
+          <a:p>
+            <a:pPr lvl="1"/>
+            <a:r>
+              <a:rPr lang="pt-BR" sz="1900" dirty="0" smtClean="0"/>
+              <a:t>Lentes dos óculos filtram o sinal de vídeo correspondente para cada olho</a:t>
+            </a:r>
+          </a:p>
+          <a:p>
+            <a:r>
+              <a:rPr lang="pt-BR" sz="2200" dirty="0" smtClean="0"/>
+              <a:t>Óculos Obturadores</a:t>
+            </a:r>
+          </a:p>
+          <a:p>
+            <a:pPr lvl="1"/>
+            <a:r>
+              <a:rPr lang="en-US" sz="1900" dirty="0" err="1" smtClean="0"/>
+              <a:t>Separação</a:t>
+            </a:r>
+            <a:r>
+              <a:rPr lang="en-US" sz="1900" dirty="0" smtClean="0"/>
+              <a:t> </a:t>
+            </a:r>
+            <a:r>
+              <a:rPr lang="en-US" sz="1900" dirty="0" err="1" smtClean="0"/>
+              <a:t>mecânica</a:t>
+            </a:r>
+            <a:r>
+              <a:rPr lang="en-US" sz="1900" dirty="0" smtClean="0"/>
+              <a:t> das </a:t>
+            </a:r>
+            <a:r>
+              <a:rPr lang="en-US" sz="1900" dirty="0" err="1" smtClean="0"/>
+              <a:t>imagens</a:t>
+            </a:r>
+            <a:endParaRPr lang="en-US" sz="1900" dirty="0" smtClean="0"/>
+          </a:p>
+          <a:p>
+            <a:pPr lvl="1"/>
+            <a:r>
+              <a:rPr lang="en-US" sz="1900" dirty="0" err="1" smtClean="0"/>
+              <a:t>Alternância</a:t>
+            </a:r>
+            <a:r>
+              <a:rPr lang="en-US" sz="1900" dirty="0" smtClean="0"/>
+              <a:t> das </a:t>
+            </a:r>
+            <a:r>
+              <a:rPr lang="en-US" sz="1900" dirty="0" err="1" smtClean="0"/>
+              <a:t>lentes</a:t>
+            </a:r>
+            <a:r>
+              <a:rPr lang="en-US" sz="1900" dirty="0" smtClean="0"/>
+              <a:t> entre </a:t>
+            </a:r>
+            <a:r>
+              <a:rPr lang="en-US" sz="1900" dirty="0" err="1" smtClean="0"/>
+              <a:t>transparente</a:t>
+            </a:r>
+            <a:r>
+              <a:rPr lang="en-US" sz="1900" dirty="0" smtClean="0"/>
+              <a:t> e </a:t>
+            </a:r>
+            <a:r>
+              <a:rPr lang="en-US" sz="1900" dirty="0" err="1" smtClean="0"/>
+              <a:t>opaca</a:t>
+            </a:r>
+            <a:endParaRPr lang="en-US" sz="1900" dirty="0" smtClean="0"/>
+          </a:p>
+          <a:p>
+            <a:pPr lvl="2"/>
+            <a:r>
+              <a:rPr lang="en-US" sz="1600" dirty="0" smtClean="0"/>
+              <a:t>Alta </a:t>
+            </a:r>
+            <a:r>
+              <a:rPr lang="en-US" sz="1600" dirty="0" err="1" smtClean="0"/>
+              <a:t>frequência</a:t>
+            </a:r>
+            <a:endParaRPr lang="pt-BR" sz="1600" dirty="0" smtClean="0"/>
+          </a:p>
+          <a:p>
+            <a:r>
+              <a:rPr lang="pt-BR" sz="2200" dirty="0" smtClean="0"/>
+              <a:t>Monitores autoestereoscópicos</a:t>
+            </a:r>
+          </a:p>
+          <a:p>
+            <a:pPr lvl="1"/>
+            <a:r>
+              <a:rPr lang="en-US" sz="1900" dirty="0" err="1" smtClean="0"/>
+              <a:t>Película</a:t>
+            </a:r>
+            <a:r>
+              <a:rPr lang="en-US" sz="1900" dirty="0" smtClean="0"/>
+              <a:t> </a:t>
+            </a:r>
+            <a:r>
+              <a:rPr lang="en-US" sz="1900" dirty="0" err="1" smtClean="0"/>
+              <a:t>redireciona</a:t>
+            </a:r>
+            <a:r>
+              <a:rPr lang="en-US" sz="1900" dirty="0" smtClean="0"/>
+              <a:t> a </a:t>
+            </a:r>
+            <a:r>
+              <a:rPr lang="en-US" sz="1900" dirty="0" err="1" smtClean="0"/>
+              <a:t>luz</a:t>
+            </a:r>
+            <a:r>
+              <a:rPr lang="en-US" sz="1900" dirty="0" smtClean="0"/>
+              <a:t> </a:t>
+            </a:r>
+            <a:r>
+              <a:rPr lang="en-US" sz="1900" dirty="0" err="1" smtClean="0"/>
+              <a:t>em</a:t>
+            </a:r>
+            <a:r>
+              <a:rPr lang="en-US" sz="1900" dirty="0" smtClean="0"/>
+              <a:t> </a:t>
+            </a:r>
+            <a:r>
+              <a:rPr lang="en-US" sz="1900" dirty="0" err="1" smtClean="0"/>
+              <a:t>vários</a:t>
+            </a:r>
+            <a:r>
+              <a:rPr lang="en-US" sz="1900" dirty="0" smtClean="0"/>
+              <a:t> </a:t>
+            </a:r>
+            <a:r>
+              <a:rPr lang="en-US" sz="1900" dirty="0" err="1" smtClean="0"/>
+              <a:t>ângulos</a:t>
+            </a:r>
+            <a:r>
+              <a:rPr lang="en-US" sz="1900" dirty="0" smtClean="0"/>
+              <a:t> </a:t>
+            </a:r>
+            <a:r>
+              <a:rPr lang="en-US" sz="1900" dirty="0" err="1" smtClean="0"/>
+              <a:t>diferentes</a:t>
+            </a:r>
+            <a:endParaRPr lang="en-US" sz="1900" dirty="0" smtClean="0"/>
+          </a:p>
+          <a:p>
+            <a:pPr lvl="2"/>
+            <a:r>
+              <a:rPr lang="en-US" sz="1600" dirty="0" err="1" smtClean="0"/>
+              <a:t>Cada</a:t>
+            </a:r>
+            <a:r>
+              <a:rPr lang="en-US" sz="1600" dirty="0" smtClean="0"/>
+              <a:t> </a:t>
+            </a:r>
+            <a:r>
+              <a:rPr lang="en-US" sz="1600" dirty="0" err="1" smtClean="0"/>
+              <a:t>ângulo</a:t>
+            </a:r>
+            <a:r>
+              <a:rPr lang="en-US" sz="1600" dirty="0" smtClean="0"/>
+              <a:t> </a:t>
+            </a:r>
+            <a:r>
+              <a:rPr lang="en-US" sz="1600" dirty="0" err="1" smtClean="0"/>
+              <a:t>possui</a:t>
+            </a:r>
+            <a:r>
+              <a:rPr lang="en-US" sz="1600" dirty="0" smtClean="0"/>
+              <a:t> </a:t>
+            </a:r>
+            <a:r>
+              <a:rPr lang="en-US" sz="1600" dirty="0" err="1" smtClean="0"/>
+              <a:t>uma</a:t>
+            </a:r>
+            <a:r>
+              <a:rPr lang="en-US" sz="1600" dirty="0" smtClean="0"/>
+              <a:t> nova </a:t>
+            </a:r>
+            <a:r>
+              <a:rPr lang="en-US" sz="1600" dirty="0" err="1" smtClean="0"/>
+              <a:t>perspectiva</a:t>
+            </a:r>
+            <a:r>
+              <a:rPr lang="en-US" sz="1600" dirty="0" smtClean="0"/>
+              <a:t> da </a:t>
+            </a:r>
+            <a:r>
+              <a:rPr lang="en-US" sz="1600" dirty="0" err="1" smtClean="0"/>
+              <a:t>cena</a:t>
+            </a:r>
+            <a:endParaRPr lang="pt-BR" sz="1600" dirty="0" smtClean="0"/>
+          </a:p>
+          <a:p>
+            <a:endParaRPr lang="pt-BR" sz="2200" dirty="0" smtClean="0"/>
+          </a:p>
+        </p:txBody>
+      </p:sp>
+      <p:sp>
+        <p:nvSpPr>
+          <p:cNvPr id="7" name="Espaço Reservado para Número de Slide 4"/>
+          <p:cNvSpPr>
+            <a:spLocks noGrp="1"/>
+          </p:cNvSpPr>
+          <p:nvPr>
+            <p:ph type="sldNum" sz="quarter" idx="15"/>
+          </p:nvPr>
+        </p:nvSpPr>
         <p:spPr>
-          <a:xfrm>
-            <a:off x="1228811" y="1447881"/>
-            <a:ext cx="3408215" cy="1942530"/>
-          </a:xfrm>
-          <a:prstGeom prst="rect">
-            <a:avLst/>
-          </a:prstGeom>
-          <a:noFill/>
-          <a:ln>
-            <a:noFill/>
-          </a:ln>
-        </p:spPr>
-      </p:pic>
-      <p:sp>
-        <p:nvSpPr>
-          <p:cNvPr id="4" name="CaixaDeTexto 3"/>
-          <p:cNvSpPr txBox="1"/>
-          <p:nvPr/>
-        </p:nvSpPr>
-        <p:spPr>
-          <a:xfrm>
-            <a:off x="5508104" y="1412776"/>
-            <a:ext cx="2818951" cy="4267492"/>
-          </a:xfrm>
-          <a:prstGeom prst="rect">
-            <a:avLst/>
-          </a:prstGeom>
-          <a:noFill/>
-          <a:ln>
-            <a:noFill/>
-          </a:ln>
-        </p:spPr>
-        <p:txBody>
-          <a:bodyPr vert="horz" lIns="81639" tIns="40820" rIns="81639" bIns="40820" compatLnSpc="0"/>
-          <a:lstStyle/>
-          <a:p>
-            <a:pPr hangingPunct="0">
-              <a:defRPr sz="1100">
-                <a:latin typeface="Times New Roman" pitchFamily="16"/>
-                <a:ea typeface="Times New Roman" pitchFamily="16"/>
-                <a:cs typeface="Times New Roman" pitchFamily="16"/>
-              </a:defRPr>
-            </a:pPr>
-            <a:r>
-              <a:rPr lang="pt-BR" sz="1600" dirty="0">
-                <a:latin typeface="+mj-lt"/>
-                <a:ea typeface="Microsoft YaHei" pitchFamily="2"/>
-                <a:cs typeface="Mangal" pitchFamily="2"/>
-              </a:rPr>
-              <a:t>O monitor exibe alternadamente as imagens para cada olho em</a:t>
-            </a:r>
-          </a:p>
-          <a:p>
-            <a:pPr hangingPunct="0">
-              <a:defRPr sz="1100">
-                <a:latin typeface="Times New Roman" pitchFamily="16"/>
-                <a:ea typeface="Times New Roman" pitchFamily="16"/>
-                <a:cs typeface="Times New Roman" pitchFamily="16"/>
-              </a:defRPr>
-            </a:pPr>
-            <a:r>
-              <a:rPr lang="pt-BR" sz="1600" dirty="0">
-                <a:latin typeface="+mj-lt"/>
-                <a:ea typeface="Microsoft YaHei" pitchFamily="2"/>
-                <a:cs typeface="Mangal" pitchFamily="2"/>
-              </a:rPr>
-              <a:t>alta frequência.</a:t>
-            </a:r>
-          </a:p>
-          <a:p>
-            <a:pPr hangingPunct="0"/>
-            <a:endParaRPr lang="pt-BR" sz="1600" dirty="0">
-              <a:latin typeface="+mj-lt"/>
-              <a:ea typeface="Microsoft YaHei" pitchFamily="2"/>
-              <a:cs typeface="Mangal" pitchFamily="2"/>
-            </a:endParaRPr>
-          </a:p>
-          <a:p>
-            <a:pPr hangingPunct="0"/>
-            <a:r>
-              <a:rPr lang="pt-BR" sz="1600" dirty="0">
-                <a:latin typeface="+mj-lt"/>
-                <a:ea typeface="Microsoft YaHei" pitchFamily="2"/>
-                <a:cs typeface="Mangal" pitchFamily="2"/>
-              </a:rPr>
-              <a:t>Óculos especiais de LCD bloqueiam a visão de um olho e depois do outro, em rápidas sucessões.</a:t>
-            </a:r>
-          </a:p>
-          <a:p>
-            <a:pPr hangingPunct="0"/>
-            <a:endParaRPr lang="pt-BR" sz="1600" dirty="0">
-              <a:latin typeface="+mj-lt"/>
-              <a:ea typeface="Microsoft YaHei" pitchFamily="2"/>
-              <a:cs typeface="Mangal" pitchFamily="2"/>
-            </a:endParaRPr>
-          </a:p>
-          <a:p>
-            <a:pPr hangingPunct="0"/>
-            <a:r>
-              <a:rPr lang="pt-BR" sz="1600" dirty="0">
-                <a:latin typeface="+mj-lt"/>
-                <a:ea typeface="Microsoft YaHei" pitchFamily="2"/>
-                <a:cs typeface="Mangal" pitchFamily="2"/>
-              </a:rPr>
-              <a:t>Limitações: óculos de alto custo; </a:t>
-            </a:r>
-            <a:r>
-              <a:rPr lang="pt-BR" sz="1600" dirty="0">
-                <a:latin typeface="+mj-lt"/>
-                <a:ea typeface="Times New Roman" pitchFamily="18"/>
-                <a:cs typeface="Times New Roman" pitchFamily="18"/>
-              </a:rPr>
-              <a:t>perda da resolução ou brilho das imagens; não é possível utilizar os</a:t>
-            </a:r>
-          </a:p>
-          <a:p>
-            <a:pPr hangingPunct="0">
-              <a:defRPr sz="1100">
-                <a:latin typeface="Times New Roman" pitchFamily="16"/>
-                <a:ea typeface="Times New Roman" pitchFamily="16"/>
-                <a:cs typeface="Times New Roman" pitchFamily="16"/>
-              </a:defRPr>
-            </a:pPr>
-            <a:r>
-              <a:rPr lang="pt-BR" sz="1600" dirty="0">
-                <a:latin typeface="+mj-lt"/>
-                <a:ea typeface="Times New Roman" pitchFamily="18"/>
-                <a:cs typeface="Times New Roman" pitchFamily="18"/>
-              </a:rPr>
-              <a:t>mesmos óculos para televisores 3D de marcas diferentes.</a:t>
-            </a:r>
-          </a:p>
-        </p:txBody>
-      </p:sp>
-      <p:sp>
-        <p:nvSpPr>
-          <p:cNvPr id="6" name="Espaço Reservado para Número de Slide 4"/>
-          <p:cNvSpPr>
-            <a:spLocks noGrp="1"/>
-          </p:cNvSpPr>
-          <p:nvPr>
-            <p:ph type="sldNum" sz="quarter" idx="4294967295"/>
-          </p:nvPr>
-        </p:nvSpPr>
-        <p:spPr>
-          <a:xfrm>
-            <a:off x="8172400" y="5805264"/>
-            <a:ext cx="504056" cy="432048"/>
-          </a:xfrm>
           <a:prstGeom prst="rect">
             <a:avLst/>
           </a:prstGeom>
@@ -7501,601 +7173,7 @@
       </p:sp>
       <p:sp>
         <p:nvSpPr>
-          <p:cNvPr id="7" name="Espaço Reservado para Rodapé 3"/>
-          <p:cNvSpPr>
-            <a:spLocks noGrp="1"/>
-          </p:cNvSpPr>
-          <p:nvPr>
-            <p:ph type="ftr" sz="quarter" idx="4294967295"/>
-          </p:nvPr>
-        </p:nvSpPr>
-        <p:spPr>
-          <a:xfrm>
-            <a:off x="4211960" y="6492240"/>
-            <a:ext cx="4536504" cy="365760"/>
-          </a:xfrm>
-          <a:prstGeom prst="rect">
-            <a:avLst/>
-          </a:prstGeom>
-        </p:spPr>
-        <p:txBody>
-          <a:bodyPr/>
-          <a:lstStyle/>
-          <a:p>
-            <a:r>
-              <a:rPr lang="pt-BR" dirty="0"/>
-              <a:t>Qualificação Mestrado – Matheus Ricardo Uihara Zingarelli</a:t>
-            </a:r>
-            <a:endParaRPr lang="pt-BR" dirty="0"/>
-          </a:p>
-        </p:txBody>
-      </p:sp>
-      <p:pic>
-        <p:nvPicPr>
-          <p:cNvPr id="1026" name="Picture 2" descr="D:\versionados\2-Disciplinas\Multimidia\sem oculos.jpeg">
-            <a:hlinkClick r:id="rId4" action="ppaction://hlinkfile"/>
-          </p:cNvPr>
-          <p:cNvPicPr>
-            <a:picLocks noChangeAspect="1" noChangeArrowheads="1"/>
-          </p:cNvPicPr>
-          <p:nvPr/>
-        </p:nvPicPr>
-        <p:blipFill>
-          <a:blip r:embed="rId5">
-            <a:extLst>
-              <a:ext uri="{28A0092B-C50C-407E-A947-70E740481C1C}">
-                <a14:useLocalDpi xmlns:a14="http://schemas.microsoft.com/office/drawing/2010/main" val="0"/>
-              </a:ext>
-            </a:extLst>
-          </a:blip>
-          <a:srcRect/>
-          <a:stretch>
-            <a:fillRect/>
-          </a:stretch>
-        </p:blipFill>
-        <p:spPr bwMode="auto">
-          <a:xfrm>
-            <a:off x="909032" y="4077072"/>
-            <a:ext cx="4047774" cy="2276872"/>
-          </a:xfrm>
-          <a:prstGeom prst="rect">
-            <a:avLst/>
-          </a:prstGeom>
-          <a:noFill/>
-          <a:extLst>
-            <a:ext uri="{909E8E84-426E-40DD-AFC4-6F175D3DCCD1}">
-              <a14:hiddenFill xmlns:a14="http://schemas.microsoft.com/office/drawing/2010/main">
-                <a:solidFill>
-                  <a:srgbClr val="FFFFFF"/>
-                </a:solidFill>
-              </a14:hiddenFill>
-            </a:ext>
-          </a:extLst>
-        </p:spPr>
-      </p:pic>
-    </p:spTree>
-    <p:extLst>
-      <p:ext uri="{BB962C8B-B14F-4D97-AF65-F5344CB8AC3E}">
-        <p14:creationId xmlns:p14="http://schemas.microsoft.com/office/powerpoint/2010/main" val="2139910171"/>
-      </p:ext>
-    </p:extLst>
-  </p:cSld>
-  <p:clrMapOvr>
-    <a:masterClrMapping/>
-  </p:clrMapOvr>
-  <mc:AlternateContent xmlns:mc="http://schemas.openxmlformats.org/markup-compatibility/2006" xmlns:p14="http://schemas.microsoft.com/office/powerpoint/2010/main">
-    <mc:Choice Requires="p14">
-      <p:transition spd="slow" p14:dur="2000"/>
-    </mc:Choice>
-    <mc:Fallback xmlns="">
-      <p:transition spd="slow"/>
-    </mc:Fallback>
-  </mc:AlternateContent>
-  <p:timing>
-    <p:tnLst>
-      <p:par>
-        <p:cTn id="1" dur="indefinite" restart="never" nodeType="tmRoot"/>
-      </p:par>
-    </p:tnLst>
-  </p:timing>
-</p:sld>
-</file>
-
-<file path=ppt/slides/slide11.xml><?xml version="1.0" encoding="utf-8"?>
-<p:sld xmlns:a="http://schemas.openxmlformats.org/drawingml/2006/main" xmlns:r="http://schemas.openxmlformats.org/officeDocument/2006/relationships" xmlns:p="http://schemas.openxmlformats.org/presentationml/2006/main">
-  <p:cSld>
-    <p:spTree>
-      <p:nvGrpSpPr>
-        <p:cNvPr id="1" name=""/>
-        <p:cNvGrpSpPr/>
-        <p:nvPr/>
-      </p:nvGrpSpPr>
-      <p:grpSpPr>
-        <a:xfrm>
-          <a:off x="0" y="0"/>
-          <a:ext cx="0" cy="0"/>
-          <a:chOff x="0" y="0"/>
-          <a:chExt cx="0" cy="0"/>
-        </a:xfrm>
-      </p:grpSpPr>
-      <p:sp>
-        <p:nvSpPr>
-          <p:cNvPr id="3" name="Espaço Reservado para Conteúdo 2"/>
-          <p:cNvSpPr>
-            <a:spLocks noGrp="1"/>
-          </p:cNvSpPr>
-          <p:nvPr>
-            <p:ph sz="quarter" idx="1"/>
-          </p:nvPr>
-        </p:nvSpPr>
-        <p:spPr/>
-        <p:txBody>
-          <a:bodyPr/>
-          <a:lstStyle/>
-          <a:p>
-            <a:r>
-              <a:rPr lang="pt-BR" dirty="0" smtClean="0"/>
-              <a:t>Sensação de profundidade sem utilização de nenhum acessório</a:t>
-            </a:r>
-          </a:p>
-          <a:p>
-            <a:r>
-              <a:rPr lang="pt-BR" dirty="0" smtClean="0"/>
-              <a:t>Tecnologia Lenticular</a:t>
-            </a:r>
-          </a:p>
-          <a:p>
-            <a:pPr lvl="1"/>
-            <a:r>
-              <a:rPr lang="pt-BR" dirty="0" smtClean="0"/>
-              <a:t>Apenas um dos tipos</a:t>
-            </a:r>
-          </a:p>
-          <a:p>
-            <a:pPr lvl="1"/>
-            <a:r>
-              <a:rPr lang="pt-BR" dirty="0" smtClean="0"/>
-              <a:t>Luz direcionada para</a:t>
-            </a:r>
-          </a:p>
-          <a:p>
-            <a:pPr marL="365760" lvl="1" indent="0">
-              <a:buNone/>
-            </a:pPr>
-            <a:r>
-              <a:rPr lang="pt-BR" dirty="0" smtClean="0"/>
-              <a:t>direções diferentes</a:t>
-            </a:r>
-          </a:p>
-          <a:p>
-            <a:pPr lvl="1"/>
-            <a:endParaRPr lang="pt-BR" dirty="0"/>
-          </a:p>
-        </p:txBody>
-      </p:sp>
-      <p:sp>
-        <p:nvSpPr>
-          <p:cNvPr id="4" name="Espaço Reservado para Rodapé 3"/>
-          <p:cNvSpPr>
-            <a:spLocks noGrp="1"/>
-          </p:cNvSpPr>
-          <p:nvPr>
-            <p:ph type="ftr" sz="quarter" idx="16"/>
-          </p:nvPr>
-        </p:nvSpPr>
-        <p:spPr>
-          <a:xfrm>
-            <a:off x="4211960" y="6492240"/>
-            <a:ext cx="4536504" cy="365760"/>
-          </a:xfrm>
-        </p:spPr>
-        <p:txBody>
-          <a:bodyPr/>
-          <a:lstStyle/>
-          <a:p>
-            <a:r>
-              <a:rPr lang="pt-BR" dirty="0"/>
-              <a:t>Qualificação Mestrado – Matheus Ricardo Uihara Zingarelli</a:t>
-            </a:r>
-            <a:endParaRPr lang="pt-BR" dirty="0"/>
-          </a:p>
-        </p:txBody>
-      </p:sp>
-      <p:sp>
-        <p:nvSpPr>
-          <p:cNvPr id="5" name="Espaço Reservado para Número de Slide 4"/>
-          <p:cNvSpPr>
-            <a:spLocks noGrp="1"/>
-          </p:cNvSpPr>
-          <p:nvPr>
-            <p:ph type="sldNum" sz="quarter" idx="15"/>
-          </p:nvPr>
-        </p:nvSpPr>
-        <p:spPr/>
-        <p:txBody>
-          <a:bodyPr/>
-          <a:lstStyle/>
-          <a:p>
-            <a:fld id="{CC2D9971-FBC4-4232-B226-D3882EA6314B}" type="slidenum">
-              <a:rPr lang="pt-BR" smtClean="0"/>
-              <a:t>11</a:t>
-            </a:fld>
-            <a:endParaRPr lang="pt-BR" dirty="0"/>
-          </a:p>
-        </p:txBody>
-      </p:sp>
-      <p:grpSp>
-        <p:nvGrpSpPr>
-          <p:cNvPr id="7" name="Grupo 6"/>
-          <p:cNvGrpSpPr/>
-          <p:nvPr/>
-        </p:nvGrpSpPr>
-        <p:grpSpPr>
-          <a:xfrm>
-            <a:off x="289396" y="4077072"/>
-            <a:ext cx="4676775" cy="2612033"/>
-            <a:chOff x="289396" y="4077072"/>
-            <a:chExt cx="4676775" cy="2612033"/>
-          </a:xfrm>
-        </p:grpSpPr>
-        <p:pic>
-          <p:nvPicPr>
-            <p:cNvPr id="1027" name="Picture 3"/>
-            <p:cNvPicPr>
-              <a:picLocks noChangeAspect="1" noChangeArrowheads="1"/>
-            </p:cNvPicPr>
-            <p:nvPr/>
-          </p:nvPicPr>
-          <p:blipFill>
-            <a:blip r:embed="rId3">
-              <a:extLst>
-                <a:ext uri="{28A0092B-C50C-407E-A947-70E740481C1C}">
-                  <a14:useLocalDpi xmlns:a14="http://schemas.microsoft.com/office/drawing/2010/main" val="0"/>
-                </a:ext>
-              </a:extLst>
-            </a:blip>
-            <a:srcRect/>
-            <a:stretch>
-              <a:fillRect/>
-            </a:stretch>
-          </p:blipFill>
-          <p:spPr bwMode="auto">
-            <a:xfrm>
-              <a:off x="289396" y="4077072"/>
-              <a:ext cx="4676775" cy="2400300"/>
-            </a:xfrm>
-            <a:prstGeom prst="rect">
-              <a:avLst/>
-            </a:prstGeom>
-            <a:noFill/>
-            <a:ln>
-              <a:noFill/>
-            </a:ln>
-            <a:effectLst/>
-            <a:extLst>
-              <a:ext uri="{909E8E84-426E-40DD-AFC4-6F175D3DCCD1}">
-                <a14:hiddenFill xmlns:a14="http://schemas.microsoft.com/office/drawing/2010/main">
-                  <a:solidFill>
-                    <a:schemeClr val="accent1"/>
-                  </a:solidFill>
-                </a14:hiddenFill>
-              </a:ext>
-              <a:ext uri="{91240B29-F687-4F45-9708-019B960494DF}">
-                <a14:hiddenLine xmlns:a14="http://schemas.microsoft.com/office/drawing/2010/main" w="9525">
-                  <a:solidFill>
-                    <a:schemeClr val="tx1"/>
-                  </a:solidFill>
-                  <a:miter lim="800000"/>
-                  <a:headEnd/>
-                  <a:tailEnd/>
-                </a14:hiddenLine>
-              </a:ext>
-              <a:ext uri="{AF507438-7753-43E0-B8FC-AC1667EBCBE1}">
-                <a14:hiddenEffects xmlns:a14="http://schemas.microsoft.com/office/drawing/2010/main">
-                  <a:effectLst>
-                    <a:outerShdw dist="35921" dir="2700000" algn="ctr" rotWithShape="0">
-                      <a:schemeClr val="bg2"/>
-                    </a:outerShdw>
-                  </a:effectLst>
-                </a14:hiddenEffects>
-              </a:ext>
-            </a:extLst>
-          </p:spPr>
-        </p:pic>
-        <p:sp>
-          <p:nvSpPr>
-            <p:cNvPr id="9" name="CaixaDeTexto 8"/>
-            <p:cNvSpPr txBox="1"/>
-            <p:nvPr/>
-          </p:nvSpPr>
-          <p:spPr>
-            <a:xfrm>
-              <a:off x="1259632" y="6381328"/>
-              <a:ext cx="2736304" cy="307777"/>
-            </a:xfrm>
-            <a:prstGeom prst="rect">
-              <a:avLst/>
-            </a:prstGeom>
-            <a:noFill/>
-          </p:spPr>
-          <p:txBody>
-            <a:bodyPr wrap="square" rtlCol="0">
-              <a:spAutoFit/>
-            </a:bodyPr>
-            <a:lstStyle/>
-            <a:p>
-              <a:r>
-                <a:rPr lang="pt-BR" sz="1400" dirty="0" smtClean="0"/>
-                <a:t>(Halle, 1997) - adaptado</a:t>
-              </a:r>
-              <a:endParaRPr lang="pt-BR" sz="1400" dirty="0"/>
-            </a:p>
-          </p:txBody>
-        </p:sp>
-      </p:grpSp>
-      <p:pic>
-        <p:nvPicPr>
-          <p:cNvPr id="6" name="Picture 3"/>
-          <p:cNvPicPr>
-            <a:picLocks noChangeAspect="1" noChangeArrowheads="1"/>
-          </p:cNvPicPr>
-          <p:nvPr/>
-        </p:nvPicPr>
-        <p:blipFill>
-          <a:blip r:embed="rId4">
-            <a:extLst>
-              <a:ext uri="{28A0092B-C50C-407E-A947-70E740481C1C}">
-                <a14:useLocalDpi xmlns:a14="http://schemas.microsoft.com/office/drawing/2010/main" val="0"/>
-              </a:ext>
-            </a:extLst>
-          </a:blip>
-          <a:srcRect/>
-          <a:stretch>
-            <a:fillRect/>
-          </a:stretch>
-        </p:blipFill>
-        <p:spPr bwMode="auto">
-          <a:xfrm>
-            <a:off x="4572000" y="2562200"/>
-            <a:ext cx="3829050" cy="2667000"/>
-          </a:xfrm>
-          <a:prstGeom prst="rect">
-            <a:avLst/>
-          </a:prstGeom>
-          <a:noFill/>
-          <a:ln>
-            <a:noFill/>
-          </a:ln>
-          <a:effectLst/>
-          <a:extLst>
-            <a:ext uri="{909E8E84-426E-40DD-AFC4-6F175D3DCCD1}">
-              <a14:hiddenFill xmlns:a14="http://schemas.microsoft.com/office/drawing/2010/main">
-                <a:solidFill>
-                  <a:schemeClr val="accent1"/>
-                </a:solidFill>
-              </a14:hiddenFill>
-            </a:ext>
-            <a:ext uri="{91240B29-F687-4F45-9708-019B960494DF}">
-              <a14:hiddenLine xmlns:a14="http://schemas.microsoft.com/office/drawing/2010/main" w="9525">
-                <a:solidFill>
-                  <a:schemeClr val="tx1"/>
-                </a:solidFill>
-                <a:miter lim="800000"/>
-                <a:headEnd/>
-                <a:tailEnd/>
-              </a14:hiddenLine>
-            </a:ext>
-            <a:ext uri="{AF507438-7753-43E0-B8FC-AC1667EBCBE1}">
-              <a14:hiddenEffects xmlns:a14="http://schemas.microsoft.com/office/drawing/2010/main">
-                <a:effectLst>
-                  <a:outerShdw dist="35921" dir="2700000" algn="ctr" rotWithShape="0">
-                    <a:schemeClr val="bg2"/>
-                  </a:outerShdw>
-                </a:effectLst>
-              </a14:hiddenEffects>
-            </a:ext>
-          </a:extLst>
-        </p:spPr>
-      </p:pic>
-      <p:sp>
-        <p:nvSpPr>
-          <p:cNvPr id="10" name="CaixaDeTexto 9"/>
-          <p:cNvSpPr txBox="1"/>
-          <p:nvPr/>
-        </p:nvSpPr>
-        <p:spPr>
-          <a:xfrm>
-            <a:off x="620447" y="326586"/>
-            <a:ext cx="8196435" cy="1143049"/>
-          </a:xfrm>
-          <a:prstGeom prst="rect">
-            <a:avLst/>
-          </a:prstGeom>
-          <a:noFill/>
-          <a:ln>
-            <a:noFill/>
-          </a:ln>
-        </p:spPr>
-        <p:txBody>
-          <a:bodyPr vert="horz" lIns="81639" tIns="40820" rIns="81639" bIns="40820" compatLnSpc="0"/>
-          <a:lstStyle/>
-          <a:p>
-            <a:pPr hangingPunct="0"/>
-            <a:r>
-              <a:rPr lang="pt-BR" sz="3000" u="sng" cap="small" dirty="0" smtClean="0">
-                <a:solidFill>
-                  <a:schemeClr val="tx2"/>
-                </a:solidFill>
-                <a:latin typeface="+mj-lt"/>
-                <a:ea typeface="+mj-ea"/>
-                <a:cs typeface="+mj-cs"/>
-              </a:rPr>
-              <a:t>Monitores Autoestereoscópicos		     .</a:t>
-            </a:r>
-            <a:endParaRPr lang="pt-BR" sz="3000" u="sng" cap="small" dirty="0">
-              <a:solidFill>
-                <a:schemeClr val="tx2"/>
-              </a:solidFill>
-              <a:latin typeface="+mj-lt"/>
-              <a:ea typeface="+mj-ea"/>
-              <a:cs typeface="+mj-cs"/>
-            </a:endParaRPr>
-          </a:p>
-        </p:txBody>
-      </p:sp>
-    </p:spTree>
-    <p:extLst>
-      <p:ext uri="{BB962C8B-B14F-4D97-AF65-F5344CB8AC3E}">
-        <p14:creationId xmlns:p14="http://schemas.microsoft.com/office/powerpoint/2010/main" val="3267666318"/>
-      </p:ext>
-    </p:extLst>
-  </p:cSld>
-  <p:clrMapOvr>
-    <a:masterClrMapping/>
-  </p:clrMapOvr>
-  <p:timing>
-    <p:tnLst>
-      <p:par>
-        <p:cTn id="1" dur="indefinite" restart="never" nodeType="tmRoot"/>
-      </p:par>
-    </p:tnLst>
-  </p:timing>
-</p:sld>
-</file>
-
-<file path=ppt/slides/slide12.xml><?xml version="1.0" encoding="utf-8"?>
-<p:sld xmlns:a="http://schemas.openxmlformats.org/drawingml/2006/main" xmlns:r="http://schemas.openxmlformats.org/officeDocument/2006/relationships" xmlns:p="http://schemas.openxmlformats.org/presentationml/2006/main">
-  <p:cSld>
-    <p:spTree>
-      <p:nvGrpSpPr>
-        <p:cNvPr id="1" name=""/>
-        <p:cNvGrpSpPr/>
-        <p:nvPr/>
-      </p:nvGrpSpPr>
-      <p:grpSpPr>
-        <a:xfrm>
-          <a:off x="0" y="0"/>
-          <a:ext cx="0" cy="0"/>
-          <a:chOff x="0" y="0"/>
-          <a:chExt cx="0" cy="0"/>
-        </a:xfrm>
-      </p:grpSpPr>
-      <p:pic>
-        <p:nvPicPr>
-          <p:cNvPr id="1031" name="Picture 7" descr="C:\Documents and Settings\Matheus\Desktop\Mestrado\2-Disciplinas\Multimidia\bit.jpg"/>
-          <p:cNvPicPr>
-            <a:picLocks noChangeAspect="1" noChangeArrowheads="1"/>
-          </p:cNvPicPr>
-          <p:nvPr/>
-        </p:nvPicPr>
-        <p:blipFill rotWithShape="1">
-          <a:blip r:embed="rId3" cstate="print">
-            <a:duotone>
-              <a:schemeClr val="bg2">
-                <a:shade val="45000"/>
-                <a:satMod val="135000"/>
-              </a:schemeClr>
-              <a:prstClr val="white"/>
-            </a:duotone>
-            <a:extLst>
-              <a:ext uri="{28A0092B-C50C-407E-A947-70E740481C1C}">
-                <a14:useLocalDpi xmlns:a14="http://schemas.microsoft.com/office/drawing/2010/main" val="0"/>
-              </a:ext>
-            </a:extLst>
-          </a:blip>
-          <a:srcRect/>
-          <a:stretch/>
-        </p:blipFill>
-        <p:spPr bwMode="auto">
-          <a:xfrm>
-            <a:off x="2305050" y="0"/>
-            <a:ext cx="6772275" cy="6858000"/>
-          </a:xfrm>
-          <a:prstGeom prst="rect">
-            <a:avLst/>
-          </a:prstGeom>
-          <a:noFill/>
-          <a:extLst>
-            <a:ext uri="{909E8E84-426E-40DD-AFC4-6F175D3DCCD1}">
-              <a14:hiddenFill xmlns:a14="http://schemas.microsoft.com/office/drawing/2010/main">
-                <a:solidFill>
-                  <a:srgbClr val="FFFFFF"/>
-                </a:solidFill>
-              </a14:hiddenFill>
-            </a:ext>
-          </a:extLst>
-        </p:spPr>
-      </p:pic>
-      <p:sp>
-        <p:nvSpPr>
-          <p:cNvPr id="3" name="Subtítulo 2"/>
-          <p:cNvSpPr>
-            <a:spLocks noGrp="1"/>
-          </p:cNvSpPr>
-          <p:nvPr>
-            <p:ph type="subTitle" idx="1"/>
-          </p:nvPr>
-        </p:nvSpPr>
-        <p:spPr/>
-        <p:txBody>
-          <a:bodyPr/>
-          <a:lstStyle/>
-          <a:p>
-            <a:endParaRPr lang="pt-BR" dirty="0"/>
-          </a:p>
-        </p:txBody>
-      </p:sp>
-      <p:sp>
-        <p:nvSpPr>
-          <p:cNvPr id="5" name="Espaço Reservado para Número de Slide 4"/>
-          <p:cNvSpPr>
-            <a:spLocks noGrp="1"/>
-          </p:cNvSpPr>
-          <p:nvPr>
-            <p:ph type="sldNum" sz="quarter" idx="12"/>
-          </p:nvPr>
-        </p:nvSpPr>
-        <p:spPr/>
-        <p:txBody>
-          <a:bodyPr/>
-          <a:lstStyle/>
-          <a:p>
-            <a:fld id="{CC2D9971-FBC4-4232-B226-D3882EA6314B}" type="slidenum">
-              <a:rPr lang="pt-BR" smtClean="0"/>
-              <a:t>12</a:t>
-            </a:fld>
-            <a:endParaRPr lang="pt-BR" dirty="0"/>
-          </a:p>
-        </p:txBody>
-      </p:sp>
-      <p:sp>
-        <p:nvSpPr>
-          <p:cNvPr id="6" name="Título 5"/>
-          <p:cNvSpPr>
-            <a:spLocks noGrp="1"/>
-          </p:cNvSpPr>
-          <p:nvPr>
-            <p:ph type="ctrTitle"/>
-          </p:nvPr>
-        </p:nvSpPr>
-        <p:spPr/>
-        <p:txBody>
-          <a:bodyPr>
-            <a:normAutofit/>
-          </a:bodyPr>
-          <a:lstStyle/>
-          <a:p>
-            <a:r>
-              <a:rPr lang="pt-BR" sz="4400" dirty="0" smtClean="0"/>
-              <a:t>Técnicas de Codificação</a:t>
-            </a:r>
-            <a:endParaRPr lang="pt-BR" sz="4400" dirty="0"/>
-          </a:p>
-        </p:txBody>
-      </p:sp>
-      <p:sp>
-        <p:nvSpPr>
-          <p:cNvPr id="8" name="Espaço Reservado para Rodapé 3"/>
+          <p:cNvPr id="11" name="Espaço Reservado para Rodapé 3"/>
           <p:cNvSpPr txBox="1">
             <a:spLocks/>
           </p:cNvSpPr>
@@ -8209,7 +7287,7 @@
           </a:lstStyle>
           <a:p>
             <a:r>
-              <a:rPr lang="pt-BR" dirty="0"/>
+              <a:rPr lang="pt-BR" smtClean="0"/>
               <a:t>Qualificação Mestrado – Matheus Ricardo Uihara Zingarelli</a:t>
             </a:r>
             <a:endParaRPr lang="pt-BR" dirty="0"/>
@@ -8219,13 +7297,21 @@
     </p:spTree>
     <p:extLst>
       <p:ext uri="{BB962C8B-B14F-4D97-AF65-F5344CB8AC3E}">
-        <p14:creationId xmlns:p14="http://schemas.microsoft.com/office/powerpoint/2010/main" val="3029309935"/>
+        <p14:creationId xmlns:p14="http://schemas.microsoft.com/office/powerpoint/2010/main" val="3597635978"/>
       </p:ext>
     </p:extLst>
   </p:cSld>
   <p:clrMapOvr>
     <a:masterClrMapping/>
   </p:clrMapOvr>
+  <mc:AlternateContent xmlns:mc="http://schemas.openxmlformats.org/markup-compatibility/2006" xmlns:p14="http://schemas.microsoft.com/office/powerpoint/2010/main">
+    <mc:Choice Requires="p14">
+      <p:transition spd="slow" p14:dur="2000"/>
+    </mc:Choice>
+    <mc:Fallback xmlns="">
+      <p:transition spd="slow"/>
+    </mc:Fallback>
+  </mc:AlternateContent>
   <p:timing>
     <p:tnLst>
       <p:par>
@@ -8236,7 +7322,7 @@
 </p:sld>
 </file>
 
-<file path=ppt/slides/slide13.xml><?xml version="1.0" encoding="utf-8"?>
+<file path=ppt/slides/slide11.xml><?xml version="1.0" encoding="utf-8"?>
 <p:sld xmlns:a="http://schemas.openxmlformats.org/drawingml/2006/main" xmlns:r="http://schemas.openxmlformats.org/officeDocument/2006/relationships" xmlns:p="http://schemas.openxmlformats.org/presentationml/2006/main">
   <p:cSld>
     <p:spTree>
@@ -8253,189 +7339,60 @@
           <a:chExt cx="0" cy="0"/>
         </a:xfrm>
       </p:grpSpPr>
-      <p:sp>
-        <p:nvSpPr>
-          <p:cNvPr id="3" name="Espaço Reservado para Conteúdo 2"/>
-          <p:cNvSpPr>
-            <a:spLocks noGrp="1"/>
-          </p:cNvSpPr>
-          <p:nvPr>
-            <p:ph sz="quarter" idx="1"/>
-          </p:nvPr>
-        </p:nvSpPr>
-        <p:spPr/>
-        <p:txBody>
-          <a:bodyPr/>
-          <a:lstStyle/>
-          <a:p>
-            <a:pPr>
-              <a:lnSpc>
-                <a:spcPct val="250000"/>
-              </a:lnSpc>
-            </a:pPr>
-            <a:r>
-              <a:rPr lang="pt-BR" dirty="0" smtClean="0"/>
-              <a:t>Lipton</a:t>
-            </a:r>
-          </a:p>
-          <a:p>
-            <a:pPr>
-              <a:lnSpc>
-                <a:spcPct val="250000"/>
-              </a:lnSpc>
-            </a:pPr>
-            <a:r>
-              <a:rPr lang="pt-BR" dirty="0" smtClean="0"/>
-              <a:t>Baseadas em vídeo e profundidade</a:t>
-            </a:r>
-          </a:p>
-        </p:txBody>
-      </p:sp>
-      <p:sp>
-        <p:nvSpPr>
-          <p:cNvPr id="4" name="Espaço Reservado para Rodapé 3"/>
-          <p:cNvSpPr>
-            <a:spLocks noGrp="1"/>
-          </p:cNvSpPr>
-          <p:nvPr>
-            <p:ph type="ftr" sz="quarter" idx="16"/>
-          </p:nvPr>
-        </p:nvSpPr>
-        <p:spPr>
-          <a:xfrm>
-            <a:off x="4211960" y="6492240"/>
-            <a:ext cx="4536504" cy="365760"/>
-          </a:xfrm>
-        </p:spPr>
-        <p:txBody>
-          <a:bodyPr/>
-          <a:lstStyle/>
-          <a:p>
-            <a:r>
-              <a:rPr lang="pt-BR" dirty="0"/>
-              <a:t>Qualificação Mestrado – Matheus Ricardo Uihara Zingarelli</a:t>
-            </a:r>
-            <a:endParaRPr lang="pt-BR" dirty="0"/>
-          </a:p>
-        </p:txBody>
-      </p:sp>
-      <p:sp>
-        <p:nvSpPr>
-          <p:cNvPr id="5" name="Espaço Reservado para Número de Slide 4"/>
-          <p:cNvSpPr>
-            <a:spLocks noGrp="1"/>
-          </p:cNvSpPr>
-          <p:nvPr>
-            <p:ph type="sldNum" sz="quarter" idx="15"/>
-          </p:nvPr>
-        </p:nvSpPr>
-        <p:spPr/>
-        <p:txBody>
-          <a:bodyPr/>
-          <a:lstStyle/>
-          <a:p>
-            <a:fld id="{CC2D9971-FBC4-4232-B226-D3882EA6314B}" type="slidenum">
-              <a:rPr lang="pt-BR" smtClean="0"/>
-              <a:t>13</a:t>
-            </a:fld>
-            <a:endParaRPr lang="pt-BR" dirty="0"/>
-          </a:p>
-        </p:txBody>
-      </p:sp>
-      <p:sp>
-        <p:nvSpPr>
-          <p:cNvPr id="6" name="CaixaDeTexto 5"/>
-          <p:cNvSpPr txBox="1"/>
+      <p:pic>
+        <p:nvPicPr>
+          <p:cNvPr id="1031" name="Picture 7" descr="C:\Documents and Settings\Matheus\Desktop\Mestrado\2-Disciplinas\Multimidia\bit.jpg"/>
+          <p:cNvPicPr>
+            <a:picLocks noChangeAspect="1" noChangeArrowheads="1"/>
+          </p:cNvPicPr>
           <p:nvPr/>
-        </p:nvSpPr>
-        <p:spPr>
-          <a:xfrm>
-            <a:off x="620447" y="326586"/>
-            <a:ext cx="8196435" cy="1143049"/>
+        </p:nvPicPr>
+        <p:blipFill rotWithShape="1">
+          <a:blip r:embed="rId3" cstate="print">
+            <a:duotone>
+              <a:schemeClr val="bg2">
+                <a:shade val="45000"/>
+                <a:satMod val="135000"/>
+              </a:schemeClr>
+              <a:prstClr val="white"/>
+            </a:duotone>
+            <a:extLst>
+              <a:ext uri="{28A0092B-C50C-407E-A947-70E740481C1C}">
+                <a14:useLocalDpi xmlns:a14="http://schemas.microsoft.com/office/drawing/2010/main" val="0"/>
+              </a:ext>
+            </a:extLst>
+          </a:blip>
+          <a:srcRect/>
+          <a:stretch/>
+        </p:blipFill>
+        <p:spPr bwMode="auto">
+          <a:xfrm>
+            <a:off x="2305050" y="0"/>
+            <a:ext cx="6772275" cy="6858000"/>
           </a:xfrm>
           <a:prstGeom prst="rect">
             <a:avLst/>
           </a:prstGeom>
           <a:noFill/>
-          <a:ln>
-            <a:noFill/>
-          </a:ln>
-        </p:spPr>
-        <p:txBody>
-          <a:bodyPr vert="horz" lIns="81639" tIns="40820" rIns="81639" bIns="40820" compatLnSpc="0"/>
-          <a:lstStyle/>
-          <a:p>
-            <a:pPr hangingPunct="0"/>
-            <a:r>
-              <a:rPr lang="pt-BR" sz="3000" u="sng" cap="small" dirty="0" smtClean="0">
+          <a:extLst>
+            <a:ext uri="{909E8E84-426E-40DD-AFC4-6F175D3DCCD1}">
+              <a14:hiddenFill xmlns:a14="http://schemas.microsoft.com/office/drawing/2010/main">
                 <a:solidFill>
-                  <a:schemeClr val="tx2"/>
+                  <a:srgbClr val="FFFFFF"/>
                 </a:solidFill>
-                <a:latin typeface="+mj-lt"/>
-                <a:ea typeface="+mj-ea"/>
-                <a:cs typeface="+mj-cs"/>
-              </a:rPr>
-              <a:t>Classificação</a:t>
-            </a:r>
-            <a:r>
-              <a:rPr lang="pt-BR" sz="3000" u="sng" cap="small" dirty="0">
-                <a:solidFill>
-                  <a:schemeClr val="tx2"/>
-                </a:solidFill>
-                <a:latin typeface="+mj-lt"/>
-                <a:ea typeface="+mj-ea"/>
-                <a:cs typeface="+mj-cs"/>
-              </a:rPr>
-              <a:t>				                      .</a:t>
-            </a:r>
-          </a:p>
-        </p:txBody>
-      </p:sp>
-    </p:spTree>
-    <p:extLst>
-      <p:ext uri="{BB962C8B-B14F-4D97-AF65-F5344CB8AC3E}">
-        <p14:creationId xmlns:p14="http://schemas.microsoft.com/office/powerpoint/2010/main" val="2922911897"/>
-      </p:ext>
-    </p:extLst>
-  </p:cSld>
-  <p:clrMapOvr>
-    <a:masterClrMapping/>
-  </p:clrMapOvr>
-  <p:timing>
-    <p:tnLst>
-      <p:par>
-        <p:cTn id="1" dur="indefinite" restart="never" nodeType="tmRoot"/>
-      </p:par>
-    </p:tnLst>
-  </p:timing>
-</p:sld>
-</file>
-
-<file path=ppt/slides/slide14.xml><?xml version="1.0" encoding="utf-8"?>
-<p:sld xmlns:a="http://schemas.openxmlformats.org/drawingml/2006/main" xmlns:r="http://schemas.openxmlformats.org/officeDocument/2006/relationships" xmlns:p="http://schemas.openxmlformats.org/presentationml/2006/main">
-  <p:cSld>
-    <p:spTree>
-      <p:nvGrpSpPr>
-        <p:cNvPr id="1" name=""/>
-        <p:cNvGrpSpPr/>
-        <p:nvPr/>
-      </p:nvGrpSpPr>
-      <p:grpSpPr>
-        <a:xfrm>
-          <a:off x="0" y="0"/>
-          <a:ext cx="0" cy="0"/>
-          <a:chOff x="0" y="0"/>
-          <a:chExt cx="0" cy="0"/>
-        </a:xfrm>
-      </p:grpSpPr>
-      <p:sp>
-        <p:nvSpPr>
-          <p:cNvPr id="3" name="Espaço Reservado para Conteúdo 2"/>
-          <p:cNvSpPr>
-            <a:spLocks noGrp="1"/>
-          </p:cNvSpPr>
-          <p:nvPr>
-            <p:ph sz="quarter" idx="1"/>
+              </a14:hiddenFill>
+            </a:ext>
+          </a:extLst>
+        </p:spPr>
+      </p:pic>
+      <p:sp>
+        <p:nvSpPr>
+          <p:cNvPr id="3" name="Subtítulo 2"/>
+          <p:cNvSpPr>
+            <a:spLocks noGrp="1"/>
+          </p:cNvSpPr>
+          <p:nvPr>
+            <p:ph type="subTitle" idx="1"/>
           </p:nvPr>
         </p:nvSpPr>
         <p:spPr/>
@@ -8443,75 +7400,6 @@
           <a:bodyPr/>
           <a:lstStyle/>
           <a:p>
-            <a:r>
-              <a:rPr lang="pt-BR" dirty="0"/>
-              <a:t>Formatos para armazenamento:</a:t>
-            </a:r>
-          </a:p>
-          <a:p>
-            <a:pPr lvl="1"/>
-            <a:r>
-              <a:rPr lang="pt-BR" dirty="0"/>
-              <a:t>side-by-side</a:t>
-            </a:r>
-          </a:p>
-          <a:p>
-            <a:pPr lvl="1"/>
-            <a:r>
-              <a:rPr lang="pt-BR" dirty="0"/>
-              <a:t>above-below</a:t>
-            </a:r>
-          </a:p>
-          <a:p>
-            <a:r>
-              <a:rPr lang="pt-BR" dirty="0"/>
-              <a:t>Apenas sinais de vídeo</a:t>
-            </a:r>
-          </a:p>
-          <a:p>
-            <a:r>
-              <a:rPr lang="pt-BR" dirty="0"/>
-              <a:t>CSV</a:t>
-            </a:r>
-          </a:p>
-          <a:p>
-            <a:r>
-              <a:rPr lang="pt-BR" dirty="0"/>
-              <a:t>MVC</a:t>
-            </a:r>
-          </a:p>
-          <a:p>
-            <a:r>
-              <a:rPr lang="pt-BR" dirty="0"/>
-              <a:t>Limitado para as tecnologias futuras</a:t>
-            </a:r>
-          </a:p>
-        </p:txBody>
-      </p:sp>
-      <p:sp>
-        <p:nvSpPr>
-          <p:cNvPr id="4" name="Espaço Reservado para Rodapé 3"/>
-          <p:cNvSpPr>
-            <a:spLocks noGrp="1"/>
-          </p:cNvSpPr>
-          <p:nvPr>
-            <p:ph type="ftr" sz="quarter" idx="16"/>
-          </p:nvPr>
-        </p:nvSpPr>
-        <p:spPr>
-          <a:xfrm>
-            <a:off x="4211960" y="6492240"/>
-            <a:ext cx="4536504" cy="365760"/>
-          </a:xfrm>
-        </p:spPr>
-        <p:txBody>
-          <a:bodyPr/>
-          <a:lstStyle/>
-          <a:p>
-            <a:r>
-              <a:rPr lang="pt-BR" dirty="0"/>
-              <a:t>Qualificação Mestrado – Matheus Ricardo Uihara Zingarelli</a:t>
-            </a:r>
             <a:endParaRPr lang="pt-BR" dirty="0"/>
           </a:p>
         </p:txBody>
@@ -8523,7 +7411,7 @@
             <a:spLocks noGrp="1"/>
           </p:cNvSpPr>
           <p:nvPr>
-            <p:ph type="sldNum" sz="quarter" idx="15"/>
+            <p:ph type="sldNum" sz="quarter" idx="12"/>
           </p:nvPr>
         </p:nvSpPr>
         <p:spPr/>
@@ -8533,7 +7421,7 @@
           <a:p>
             <a:fld id="{CC2D9971-FBC4-4232-B226-D3882EA6314B}" type="slidenum">
               <a:rPr lang="pt-BR" smtClean="0"/>
-              <a:t>14</a:t>
+              <a:t>11</a:t>
             </a:fld>
             <a:endParaRPr lang="pt-BR" dirty="0"/>
           </a:p>
@@ -8541,1522 +7429,32 @@
       </p:sp>
       <p:sp>
         <p:nvSpPr>
-          <p:cNvPr id="6" name="CaixaDeTexto 5"/>
-          <p:cNvSpPr txBox="1"/>
-          <p:nvPr/>
-        </p:nvSpPr>
-        <p:spPr>
-          <a:xfrm>
-            <a:off x="620447" y="326586"/>
-            <a:ext cx="8196435" cy="1143049"/>
-          </a:xfrm>
-          <a:prstGeom prst="rect">
-            <a:avLst/>
-          </a:prstGeom>
-          <a:noFill/>
-          <a:ln>
-            <a:noFill/>
-          </a:ln>
-        </p:spPr>
-        <p:txBody>
-          <a:bodyPr vert="horz" lIns="81639" tIns="40820" rIns="81639" bIns="40820" compatLnSpc="0"/>
-          <a:lstStyle/>
-          <a:p>
-            <a:pPr hangingPunct="0"/>
-            <a:r>
-              <a:rPr lang="pt-BR" sz="3000" u="sng" cap="small" dirty="0" smtClean="0">
-                <a:solidFill>
-                  <a:schemeClr val="tx2"/>
-                </a:solidFill>
-                <a:latin typeface="+mj-lt"/>
-                <a:ea typeface="+mj-ea"/>
-                <a:cs typeface="+mj-cs"/>
-              </a:rPr>
-              <a:t>Lipton	   </a:t>
-            </a:r>
-            <a:r>
-              <a:rPr lang="pt-BR" sz="3000" u="sng" cap="small" dirty="0">
-                <a:solidFill>
-                  <a:schemeClr val="tx2"/>
-                </a:solidFill>
-                <a:latin typeface="+mj-lt"/>
-                <a:ea typeface="+mj-ea"/>
-                <a:cs typeface="+mj-cs"/>
-              </a:rPr>
-              <a:t>				                      .</a:t>
-            </a:r>
-          </a:p>
-        </p:txBody>
-      </p:sp>
-    </p:spTree>
-    <p:extLst>
-      <p:ext uri="{BB962C8B-B14F-4D97-AF65-F5344CB8AC3E}">
-        <p14:creationId xmlns:p14="http://schemas.microsoft.com/office/powerpoint/2010/main" val="2461068853"/>
-      </p:ext>
-    </p:extLst>
-  </p:cSld>
-  <p:clrMapOvr>
-    <a:masterClrMapping/>
-  </p:clrMapOvr>
-  <p:timing>
-    <p:tnLst>
-      <p:par>
-        <p:cTn id="1" dur="indefinite" restart="never" nodeType="tmRoot"/>
-      </p:par>
-    </p:tnLst>
-  </p:timing>
-</p:sld>
-</file>
-
-<file path=ppt/slides/slide15.xml><?xml version="1.0" encoding="utf-8"?>
-<p:sld xmlns:a="http://schemas.openxmlformats.org/drawingml/2006/main" xmlns:r="http://schemas.openxmlformats.org/officeDocument/2006/relationships" xmlns:p="http://schemas.openxmlformats.org/presentationml/2006/main">
-  <p:cSld>
-    <p:spTree>
-      <p:nvGrpSpPr>
-        <p:cNvPr id="1" name=""/>
-        <p:cNvGrpSpPr/>
-        <p:nvPr/>
-      </p:nvGrpSpPr>
-      <p:grpSpPr>
-        <a:xfrm>
-          <a:off x="0" y="0"/>
-          <a:ext cx="0" cy="0"/>
-          <a:chOff x="0" y="0"/>
-          <a:chExt cx="0" cy="0"/>
-        </a:xfrm>
-      </p:grpSpPr>
-      <p:sp>
-        <p:nvSpPr>
-          <p:cNvPr id="3" name="Espaço Reservado para Conteúdo 2"/>
-          <p:cNvSpPr>
-            <a:spLocks noGrp="1"/>
-          </p:cNvSpPr>
-          <p:nvPr>
-            <p:ph sz="quarter" idx="1"/>
+          <p:cNvPr id="6" name="Título 5"/>
+          <p:cNvSpPr>
+            <a:spLocks noGrp="1"/>
+          </p:cNvSpPr>
+          <p:nvPr>
+            <p:ph type="ctrTitle"/>
           </p:nvPr>
         </p:nvSpPr>
         <p:spPr/>
         <p:txBody>
-          <a:bodyPr/>
-          <a:lstStyle/>
-          <a:p>
-            <a:r>
-              <a:rPr lang="pt-BR" dirty="0" smtClean="0"/>
-              <a:t>V+D</a:t>
-            </a:r>
-          </a:p>
-          <a:p>
-            <a:endParaRPr lang="pt-BR" dirty="0"/>
-          </a:p>
-          <a:p>
-            <a:r>
-              <a:rPr lang="pt-BR" dirty="0" smtClean="0"/>
-              <a:t>MVD</a:t>
-            </a:r>
-          </a:p>
-          <a:p>
-            <a:endParaRPr lang="pt-BR" dirty="0"/>
-          </a:p>
-          <a:p>
-            <a:r>
-              <a:rPr lang="pt-BR" dirty="0" smtClean="0"/>
-              <a:t>LDV</a:t>
-            </a:r>
-          </a:p>
-          <a:p>
-            <a:endParaRPr lang="pt-BR" dirty="0"/>
-          </a:p>
-          <a:p>
-            <a:r>
-              <a:rPr lang="pt-BR" dirty="0"/>
-              <a:t>DES</a:t>
-            </a:r>
-          </a:p>
-        </p:txBody>
-      </p:sp>
-      <p:sp>
-        <p:nvSpPr>
-          <p:cNvPr id="4" name="Espaço Reservado para Rodapé 3"/>
-          <p:cNvSpPr>
-            <a:spLocks noGrp="1"/>
-          </p:cNvSpPr>
-          <p:nvPr>
-            <p:ph type="ftr" sz="quarter" idx="16"/>
-          </p:nvPr>
-        </p:nvSpPr>
-        <p:spPr>
-          <a:xfrm>
-            <a:off x="4211960" y="6492240"/>
-            <a:ext cx="4536504" cy="365760"/>
-          </a:xfrm>
-        </p:spPr>
-        <p:txBody>
-          <a:bodyPr/>
-          <a:lstStyle/>
-          <a:p>
-            <a:r>
-              <a:rPr lang="pt-BR" dirty="0"/>
-              <a:t>Qualificação Mestrado – Matheus Ricardo Uihara Zingarelli</a:t>
-            </a:r>
-            <a:endParaRPr lang="pt-BR" dirty="0"/>
-          </a:p>
-        </p:txBody>
-      </p:sp>
-      <p:sp>
-        <p:nvSpPr>
-          <p:cNvPr id="5" name="Espaço Reservado para Número de Slide 4"/>
-          <p:cNvSpPr>
-            <a:spLocks noGrp="1"/>
-          </p:cNvSpPr>
-          <p:nvPr>
-            <p:ph type="sldNum" sz="quarter" idx="15"/>
-          </p:nvPr>
-        </p:nvSpPr>
-        <p:spPr/>
-        <p:txBody>
-          <a:bodyPr/>
-          <a:lstStyle/>
-          <a:p>
-            <a:fld id="{CC2D9971-FBC4-4232-B226-D3882EA6314B}" type="slidenum">
-              <a:rPr lang="pt-BR" smtClean="0"/>
-              <a:t>15</a:t>
-            </a:fld>
-            <a:endParaRPr lang="pt-BR" dirty="0"/>
-          </a:p>
-        </p:txBody>
-      </p:sp>
-      <p:sp>
-        <p:nvSpPr>
-          <p:cNvPr id="6" name="CaixaDeTexto 5"/>
-          <p:cNvSpPr txBox="1"/>
-          <p:nvPr/>
-        </p:nvSpPr>
-        <p:spPr>
-          <a:xfrm>
-            <a:off x="620447" y="326586"/>
-            <a:ext cx="8196435" cy="1143049"/>
-          </a:xfrm>
-          <a:prstGeom prst="rect">
-            <a:avLst/>
-          </a:prstGeom>
-          <a:noFill/>
-          <a:ln>
-            <a:noFill/>
-          </a:ln>
-        </p:spPr>
-        <p:txBody>
-          <a:bodyPr vert="horz" lIns="81639" tIns="40820" rIns="81639" bIns="40820" compatLnSpc="0"/>
-          <a:lstStyle/>
-          <a:p>
-            <a:pPr hangingPunct="0"/>
-            <a:r>
-              <a:rPr lang="pt-BR" sz="3000" u="sng" cap="small" dirty="0" smtClean="0">
-                <a:solidFill>
-                  <a:schemeClr val="tx2"/>
-                </a:solidFill>
-                <a:latin typeface="+mj-lt"/>
-                <a:ea typeface="+mj-ea"/>
-                <a:cs typeface="+mj-cs"/>
-              </a:rPr>
-              <a:t>Baseadas em Vídeo e Profundidade           </a:t>
-            </a:r>
-            <a:r>
-              <a:rPr lang="pt-BR" sz="3000" u="sng" cap="small" dirty="0">
-                <a:solidFill>
-                  <a:schemeClr val="tx2"/>
-                </a:solidFill>
-                <a:latin typeface="+mj-lt"/>
-                <a:ea typeface="+mj-ea"/>
-                <a:cs typeface="+mj-cs"/>
-              </a:rPr>
-              <a:t>.</a:t>
-            </a:r>
-          </a:p>
-        </p:txBody>
-      </p:sp>
-    </p:spTree>
-    <p:extLst>
-      <p:ext uri="{BB962C8B-B14F-4D97-AF65-F5344CB8AC3E}">
-        <p14:creationId xmlns:p14="http://schemas.microsoft.com/office/powerpoint/2010/main" val="2519741567"/>
-      </p:ext>
-    </p:extLst>
-  </p:cSld>
-  <p:clrMapOvr>
-    <a:masterClrMapping/>
-  </p:clrMapOvr>
-  <p:timing>
-    <p:tnLst>
-      <p:par>
-        <p:cTn id="1" dur="indefinite" restart="never" nodeType="tmRoot"/>
-      </p:par>
-    </p:tnLst>
-  </p:timing>
-</p:sld>
-</file>
-
-<file path=ppt/slides/slide16.xml><?xml version="1.0" encoding="utf-8"?>
-<p:sld xmlns:a="http://schemas.openxmlformats.org/drawingml/2006/main" xmlns:r="http://schemas.openxmlformats.org/officeDocument/2006/relationships" xmlns:p="http://schemas.openxmlformats.org/presentationml/2006/main">
-  <p:cSld>
-    <p:spTree>
-      <p:nvGrpSpPr>
-        <p:cNvPr id="1" name=""/>
-        <p:cNvGrpSpPr/>
-        <p:nvPr/>
-      </p:nvGrpSpPr>
-      <p:grpSpPr>
-        <a:xfrm>
-          <a:off x="0" y="0"/>
-          <a:ext cx="0" cy="0"/>
-          <a:chOff x="0" y="0"/>
-          <a:chExt cx="0" cy="0"/>
-        </a:xfrm>
-      </p:grpSpPr>
-      <p:sp>
-        <p:nvSpPr>
-          <p:cNvPr id="4" name="Espaço Reservado para Rodapé 3"/>
-          <p:cNvSpPr>
-            <a:spLocks noGrp="1"/>
-          </p:cNvSpPr>
-          <p:nvPr>
-            <p:ph type="ftr" sz="quarter" idx="16"/>
-          </p:nvPr>
-        </p:nvSpPr>
-        <p:spPr>
-          <a:xfrm>
-            <a:off x="4211960" y="6492240"/>
-            <a:ext cx="4536504" cy="365760"/>
-          </a:xfrm>
-        </p:spPr>
-        <p:txBody>
-          <a:bodyPr/>
-          <a:lstStyle/>
-          <a:p>
-            <a:r>
-              <a:rPr lang="pt-BR" dirty="0"/>
-              <a:t>Qualificação Mestrado – Matheus Ricardo Uihara Zingarelli</a:t>
-            </a:r>
-            <a:endParaRPr lang="pt-BR" dirty="0"/>
-          </a:p>
-        </p:txBody>
-      </p:sp>
-      <p:sp>
-        <p:nvSpPr>
-          <p:cNvPr id="5" name="Espaço Reservado para Número de Slide 4"/>
-          <p:cNvSpPr>
-            <a:spLocks noGrp="1"/>
-          </p:cNvSpPr>
-          <p:nvPr>
-            <p:ph type="sldNum" sz="quarter" idx="15"/>
-          </p:nvPr>
-        </p:nvSpPr>
-        <p:spPr/>
-        <p:txBody>
-          <a:bodyPr/>
-          <a:lstStyle/>
-          <a:p>
-            <a:fld id="{CC2D9971-FBC4-4232-B226-D3882EA6314B}" type="slidenum">
-              <a:rPr lang="pt-BR" smtClean="0"/>
-              <a:t>16</a:t>
-            </a:fld>
-            <a:endParaRPr lang="pt-BR" dirty="0"/>
-          </a:p>
-        </p:txBody>
-      </p:sp>
-      <p:grpSp>
-        <p:nvGrpSpPr>
-          <p:cNvPr id="7" name="Grupo 6"/>
-          <p:cNvGrpSpPr/>
-          <p:nvPr/>
-        </p:nvGrpSpPr>
-        <p:grpSpPr>
-          <a:xfrm>
-            <a:off x="1524855" y="1543799"/>
-            <a:ext cx="6071481" cy="4837529"/>
-            <a:chOff x="4283968" y="2924944"/>
-            <a:chExt cx="3988194" cy="3177644"/>
-          </a:xfrm>
-        </p:grpSpPr>
-        <p:pic>
-          <p:nvPicPr>
-            <p:cNvPr id="5122" name="Picture 2"/>
-            <p:cNvPicPr>
-              <a:picLocks noChangeAspect="1" noChangeArrowheads="1"/>
-            </p:cNvPicPr>
-            <p:nvPr/>
-          </p:nvPicPr>
-          <p:blipFill>
-            <a:blip r:embed="rId3">
-              <a:extLst>
-                <a:ext uri="{28A0092B-C50C-407E-A947-70E740481C1C}">
-                  <a14:useLocalDpi xmlns:a14="http://schemas.microsoft.com/office/drawing/2010/main" val="0"/>
-                </a:ext>
-              </a:extLst>
-            </a:blip>
-            <a:srcRect/>
-            <a:stretch>
-              <a:fillRect/>
-            </a:stretch>
-          </p:blipFill>
-          <p:spPr bwMode="auto">
-            <a:xfrm>
-              <a:off x="4283968" y="2924944"/>
-              <a:ext cx="3988194" cy="2725266"/>
-            </a:xfrm>
-            <a:prstGeom prst="rect">
-              <a:avLst/>
-            </a:prstGeom>
-            <a:noFill/>
-            <a:ln>
-              <a:noFill/>
-            </a:ln>
-            <a:effectLst/>
-            <a:extLst>
-              <a:ext uri="{909E8E84-426E-40DD-AFC4-6F175D3DCCD1}">
-                <a14:hiddenFill xmlns:a14="http://schemas.microsoft.com/office/drawing/2010/main">
-                  <a:solidFill>
-                    <a:schemeClr val="accent1"/>
-                  </a:solidFill>
-                </a14:hiddenFill>
-              </a:ext>
-              <a:ext uri="{91240B29-F687-4F45-9708-019B960494DF}">
-                <a14:hiddenLine xmlns:a14="http://schemas.microsoft.com/office/drawing/2010/main" w="9525">
-                  <a:solidFill>
-                    <a:schemeClr val="tx1"/>
-                  </a:solidFill>
-                  <a:miter lim="800000"/>
-                  <a:headEnd/>
-                  <a:tailEnd/>
-                </a14:hiddenLine>
-              </a:ext>
-              <a:ext uri="{AF507438-7753-43E0-B8FC-AC1667EBCBE1}">
-                <a14:hiddenEffects xmlns:a14="http://schemas.microsoft.com/office/drawing/2010/main">
-                  <a:effectLst>
-                    <a:outerShdw dist="35921" dir="2700000" algn="ctr" rotWithShape="0">
-                      <a:schemeClr val="bg2"/>
-                    </a:outerShdw>
-                  </a:effectLst>
-                </a14:hiddenEffects>
-              </a:ext>
-            </a:extLst>
-          </p:spPr>
-        </p:pic>
-        <p:sp>
-          <p:nvSpPr>
-            <p:cNvPr id="6" name="CaixaDeTexto 5"/>
-            <p:cNvSpPr txBox="1"/>
-            <p:nvPr/>
-          </p:nvSpPr>
-          <p:spPr>
-            <a:xfrm>
-              <a:off x="5103810" y="5733256"/>
-              <a:ext cx="2348510" cy="369332"/>
-            </a:xfrm>
-            <a:prstGeom prst="rect">
-              <a:avLst/>
-            </a:prstGeom>
-            <a:noFill/>
-          </p:spPr>
-          <p:txBody>
-            <a:bodyPr wrap="square" rtlCol="0">
-              <a:spAutoFit/>
-            </a:bodyPr>
-            <a:lstStyle/>
-            <a:p>
-              <a:r>
-                <a:rPr lang="pt-BR" dirty="0" smtClean="0"/>
-                <a:t>Smolic et al. (2009)</a:t>
-              </a:r>
-              <a:endParaRPr lang="pt-BR" dirty="0"/>
-            </a:p>
-          </p:txBody>
-        </p:sp>
-      </p:grpSp>
-      <p:sp>
-        <p:nvSpPr>
-          <p:cNvPr id="10" name="CaixaDeTexto 9"/>
-          <p:cNvSpPr txBox="1"/>
-          <p:nvPr/>
-        </p:nvSpPr>
-        <p:spPr>
-          <a:xfrm>
-            <a:off x="620447" y="326586"/>
-            <a:ext cx="8196435" cy="1143049"/>
-          </a:xfrm>
-          <a:prstGeom prst="rect">
-            <a:avLst/>
-          </a:prstGeom>
-          <a:noFill/>
-          <a:ln>
-            <a:noFill/>
-          </a:ln>
-        </p:spPr>
-        <p:txBody>
-          <a:bodyPr vert="horz" lIns="81639" tIns="40820" rIns="81639" bIns="40820" compatLnSpc="0"/>
-          <a:lstStyle/>
-          <a:p>
-            <a:pPr hangingPunct="0"/>
-            <a:r>
-              <a:rPr lang="pt-BR" sz="3000" u="sng" cap="small" dirty="0" smtClean="0">
-                <a:solidFill>
-                  <a:schemeClr val="tx2"/>
-                </a:solidFill>
-                <a:latin typeface="+mj-lt"/>
-                <a:ea typeface="+mj-ea"/>
-                <a:cs typeface="+mj-cs"/>
-              </a:rPr>
-              <a:t>V+D – Video Plus Depth</a:t>
-            </a:r>
-            <a:r>
-              <a:rPr lang="pt-BR" sz="3000" u="sng" cap="small" dirty="0">
-                <a:solidFill>
-                  <a:schemeClr val="tx2"/>
-                </a:solidFill>
-                <a:latin typeface="+mj-lt"/>
-                <a:ea typeface="+mj-ea"/>
-                <a:cs typeface="+mj-cs"/>
-              </a:rPr>
-              <a:t>		</a:t>
-            </a:r>
-            <a:r>
-              <a:rPr lang="pt-BR" sz="3000" u="sng" cap="small" dirty="0" smtClean="0">
-                <a:solidFill>
-                  <a:schemeClr val="tx2"/>
-                </a:solidFill>
-                <a:latin typeface="+mj-lt"/>
-                <a:ea typeface="+mj-ea"/>
-                <a:cs typeface="+mj-cs"/>
-              </a:rPr>
-              <a:t>	     .</a:t>
-            </a:r>
-            <a:endParaRPr lang="pt-BR" sz="3000" u="sng" cap="small" dirty="0">
-              <a:solidFill>
-                <a:schemeClr val="tx2"/>
-              </a:solidFill>
-              <a:latin typeface="+mj-lt"/>
-              <a:ea typeface="+mj-ea"/>
-              <a:cs typeface="+mj-cs"/>
-            </a:endParaRPr>
-          </a:p>
-        </p:txBody>
-      </p:sp>
-    </p:spTree>
-    <p:extLst>
-      <p:ext uri="{BB962C8B-B14F-4D97-AF65-F5344CB8AC3E}">
-        <p14:creationId xmlns:p14="http://schemas.microsoft.com/office/powerpoint/2010/main" val="4259000306"/>
-      </p:ext>
-    </p:extLst>
-  </p:cSld>
-  <p:clrMapOvr>
-    <a:masterClrMapping/>
-  </p:clrMapOvr>
-  <p:timing>
-    <p:tnLst>
-      <p:par>
-        <p:cTn id="1" dur="indefinite" restart="never" nodeType="tmRoot"/>
-      </p:par>
-    </p:tnLst>
-  </p:timing>
-</p:sld>
-</file>
-
-<file path=ppt/slides/slide17.xml><?xml version="1.0" encoding="utf-8"?>
-<p:sld xmlns:a="http://schemas.openxmlformats.org/drawingml/2006/main" xmlns:r="http://schemas.openxmlformats.org/officeDocument/2006/relationships" xmlns:p="http://schemas.openxmlformats.org/presentationml/2006/main">
-  <p:cSld>
-    <p:spTree>
-      <p:nvGrpSpPr>
-        <p:cNvPr id="1" name=""/>
-        <p:cNvGrpSpPr/>
-        <p:nvPr/>
-      </p:nvGrpSpPr>
-      <p:grpSpPr>
-        <a:xfrm>
-          <a:off x="0" y="0"/>
-          <a:ext cx="0" cy="0"/>
-          <a:chOff x="0" y="0"/>
-          <a:chExt cx="0" cy="0"/>
-        </a:xfrm>
-      </p:grpSpPr>
-      <p:sp>
-        <p:nvSpPr>
-          <p:cNvPr id="4" name="Espaço Reservado para Rodapé 3"/>
-          <p:cNvSpPr>
-            <a:spLocks noGrp="1"/>
-          </p:cNvSpPr>
-          <p:nvPr>
-            <p:ph type="ftr" sz="quarter" idx="16"/>
-          </p:nvPr>
-        </p:nvSpPr>
-        <p:spPr>
-          <a:xfrm>
-            <a:off x="4211960" y="6492240"/>
-            <a:ext cx="4536504" cy="365760"/>
-          </a:xfrm>
-        </p:spPr>
-        <p:txBody>
-          <a:bodyPr/>
-          <a:lstStyle/>
-          <a:p>
-            <a:r>
-              <a:rPr lang="pt-BR" dirty="0"/>
-              <a:t>Qualificação Mestrado – Matheus Ricardo Uihara Zingarelli</a:t>
-            </a:r>
-            <a:endParaRPr lang="pt-BR" dirty="0"/>
-          </a:p>
-        </p:txBody>
-      </p:sp>
-      <p:sp>
-        <p:nvSpPr>
-          <p:cNvPr id="5" name="Espaço Reservado para Número de Slide 4"/>
-          <p:cNvSpPr>
-            <a:spLocks noGrp="1"/>
-          </p:cNvSpPr>
-          <p:nvPr>
-            <p:ph type="sldNum" sz="quarter" idx="15"/>
-          </p:nvPr>
-        </p:nvSpPr>
-        <p:spPr/>
-        <p:txBody>
-          <a:bodyPr/>
-          <a:lstStyle/>
-          <a:p>
-            <a:fld id="{CC2D9971-FBC4-4232-B226-D3882EA6314B}" type="slidenum">
-              <a:rPr lang="pt-BR" smtClean="0"/>
-              <a:t>17</a:t>
-            </a:fld>
-            <a:endParaRPr lang="pt-BR" dirty="0"/>
-          </a:p>
-        </p:txBody>
-      </p:sp>
-      <p:grpSp>
-        <p:nvGrpSpPr>
-          <p:cNvPr id="9" name="Grupo 8"/>
-          <p:cNvGrpSpPr/>
-          <p:nvPr/>
-        </p:nvGrpSpPr>
-        <p:grpSpPr>
-          <a:xfrm>
-            <a:off x="140834" y="2123564"/>
-            <a:ext cx="8607630" cy="3177644"/>
-            <a:chOff x="611560" y="3284984"/>
-            <a:chExt cx="7696200" cy="2817604"/>
-          </a:xfrm>
-        </p:grpSpPr>
-        <p:sp>
-          <p:nvSpPr>
-            <p:cNvPr id="8" name="CaixaDeTexto 7"/>
-            <p:cNvSpPr txBox="1"/>
-            <p:nvPr/>
-          </p:nvSpPr>
-          <p:spPr>
-            <a:xfrm>
-              <a:off x="2627784" y="5733256"/>
-              <a:ext cx="3816424" cy="369332"/>
-            </a:xfrm>
-            <a:prstGeom prst="rect">
-              <a:avLst/>
-            </a:prstGeom>
-            <a:noFill/>
-          </p:spPr>
-          <p:txBody>
-            <a:bodyPr wrap="square" rtlCol="0">
-              <a:spAutoFit/>
-            </a:bodyPr>
-            <a:lstStyle/>
-            <a:p>
-              <a:r>
-                <a:rPr lang="pt-BR" dirty="0" smtClean="0"/>
-                <a:t>Smolic et al. (2009) - adaptado</a:t>
-              </a:r>
-              <a:endParaRPr lang="pt-BR" dirty="0"/>
-            </a:p>
-          </p:txBody>
-        </p:sp>
-        <p:pic>
-          <p:nvPicPr>
-            <p:cNvPr id="3077" name="Picture 5"/>
-            <p:cNvPicPr>
-              <a:picLocks noChangeAspect="1" noChangeArrowheads="1"/>
-            </p:cNvPicPr>
-            <p:nvPr/>
-          </p:nvPicPr>
-          <p:blipFill>
-            <a:blip r:embed="rId3">
-              <a:extLst>
-                <a:ext uri="{28A0092B-C50C-407E-A947-70E740481C1C}">
-                  <a14:useLocalDpi xmlns:a14="http://schemas.microsoft.com/office/drawing/2010/main" val="0"/>
-                </a:ext>
-              </a:extLst>
-            </a:blip>
-            <a:srcRect/>
-            <a:stretch>
-              <a:fillRect/>
-            </a:stretch>
-          </p:blipFill>
-          <p:spPr bwMode="auto">
-            <a:xfrm>
-              <a:off x="611560" y="3284984"/>
-              <a:ext cx="7696200" cy="2447925"/>
-            </a:xfrm>
-            <a:prstGeom prst="rect">
-              <a:avLst/>
-            </a:prstGeom>
-            <a:noFill/>
-            <a:ln>
-              <a:noFill/>
-            </a:ln>
-            <a:effectLst/>
-            <a:extLst>
-              <a:ext uri="{909E8E84-426E-40DD-AFC4-6F175D3DCCD1}">
-                <a14:hiddenFill xmlns:a14="http://schemas.microsoft.com/office/drawing/2010/main">
-                  <a:solidFill>
-                    <a:schemeClr val="accent1"/>
-                  </a:solidFill>
-                </a14:hiddenFill>
-              </a:ext>
-              <a:ext uri="{91240B29-F687-4F45-9708-019B960494DF}">
-                <a14:hiddenLine xmlns:a14="http://schemas.microsoft.com/office/drawing/2010/main" w="9525">
-                  <a:solidFill>
-                    <a:schemeClr val="tx1"/>
-                  </a:solidFill>
-                  <a:miter lim="800000"/>
-                  <a:headEnd/>
-                  <a:tailEnd/>
-                </a14:hiddenLine>
-              </a:ext>
-              <a:ext uri="{AF507438-7753-43E0-B8FC-AC1667EBCBE1}">
-                <a14:hiddenEffects xmlns:a14="http://schemas.microsoft.com/office/drawing/2010/main">
-                  <a:effectLst>
-                    <a:outerShdw dist="35921" dir="2700000" algn="ctr" rotWithShape="0">
-                      <a:schemeClr val="bg2"/>
-                    </a:outerShdw>
-                  </a:effectLst>
-                </a14:hiddenEffects>
-              </a:ext>
-            </a:extLst>
-          </p:spPr>
-        </p:pic>
-      </p:grpSp>
-      <p:sp>
-        <p:nvSpPr>
-          <p:cNvPr id="10" name="CaixaDeTexto 9"/>
-          <p:cNvSpPr txBox="1"/>
-          <p:nvPr/>
-        </p:nvSpPr>
-        <p:spPr>
-          <a:xfrm>
-            <a:off x="620447" y="326586"/>
-            <a:ext cx="8196435" cy="1143049"/>
-          </a:xfrm>
-          <a:prstGeom prst="rect">
-            <a:avLst/>
-          </a:prstGeom>
-          <a:noFill/>
-          <a:ln>
-            <a:noFill/>
-          </a:ln>
-        </p:spPr>
-        <p:txBody>
-          <a:bodyPr vert="horz" lIns="81639" tIns="40820" rIns="81639" bIns="40820" compatLnSpc="0"/>
-          <a:lstStyle/>
-          <a:p>
-            <a:pPr hangingPunct="0"/>
-            <a:r>
-              <a:rPr lang="pt-BR" sz="3000" u="sng" cap="small" dirty="0">
-                <a:solidFill>
-                  <a:schemeClr val="tx2"/>
-                </a:solidFill>
-                <a:latin typeface="+mj-lt"/>
-                <a:ea typeface="+mj-ea"/>
-                <a:cs typeface="+mj-cs"/>
-              </a:rPr>
-              <a:t>MVD </a:t>
-            </a:r>
-            <a:r>
-              <a:rPr lang="pt-BR" sz="3000" u="sng" cap="small" dirty="0" smtClean="0">
-                <a:solidFill>
-                  <a:schemeClr val="tx2"/>
-                </a:solidFill>
-                <a:latin typeface="+mj-lt"/>
-                <a:ea typeface="+mj-ea"/>
-                <a:cs typeface="+mj-cs"/>
-              </a:rPr>
-              <a:t>– </a:t>
-            </a:r>
-            <a:r>
-              <a:rPr lang="pt-BR" sz="3000" u="sng" cap="small" dirty="0">
-                <a:solidFill>
-                  <a:schemeClr val="tx2"/>
-                </a:solidFill>
-                <a:latin typeface="+mj-lt"/>
-                <a:ea typeface="+mj-ea"/>
-                <a:cs typeface="+mj-cs"/>
-              </a:rPr>
-              <a:t>Multiview Video plus </a:t>
-            </a:r>
-            <a:r>
-              <a:rPr lang="pt-BR" sz="3000" u="sng" cap="small" dirty="0" smtClean="0">
-                <a:solidFill>
-                  <a:schemeClr val="tx2"/>
-                </a:solidFill>
-                <a:latin typeface="+mj-lt"/>
-                <a:ea typeface="+mj-ea"/>
-                <a:cs typeface="+mj-cs"/>
-              </a:rPr>
-              <a:t>Depth	     .</a:t>
-            </a:r>
-            <a:endParaRPr lang="pt-BR" sz="3000" u="sng" cap="small" dirty="0">
-              <a:solidFill>
-                <a:schemeClr val="tx2"/>
-              </a:solidFill>
-              <a:latin typeface="+mj-lt"/>
-              <a:ea typeface="+mj-ea"/>
-              <a:cs typeface="+mj-cs"/>
-            </a:endParaRPr>
-          </a:p>
-        </p:txBody>
-      </p:sp>
-    </p:spTree>
-    <p:extLst>
-      <p:ext uri="{BB962C8B-B14F-4D97-AF65-F5344CB8AC3E}">
-        <p14:creationId xmlns:p14="http://schemas.microsoft.com/office/powerpoint/2010/main" val="3514332103"/>
-      </p:ext>
-    </p:extLst>
-  </p:cSld>
-  <p:clrMapOvr>
-    <a:masterClrMapping/>
-  </p:clrMapOvr>
-  <p:timing>
-    <p:tnLst>
-      <p:par>
-        <p:cTn id="1" dur="indefinite" restart="never" nodeType="tmRoot"/>
-      </p:par>
-    </p:tnLst>
-  </p:timing>
-</p:sld>
-</file>
-
-<file path=ppt/slides/slide18.xml><?xml version="1.0" encoding="utf-8"?>
-<p:sld xmlns:a="http://schemas.openxmlformats.org/drawingml/2006/main" xmlns:r="http://schemas.openxmlformats.org/officeDocument/2006/relationships" xmlns:p="http://schemas.openxmlformats.org/presentationml/2006/main">
-  <p:cSld>
-    <p:spTree>
-      <p:nvGrpSpPr>
-        <p:cNvPr id="1" name=""/>
-        <p:cNvGrpSpPr/>
-        <p:nvPr/>
-      </p:nvGrpSpPr>
-      <p:grpSpPr>
-        <a:xfrm>
-          <a:off x="0" y="0"/>
-          <a:ext cx="0" cy="0"/>
-          <a:chOff x="0" y="0"/>
-          <a:chExt cx="0" cy="0"/>
-        </a:xfrm>
-      </p:grpSpPr>
-      <p:sp>
-        <p:nvSpPr>
-          <p:cNvPr id="4" name="Espaço Reservado para Rodapé 3"/>
-          <p:cNvSpPr>
-            <a:spLocks noGrp="1"/>
-          </p:cNvSpPr>
-          <p:nvPr>
-            <p:ph type="ftr" sz="quarter" idx="16"/>
-          </p:nvPr>
-        </p:nvSpPr>
-        <p:spPr>
-          <a:xfrm>
-            <a:off x="4211960" y="6492240"/>
-            <a:ext cx="4536504" cy="365760"/>
-          </a:xfrm>
-        </p:spPr>
-        <p:txBody>
-          <a:bodyPr/>
-          <a:lstStyle/>
-          <a:p>
-            <a:r>
-              <a:rPr lang="pt-BR" dirty="0"/>
-              <a:t>Qualificação Mestrado – Matheus Ricardo Uihara Zingarelli</a:t>
-            </a:r>
-            <a:endParaRPr lang="pt-BR" dirty="0"/>
-          </a:p>
-        </p:txBody>
-      </p:sp>
-      <p:sp>
-        <p:nvSpPr>
-          <p:cNvPr id="5" name="Espaço Reservado para Número de Slide 4"/>
-          <p:cNvSpPr>
-            <a:spLocks noGrp="1"/>
-          </p:cNvSpPr>
-          <p:nvPr>
-            <p:ph type="sldNum" sz="quarter" idx="15"/>
-          </p:nvPr>
-        </p:nvSpPr>
-        <p:spPr/>
-        <p:txBody>
-          <a:bodyPr/>
-          <a:lstStyle/>
-          <a:p>
-            <a:fld id="{CC2D9971-FBC4-4232-B226-D3882EA6314B}" type="slidenum">
-              <a:rPr lang="pt-BR" smtClean="0"/>
-              <a:t>18</a:t>
-            </a:fld>
-            <a:endParaRPr lang="pt-BR" dirty="0"/>
-          </a:p>
-        </p:txBody>
-      </p:sp>
-      <p:grpSp>
-        <p:nvGrpSpPr>
-          <p:cNvPr id="6" name="Grupo 5"/>
-          <p:cNvGrpSpPr/>
-          <p:nvPr/>
-        </p:nvGrpSpPr>
-        <p:grpSpPr>
-          <a:xfrm>
-            <a:off x="1835696" y="1628800"/>
-            <a:ext cx="5472608" cy="4437764"/>
-            <a:chOff x="4166862" y="3717032"/>
-            <a:chExt cx="3141442" cy="2547410"/>
-          </a:xfrm>
-        </p:grpSpPr>
-        <p:pic>
-          <p:nvPicPr>
-            <p:cNvPr id="4098" name="Picture 2"/>
-            <p:cNvPicPr>
-              <a:picLocks noChangeAspect="1" noChangeArrowheads="1"/>
-            </p:cNvPicPr>
-            <p:nvPr/>
-          </p:nvPicPr>
-          <p:blipFill>
-            <a:blip r:embed="rId3">
-              <a:extLst>
-                <a:ext uri="{28A0092B-C50C-407E-A947-70E740481C1C}">
-                  <a14:useLocalDpi xmlns:a14="http://schemas.microsoft.com/office/drawing/2010/main" val="0"/>
-                </a:ext>
-              </a:extLst>
-            </a:blip>
-            <a:srcRect/>
-            <a:stretch>
-              <a:fillRect/>
-            </a:stretch>
-          </p:blipFill>
-          <p:spPr bwMode="auto">
-            <a:xfrm>
-              <a:off x="4166862" y="3717032"/>
-              <a:ext cx="3141442" cy="2304256"/>
-            </a:xfrm>
-            <a:prstGeom prst="rect">
-              <a:avLst/>
-            </a:prstGeom>
-            <a:noFill/>
-            <a:ln>
-              <a:noFill/>
-            </a:ln>
-            <a:effectLst/>
-            <a:extLst>
-              <a:ext uri="{909E8E84-426E-40DD-AFC4-6F175D3DCCD1}">
-                <a14:hiddenFill xmlns:a14="http://schemas.microsoft.com/office/drawing/2010/main">
-                  <a:solidFill>
-                    <a:schemeClr val="accent1"/>
-                  </a:solidFill>
-                </a14:hiddenFill>
-              </a:ext>
-              <a:ext uri="{91240B29-F687-4F45-9708-019B960494DF}">
-                <a14:hiddenLine xmlns:a14="http://schemas.microsoft.com/office/drawing/2010/main" w="9525">
-                  <a:solidFill>
-                    <a:schemeClr val="tx1"/>
-                  </a:solidFill>
-                  <a:miter lim="800000"/>
-                  <a:headEnd/>
-                  <a:tailEnd/>
-                </a14:hiddenLine>
-              </a:ext>
-              <a:ext uri="{AF507438-7753-43E0-B8FC-AC1667EBCBE1}">
-                <a14:hiddenEffects xmlns:a14="http://schemas.microsoft.com/office/drawing/2010/main">
-                  <a:effectLst>
-                    <a:outerShdw dist="35921" dir="2700000" algn="ctr" rotWithShape="0">
-                      <a:schemeClr val="bg2"/>
-                    </a:outerShdw>
-                  </a:effectLst>
-                </a14:hiddenEffects>
-              </a:ext>
-            </a:extLst>
-          </p:spPr>
-        </p:pic>
-        <p:sp>
-          <p:nvSpPr>
-            <p:cNvPr id="7" name="CaixaDeTexto 6"/>
-            <p:cNvSpPr txBox="1"/>
-            <p:nvPr/>
-          </p:nvSpPr>
-          <p:spPr>
-            <a:xfrm>
-              <a:off x="5096851" y="6052434"/>
-              <a:ext cx="1281463" cy="212008"/>
-            </a:xfrm>
-            <a:prstGeom prst="rect">
-              <a:avLst/>
-            </a:prstGeom>
-            <a:noFill/>
-          </p:spPr>
-          <p:txBody>
-            <a:bodyPr wrap="square" rtlCol="0">
-              <a:spAutoFit/>
-            </a:bodyPr>
-            <a:lstStyle/>
-            <a:p>
-              <a:r>
-                <a:rPr lang="pt-BR" dirty="0" smtClean="0"/>
-                <a:t>Smolic</a:t>
-              </a:r>
-              <a:r>
-                <a:rPr lang="pt-BR" dirty="0"/>
-                <a:t> </a:t>
-              </a:r>
-              <a:r>
-                <a:rPr lang="pt-BR" dirty="0" smtClean="0"/>
-                <a:t>et al. (2009)</a:t>
-              </a:r>
-              <a:endParaRPr lang="pt-BR" dirty="0"/>
-            </a:p>
-          </p:txBody>
-        </p:sp>
-      </p:grpSp>
-      <p:sp>
-        <p:nvSpPr>
-          <p:cNvPr id="10" name="CaixaDeTexto 9"/>
-          <p:cNvSpPr txBox="1"/>
-          <p:nvPr/>
-        </p:nvSpPr>
-        <p:spPr>
-          <a:xfrm>
-            <a:off x="620447" y="326586"/>
-            <a:ext cx="8196435" cy="1143049"/>
-          </a:xfrm>
-          <a:prstGeom prst="rect">
-            <a:avLst/>
-          </a:prstGeom>
-          <a:noFill/>
-          <a:ln>
-            <a:noFill/>
-          </a:ln>
-        </p:spPr>
-        <p:txBody>
-          <a:bodyPr vert="horz" lIns="81639" tIns="40820" rIns="81639" bIns="40820" compatLnSpc="0"/>
-          <a:lstStyle/>
-          <a:p>
-            <a:pPr hangingPunct="0"/>
-            <a:r>
-              <a:rPr lang="pt-BR" sz="3000" u="sng" cap="small" dirty="0" smtClean="0">
-                <a:solidFill>
-                  <a:schemeClr val="tx2"/>
-                </a:solidFill>
-                <a:latin typeface="+mj-lt"/>
-                <a:ea typeface="+mj-ea"/>
-                <a:cs typeface="+mj-cs"/>
-              </a:rPr>
-              <a:t>LDV – Layered Depth Video			     .</a:t>
-            </a:r>
-            <a:endParaRPr lang="pt-BR" sz="3000" u="sng" cap="small" dirty="0">
-              <a:solidFill>
-                <a:schemeClr val="tx2"/>
-              </a:solidFill>
-              <a:latin typeface="+mj-lt"/>
-              <a:ea typeface="+mj-ea"/>
-              <a:cs typeface="+mj-cs"/>
-            </a:endParaRPr>
-          </a:p>
-        </p:txBody>
-      </p:sp>
-    </p:spTree>
-    <p:extLst>
-      <p:ext uri="{BB962C8B-B14F-4D97-AF65-F5344CB8AC3E}">
-        <p14:creationId xmlns:p14="http://schemas.microsoft.com/office/powerpoint/2010/main" val="3402009588"/>
-      </p:ext>
-    </p:extLst>
-  </p:cSld>
-  <p:clrMapOvr>
-    <a:masterClrMapping/>
-  </p:clrMapOvr>
-  <p:timing>
-    <p:tnLst>
-      <p:par>
-        <p:cTn id="1" dur="indefinite" restart="never" nodeType="tmRoot"/>
-      </p:par>
-    </p:tnLst>
-  </p:timing>
-</p:sld>
-</file>
-
-<file path=ppt/slides/slide19.xml><?xml version="1.0" encoding="utf-8"?>
-<p:sld xmlns:a="http://schemas.openxmlformats.org/drawingml/2006/main" xmlns:r="http://schemas.openxmlformats.org/officeDocument/2006/relationships" xmlns:p="http://schemas.openxmlformats.org/presentationml/2006/main">
-  <p:cSld>
-    <p:spTree>
-      <p:nvGrpSpPr>
-        <p:cNvPr id="1" name=""/>
-        <p:cNvGrpSpPr/>
-        <p:nvPr/>
-      </p:nvGrpSpPr>
-      <p:grpSpPr>
-        <a:xfrm>
-          <a:off x="0" y="0"/>
-          <a:ext cx="0" cy="0"/>
-          <a:chOff x="0" y="0"/>
-          <a:chExt cx="0" cy="0"/>
-        </a:xfrm>
-      </p:grpSpPr>
-      <p:sp>
-        <p:nvSpPr>
-          <p:cNvPr id="3" name="Espaço Reservado para Conteúdo 2"/>
-          <p:cNvSpPr>
-            <a:spLocks noGrp="1"/>
-          </p:cNvSpPr>
-          <p:nvPr>
-            <p:ph sz="quarter" idx="1"/>
-          </p:nvPr>
-        </p:nvSpPr>
-        <p:spPr/>
-        <p:txBody>
-          <a:bodyPr/>
-          <a:lstStyle/>
-          <a:p>
-            <a:r>
-              <a:rPr lang="pt-BR" dirty="0" smtClean="0"/>
-              <a:t>DES engloba tudo</a:t>
-            </a:r>
-          </a:p>
-          <a:p>
-            <a:endParaRPr lang="pt-BR" dirty="0" smtClean="0"/>
-          </a:p>
-          <a:p>
-            <a:r>
-              <a:rPr lang="pt-BR" dirty="0" smtClean="0"/>
-              <a:t>Cabe ao sistema fazer uso daquilo que é capaz de processar</a:t>
-            </a:r>
-          </a:p>
-          <a:p>
-            <a:endParaRPr lang="pt-BR" dirty="0" smtClean="0"/>
-          </a:p>
-          <a:p>
-            <a:r>
-              <a:rPr lang="pt-BR" dirty="0" smtClean="0"/>
-              <a:t>Independência do sistema de exibição </a:t>
-            </a:r>
-            <a:r>
-              <a:rPr lang="pt-BR" dirty="0" smtClean="0">
-                <a:sym typeface="Wingdings"/>
-              </a:rPr>
-              <a:t></a:t>
-            </a:r>
-            <a:endParaRPr lang="pt-BR" b="1" dirty="0" smtClean="0">
-              <a:sym typeface="Wingdings 2"/>
-            </a:endParaRPr>
-          </a:p>
-          <a:p>
-            <a:endParaRPr lang="pt-BR" b="1" dirty="0" smtClean="0"/>
-          </a:p>
-          <a:p>
-            <a:r>
-              <a:rPr lang="pt-BR" dirty="0" smtClean="0"/>
-              <a:t>Engloba todos os defeitos já apontados </a:t>
-            </a:r>
-            <a:r>
-              <a:rPr lang="pt-BR" dirty="0">
-                <a:sym typeface="Wingdings"/>
-              </a:rPr>
-              <a:t></a:t>
-            </a:r>
-            <a:endParaRPr lang="pt-BR" b="1" dirty="0"/>
-          </a:p>
-          <a:p>
-            <a:pPr marL="0" indent="0">
-              <a:buNone/>
-            </a:pPr>
-            <a:endParaRPr lang="pt-BR" dirty="0"/>
-          </a:p>
-        </p:txBody>
-      </p:sp>
-      <p:sp>
-        <p:nvSpPr>
-          <p:cNvPr id="4" name="Espaço Reservado para Rodapé 3"/>
-          <p:cNvSpPr>
-            <a:spLocks noGrp="1"/>
-          </p:cNvSpPr>
-          <p:nvPr>
-            <p:ph type="ftr" sz="quarter" idx="16"/>
-          </p:nvPr>
-        </p:nvSpPr>
-        <p:spPr>
-          <a:xfrm>
-            <a:off x="4211960" y="6492240"/>
-            <a:ext cx="4536504" cy="365760"/>
-          </a:xfrm>
-        </p:spPr>
-        <p:txBody>
-          <a:bodyPr/>
-          <a:lstStyle/>
-          <a:p>
-            <a:r>
-              <a:rPr lang="pt-BR" dirty="0"/>
-              <a:t>Qualificação Mestrado – Matheus Ricardo Uihara Zingarelli</a:t>
-            </a:r>
-            <a:endParaRPr lang="pt-BR" dirty="0"/>
-          </a:p>
-        </p:txBody>
-      </p:sp>
-      <p:sp>
-        <p:nvSpPr>
-          <p:cNvPr id="5" name="Espaço Reservado para Número de Slide 4"/>
-          <p:cNvSpPr>
-            <a:spLocks noGrp="1"/>
-          </p:cNvSpPr>
-          <p:nvPr>
-            <p:ph type="sldNum" sz="quarter" idx="15"/>
-          </p:nvPr>
-        </p:nvSpPr>
-        <p:spPr/>
-        <p:txBody>
-          <a:bodyPr/>
-          <a:lstStyle/>
-          <a:p>
-            <a:fld id="{CC2D9971-FBC4-4232-B226-D3882EA6314B}" type="slidenum">
-              <a:rPr lang="pt-BR" smtClean="0"/>
-              <a:t>19</a:t>
-            </a:fld>
-            <a:endParaRPr lang="pt-BR" dirty="0"/>
-          </a:p>
-        </p:txBody>
-      </p:sp>
-      <p:sp>
-        <p:nvSpPr>
-          <p:cNvPr id="6" name="CaixaDeTexto 5"/>
-          <p:cNvSpPr txBox="1"/>
-          <p:nvPr/>
-        </p:nvSpPr>
-        <p:spPr>
-          <a:xfrm>
-            <a:off x="620447" y="326586"/>
-            <a:ext cx="8196435" cy="1143049"/>
-          </a:xfrm>
-          <a:prstGeom prst="rect">
-            <a:avLst/>
-          </a:prstGeom>
-          <a:noFill/>
-          <a:ln>
-            <a:noFill/>
-          </a:ln>
-        </p:spPr>
-        <p:txBody>
-          <a:bodyPr vert="horz" lIns="81639" tIns="40820" rIns="81639" bIns="40820" compatLnSpc="0"/>
-          <a:lstStyle/>
-          <a:p>
-            <a:pPr hangingPunct="0"/>
-            <a:r>
-              <a:rPr lang="pt-BR" sz="3000" u="sng" cap="small" dirty="0" smtClean="0">
-                <a:solidFill>
-                  <a:schemeClr val="tx2"/>
-                </a:solidFill>
-                <a:latin typeface="+mj-lt"/>
-                <a:ea typeface="+mj-ea"/>
-                <a:cs typeface="+mj-cs"/>
-              </a:rPr>
-              <a:t>DES – Depth Enhanced Stereo		     .</a:t>
-            </a:r>
-            <a:endParaRPr lang="pt-BR" sz="3000" u="sng" cap="small" dirty="0">
-              <a:solidFill>
-                <a:schemeClr val="tx2"/>
-              </a:solidFill>
-              <a:latin typeface="+mj-lt"/>
-              <a:ea typeface="+mj-ea"/>
-              <a:cs typeface="+mj-cs"/>
-            </a:endParaRPr>
-          </a:p>
-        </p:txBody>
-      </p:sp>
-    </p:spTree>
-    <p:extLst>
-      <p:ext uri="{BB962C8B-B14F-4D97-AF65-F5344CB8AC3E}">
-        <p14:creationId xmlns:p14="http://schemas.microsoft.com/office/powerpoint/2010/main" val="3688975312"/>
-      </p:ext>
-    </p:extLst>
-  </p:cSld>
-  <p:clrMapOvr>
-    <a:masterClrMapping/>
-  </p:clrMapOvr>
-  <p:timing>
-    <p:tnLst>
-      <p:par>
-        <p:cTn id="1" dur="indefinite" restart="never" nodeType="tmRoot"/>
-      </p:par>
-    </p:tnLst>
-  </p:timing>
-</p:sld>
-</file>
-
-<file path=ppt/slides/slide2.xml><?xml version="1.0" encoding="utf-8"?>
-<p:sld xmlns:a="http://schemas.openxmlformats.org/drawingml/2006/main" xmlns:r="http://schemas.openxmlformats.org/officeDocument/2006/relationships" xmlns:p="http://schemas.openxmlformats.org/presentationml/2006/main">
-  <p:cSld>
-    <p:spTree>
-      <p:nvGrpSpPr>
-        <p:cNvPr id="1" name=""/>
-        <p:cNvGrpSpPr/>
-        <p:nvPr/>
-      </p:nvGrpSpPr>
-      <p:grpSpPr>
-        <a:xfrm>
-          <a:off x="0" y="0"/>
-          <a:ext cx="0" cy="0"/>
-          <a:chOff x="0" y="0"/>
-          <a:chExt cx="0" cy="0"/>
-        </a:xfrm>
-      </p:grpSpPr>
-      <p:sp>
-        <p:nvSpPr>
-          <p:cNvPr id="2" name="Título 1"/>
-          <p:cNvSpPr>
-            <a:spLocks noGrp="1"/>
-          </p:cNvSpPr>
-          <p:nvPr>
-            <p:ph type="title"/>
-          </p:nvPr>
-        </p:nvSpPr>
-        <p:spPr>
-          <a:xfrm>
-            <a:off x="457200" y="274638"/>
-            <a:ext cx="8291264" cy="1143000"/>
-          </a:xfrm>
-        </p:spPr>
-        <p:txBody>
-          <a:bodyPr/>
-          <a:lstStyle/>
-          <a:p>
-            <a:r>
-              <a:rPr lang="pt-BR" u="sng" dirty="0" smtClean="0"/>
-              <a:t>Roteiro						        	.</a:t>
-            </a:r>
-            <a:endParaRPr lang="pt-BR" u="sng" dirty="0"/>
-          </a:p>
-        </p:txBody>
-      </p:sp>
-      <p:sp>
-        <p:nvSpPr>
-          <p:cNvPr id="3" name="Espaço Reservado para Conteúdo 2"/>
-          <p:cNvSpPr>
-            <a:spLocks noGrp="1"/>
-          </p:cNvSpPr>
-          <p:nvPr>
-            <p:ph sz="quarter" idx="1"/>
-          </p:nvPr>
-        </p:nvSpPr>
-        <p:spPr/>
-        <p:txBody>
-          <a:bodyPr/>
-          <a:lstStyle/>
-          <a:p>
-            <a:r>
-              <a:rPr lang="pt-BR" dirty="0" smtClean="0"/>
-              <a:t>Fundamentos</a:t>
-            </a:r>
-            <a:endParaRPr lang="pt-BR" dirty="0" smtClean="0"/>
-          </a:p>
-          <a:p>
-            <a:r>
-              <a:rPr lang="pt-BR" dirty="0" smtClean="0"/>
-              <a:t>Visualização </a:t>
-            </a:r>
-            <a:r>
-              <a:rPr lang="pt-BR" dirty="0" smtClean="0"/>
-              <a:t>Estereoscópica</a:t>
-            </a:r>
-          </a:p>
-          <a:p>
-            <a:r>
-              <a:rPr lang="pt-BR" dirty="0" smtClean="0"/>
+          <a:bodyPr>
+            <a:normAutofit/>
+          </a:bodyPr>
+          <a:lstStyle/>
+          <a:p>
+            <a:r>
+              <a:rPr lang="pt-BR" sz="4400" dirty="0" smtClean="0"/>
               <a:t>Codificação Estereoscópica</a:t>
             </a:r>
-          </a:p>
-          <a:p>
-            <a:r>
-              <a:rPr lang="pt-BR" dirty="0" smtClean="0"/>
-              <a:t>Apresentação do Problema</a:t>
-            </a:r>
-          </a:p>
-          <a:p>
-            <a:r>
-              <a:rPr lang="pt-BR" dirty="0" smtClean="0"/>
-              <a:t>Proposta de Pesquisa</a:t>
-            </a:r>
-          </a:p>
-          <a:p>
-            <a:r>
-              <a:rPr lang="pt-BR" dirty="0" smtClean="0"/>
-              <a:t>Atividades Realizadas</a:t>
-            </a:r>
-          </a:p>
-          <a:p>
-            <a:r>
-              <a:rPr lang="pt-BR" dirty="0" smtClean="0"/>
-              <a:t>Referências</a:t>
-            </a:r>
-            <a:endParaRPr lang="pt-BR" dirty="0" smtClean="0"/>
-          </a:p>
-        </p:txBody>
-      </p:sp>
-      <p:sp>
-        <p:nvSpPr>
-          <p:cNvPr id="4" name="Espaço Reservado para Rodapé 3"/>
-          <p:cNvSpPr>
-            <a:spLocks noGrp="1"/>
-          </p:cNvSpPr>
-          <p:nvPr>
-            <p:ph type="ftr" sz="quarter" idx="16"/>
-          </p:nvPr>
-        </p:nvSpPr>
-        <p:spPr>
-          <a:xfrm>
-            <a:off x="4211960" y="6492240"/>
-            <a:ext cx="4536504" cy="365760"/>
-          </a:xfrm>
-        </p:spPr>
-        <p:txBody>
-          <a:bodyPr/>
-          <a:lstStyle/>
-          <a:p>
-            <a:r>
-              <a:rPr lang="pt-BR" dirty="0" smtClean="0"/>
-              <a:t>Qualificação Mestrado – Matheus Ricardo Uihara Zingarelli</a:t>
-            </a:r>
-            <a:endParaRPr lang="pt-BR" dirty="0"/>
-          </a:p>
-        </p:txBody>
-      </p:sp>
-      <p:sp>
-        <p:nvSpPr>
-          <p:cNvPr id="5" name="Espaço Reservado para Número de Slide 4"/>
-          <p:cNvSpPr>
-            <a:spLocks noGrp="1"/>
-          </p:cNvSpPr>
-          <p:nvPr>
-            <p:ph type="sldNum" sz="quarter" idx="15"/>
-          </p:nvPr>
-        </p:nvSpPr>
-        <p:spPr/>
-        <p:txBody>
-          <a:bodyPr/>
-          <a:lstStyle/>
-          <a:p>
-            <a:fld id="{CC2D9971-FBC4-4232-B226-D3882EA6314B}" type="slidenum">
-              <a:rPr lang="pt-BR" smtClean="0"/>
-              <a:t>2</a:t>
-            </a:fld>
-            <a:endParaRPr lang="pt-BR" dirty="0"/>
-          </a:p>
-        </p:txBody>
-      </p:sp>
-    </p:spTree>
-    <p:extLst>
-      <p:ext uri="{BB962C8B-B14F-4D97-AF65-F5344CB8AC3E}">
-        <p14:creationId xmlns:p14="http://schemas.microsoft.com/office/powerpoint/2010/main" val="2814747602"/>
-      </p:ext>
-    </p:extLst>
-  </p:cSld>
-  <p:clrMapOvr>
-    <a:masterClrMapping/>
-  </p:clrMapOvr>
-  <p:timing>
-    <p:tnLst>
-      <p:par>
-        <p:cTn id="1" dur="indefinite" restart="never" nodeType="tmRoot"/>
-      </p:par>
-    </p:tnLst>
-  </p:timing>
-</p:sld>
-</file>
-
-<file path=ppt/slides/slide20.xml><?xml version="1.0" encoding="utf-8"?>
-<p:sld xmlns:a="http://schemas.openxmlformats.org/drawingml/2006/main" xmlns:r="http://schemas.openxmlformats.org/officeDocument/2006/relationships" xmlns:p="http://schemas.openxmlformats.org/presentationml/2006/main">
-  <p:cSld>
-    <p:spTree>
-      <p:nvGrpSpPr>
-        <p:cNvPr id="1" name=""/>
-        <p:cNvGrpSpPr/>
-        <p:nvPr/>
-      </p:nvGrpSpPr>
-      <p:grpSpPr>
-        <a:xfrm>
-          <a:off x="0" y="0"/>
-          <a:ext cx="0" cy="0"/>
-          <a:chOff x="0" y="0"/>
-          <a:chExt cx="0" cy="0"/>
-        </a:xfrm>
-      </p:grpSpPr>
-      <p:sp>
-        <p:nvSpPr>
-          <p:cNvPr id="2" name="Título 1"/>
-          <p:cNvSpPr>
-            <a:spLocks noGrp="1"/>
-          </p:cNvSpPr>
-          <p:nvPr>
-            <p:ph type="ctrTitle"/>
-          </p:nvPr>
-        </p:nvSpPr>
-        <p:spPr/>
-        <p:txBody>
-          <a:bodyPr>
-            <a:noAutofit/>
-          </a:bodyPr>
-          <a:lstStyle/>
-          <a:p>
-            <a:r>
-              <a:rPr lang="pt-BR" sz="4400" b="0" dirty="0"/>
-              <a:t>Tópicos Atuais</a:t>
-            </a:r>
-          </a:p>
-        </p:txBody>
-      </p:sp>
-      <p:sp>
-        <p:nvSpPr>
-          <p:cNvPr id="3" name="Subtítulo 2"/>
-          <p:cNvSpPr>
-            <a:spLocks noGrp="1"/>
-          </p:cNvSpPr>
-          <p:nvPr>
-            <p:ph type="subTitle" idx="1"/>
-          </p:nvPr>
-        </p:nvSpPr>
-        <p:spPr/>
-        <p:txBody>
-          <a:bodyPr/>
-          <a:lstStyle/>
-          <a:p>
-            <a:endParaRPr lang="pt-BR" dirty="0"/>
-          </a:p>
-        </p:txBody>
-      </p:sp>
-      <p:sp>
-        <p:nvSpPr>
-          <p:cNvPr id="5" name="Espaço Reservado para Número de Slide 4"/>
-          <p:cNvSpPr>
-            <a:spLocks noGrp="1"/>
-          </p:cNvSpPr>
-          <p:nvPr>
-            <p:ph type="sldNum" sz="quarter" idx="12"/>
-          </p:nvPr>
-        </p:nvSpPr>
-        <p:spPr/>
-        <p:txBody>
-          <a:bodyPr/>
-          <a:lstStyle/>
-          <a:p>
-            <a:fld id="{CC2D9971-FBC4-4232-B226-D3882EA6314B}" type="slidenum">
-              <a:rPr lang="pt-BR" smtClean="0"/>
-              <a:t>20</a:t>
-            </a:fld>
-            <a:endParaRPr lang="pt-BR" dirty="0"/>
-          </a:p>
-        </p:txBody>
-      </p:sp>
-      <p:sp>
-        <p:nvSpPr>
-          <p:cNvPr id="7" name="Espaço Reservado para Rodapé 3"/>
+            <a:endParaRPr lang="pt-BR" sz="4400" dirty="0"/>
+          </a:p>
+        </p:txBody>
+      </p:sp>
+      <p:sp>
+        <p:nvSpPr>
+          <p:cNvPr id="8" name="Espaço Reservado para Rodapé 3"/>
           <p:cNvSpPr txBox="1">
             <a:spLocks/>
           </p:cNvSpPr>
@@ -10173,7 +7571,1545 @@
               <a:rPr lang="pt-BR" dirty="0"/>
               <a:t>Qualificação Mestrado – Matheus Ricardo Uihara Zingarelli</a:t>
             </a:r>
+          </a:p>
+        </p:txBody>
+      </p:sp>
+    </p:spTree>
+    <p:extLst>
+      <p:ext uri="{BB962C8B-B14F-4D97-AF65-F5344CB8AC3E}">
+        <p14:creationId xmlns:p14="http://schemas.microsoft.com/office/powerpoint/2010/main" val="3029309935"/>
+      </p:ext>
+    </p:extLst>
+  </p:cSld>
+  <p:clrMapOvr>
+    <a:masterClrMapping/>
+  </p:clrMapOvr>
+  <p:timing>
+    <p:tnLst>
+      <p:par>
+        <p:cTn id="1" dur="indefinite" restart="never" nodeType="tmRoot"/>
+      </p:par>
+    </p:tnLst>
+  </p:timing>
+</p:sld>
+</file>
+
+<file path=ppt/slides/slide12.xml><?xml version="1.0" encoding="utf-8"?>
+<p:sld xmlns:a="http://schemas.openxmlformats.org/drawingml/2006/main" xmlns:r="http://schemas.openxmlformats.org/officeDocument/2006/relationships" xmlns:p="http://schemas.openxmlformats.org/presentationml/2006/main">
+  <p:cSld>
+    <p:spTree>
+      <p:nvGrpSpPr>
+        <p:cNvPr id="1" name=""/>
+        <p:cNvGrpSpPr/>
+        <p:nvPr/>
+      </p:nvGrpSpPr>
+      <p:grpSpPr>
+        <a:xfrm>
+          <a:off x="0" y="0"/>
+          <a:ext cx="0" cy="0"/>
+          <a:chOff x="0" y="0"/>
+          <a:chExt cx="0" cy="0"/>
+        </a:xfrm>
+      </p:grpSpPr>
+      <p:sp>
+        <p:nvSpPr>
+          <p:cNvPr id="9" name="Título 8"/>
+          <p:cNvSpPr>
+            <a:spLocks noGrp="1"/>
+          </p:cNvSpPr>
+          <p:nvPr>
+            <p:ph type="title"/>
+          </p:nvPr>
+        </p:nvSpPr>
+        <p:spPr/>
+        <p:txBody>
+          <a:bodyPr/>
+          <a:lstStyle/>
+          <a:p>
+            <a:r>
+              <a:rPr lang="pt-BR" dirty="0" smtClean="0"/>
+              <a:t>Codificação Estereoscópica – Introdução</a:t>
+            </a:r>
             <a:endParaRPr lang="pt-BR" dirty="0"/>
+          </a:p>
+        </p:txBody>
+      </p:sp>
+      <p:sp>
+        <p:nvSpPr>
+          <p:cNvPr id="7" name="Espaço Reservado para Número de Slide 4"/>
+          <p:cNvSpPr>
+            <a:spLocks noGrp="1"/>
+          </p:cNvSpPr>
+          <p:nvPr>
+            <p:ph type="sldNum" sz="quarter" idx="15"/>
+          </p:nvPr>
+        </p:nvSpPr>
+        <p:spPr>
+          <a:prstGeom prst="rect">
+            <a:avLst/>
+          </a:prstGeom>
+        </p:spPr>
+        <p:txBody>
+          <a:bodyPr/>
+          <a:lstStyle/>
+          <a:p>
+            <a:fld id="{CC2D9971-FBC4-4232-B226-D3882EA6314B}" type="slidenum">
+              <a:rPr lang="pt-BR" sz="1400" b="1">
+                <a:solidFill>
+                  <a:srgbClr val="FFFFFF"/>
+                </a:solidFill>
+              </a:rPr>
+              <a:t>12</a:t>
+            </a:fld>
+            <a:endParaRPr lang="pt-BR" sz="1400" b="1" dirty="0">
+              <a:solidFill>
+                <a:srgbClr val="FFFFFF"/>
+              </a:solidFill>
+            </a:endParaRPr>
+          </a:p>
+        </p:txBody>
+      </p:sp>
+      <p:sp>
+        <p:nvSpPr>
+          <p:cNvPr id="11" name="Espaço Reservado para Rodapé 3"/>
+          <p:cNvSpPr txBox="1">
+            <a:spLocks/>
+          </p:cNvSpPr>
+          <p:nvPr/>
+        </p:nvSpPr>
+        <p:spPr>
+          <a:xfrm>
+            <a:off x="4211960" y="6492240"/>
+            <a:ext cx="4536504" cy="365760"/>
+          </a:xfrm>
+          <a:prstGeom prst="rect">
+            <a:avLst/>
+          </a:prstGeom>
+        </p:spPr>
+        <p:txBody>
+          <a:bodyPr vert="horz" anchor="ctr" anchorCtr="0"/>
+          <a:lstStyle>
+            <a:defPPr>
+              <a:defRPr lang="pt-BR"/>
+            </a:defPPr>
+            <a:lvl1pPr marL="0" algn="l" defTabSz="914400" rtl="0" eaLnBrk="1" latinLnBrk="0" hangingPunct="1">
+              <a:defRPr kumimoji="0" sz="1200" kern="1200">
+                <a:solidFill>
+                  <a:schemeClr val="tx2"/>
+                </a:solidFill>
+                <a:latin typeface="+mn-lt"/>
+                <a:ea typeface="+mn-ea"/>
+                <a:cs typeface="+mn-cs"/>
+              </a:defRPr>
+            </a:lvl1pPr>
+            <a:lvl2pPr marL="457200" algn="l" defTabSz="914400" rtl="0" eaLnBrk="1" latinLnBrk="0" hangingPunct="1">
+              <a:defRPr sz="1800" kern="1200">
+                <a:solidFill>
+                  <a:schemeClr val="tx1"/>
+                </a:solidFill>
+                <a:latin typeface="+mn-lt"/>
+                <a:ea typeface="+mn-ea"/>
+                <a:cs typeface="+mn-cs"/>
+              </a:defRPr>
+            </a:lvl2pPr>
+            <a:lvl3pPr marL="914400" algn="l" defTabSz="914400" rtl="0" eaLnBrk="1" latinLnBrk="0" hangingPunct="1">
+              <a:defRPr sz="1800" kern="1200">
+                <a:solidFill>
+                  <a:schemeClr val="tx1"/>
+                </a:solidFill>
+                <a:latin typeface="+mn-lt"/>
+                <a:ea typeface="+mn-ea"/>
+                <a:cs typeface="+mn-cs"/>
+              </a:defRPr>
+            </a:lvl3pPr>
+            <a:lvl4pPr marL="1371600" algn="l" defTabSz="914400" rtl="0" eaLnBrk="1" latinLnBrk="0" hangingPunct="1">
+              <a:defRPr sz="1800" kern="1200">
+                <a:solidFill>
+                  <a:schemeClr val="tx1"/>
+                </a:solidFill>
+                <a:latin typeface="+mn-lt"/>
+                <a:ea typeface="+mn-ea"/>
+                <a:cs typeface="+mn-cs"/>
+              </a:defRPr>
+            </a:lvl4pPr>
+            <a:lvl5pPr marL="1828800" algn="l" defTabSz="914400" rtl="0" eaLnBrk="1" latinLnBrk="0" hangingPunct="1">
+              <a:defRPr sz="1800" kern="1200">
+                <a:solidFill>
+                  <a:schemeClr val="tx1"/>
+                </a:solidFill>
+                <a:latin typeface="+mn-lt"/>
+                <a:ea typeface="+mn-ea"/>
+                <a:cs typeface="+mn-cs"/>
+              </a:defRPr>
+            </a:lvl5pPr>
+            <a:lvl6pPr marL="2286000" algn="l" defTabSz="914400" rtl="0" eaLnBrk="1" latinLnBrk="0" hangingPunct="1">
+              <a:defRPr sz="1800" kern="1200">
+                <a:solidFill>
+                  <a:schemeClr val="tx1"/>
+                </a:solidFill>
+                <a:latin typeface="+mn-lt"/>
+                <a:ea typeface="+mn-ea"/>
+                <a:cs typeface="+mn-cs"/>
+              </a:defRPr>
+            </a:lvl6pPr>
+            <a:lvl7pPr marL="2743200" algn="l" defTabSz="914400" rtl="0" eaLnBrk="1" latinLnBrk="0" hangingPunct="1">
+              <a:defRPr sz="1800" kern="1200">
+                <a:solidFill>
+                  <a:schemeClr val="tx1"/>
+                </a:solidFill>
+                <a:latin typeface="+mn-lt"/>
+                <a:ea typeface="+mn-ea"/>
+                <a:cs typeface="+mn-cs"/>
+              </a:defRPr>
+            </a:lvl7pPr>
+            <a:lvl8pPr marL="3200400" algn="l" defTabSz="914400" rtl="0" eaLnBrk="1" latinLnBrk="0" hangingPunct="1">
+              <a:defRPr sz="1800" kern="1200">
+                <a:solidFill>
+                  <a:schemeClr val="tx1"/>
+                </a:solidFill>
+                <a:latin typeface="+mn-lt"/>
+                <a:ea typeface="+mn-ea"/>
+                <a:cs typeface="+mn-cs"/>
+              </a:defRPr>
+            </a:lvl8pPr>
+            <a:lvl9pPr marL="3657600" algn="l" defTabSz="914400" rtl="0" eaLnBrk="1" latinLnBrk="0" hangingPunct="1">
+              <a:defRPr sz="1800" kern="1200">
+                <a:solidFill>
+                  <a:schemeClr val="tx1"/>
+                </a:solidFill>
+                <a:latin typeface="+mn-lt"/>
+                <a:ea typeface="+mn-ea"/>
+                <a:cs typeface="+mn-cs"/>
+              </a:defRPr>
+            </a:lvl9pPr>
+          </a:lstStyle>
+          <a:p>
+            <a:r>
+              <a:rPr lang="pt-BR" smtClean="0"/>
+              <a:t>Qualificação Mestrado – Matheus Ricardo Uihara Zingarelli</a:t>
+            </a:r>
+            <a:endParaRPr lang="pt-BR" dirty="0"/>
+          </a:p>
+        </p:txBody>
+      </p:sp>
+      <p:sp>
+        <p:nvSpPr>
+          <p:cNvPr id="3" name="Espaço Reservado para Conteúdo 2"/>
+          <p:cNvSpPr>
+            <a:spLocks noGrp="1"/>
+          </p:cNvSpPr>
+          <p:nvPr>
+            <p:ph sz="quarter" idx="1"/>
+          </p:nvPr>
+        </p:nvSpPr>
+        <p:spPr/>
+        <p:txBody>
+          <a:bodyPr/>
+          <a:lstStyle/>
+          <a:p>
+            <a:r>
+              <a:rPr lang="pt-BR" dirty="0"/>
+              <a:t>Par estéreo → dois sinais de vídeo → dobro de informação a ser </a:t>
+            </a:r>
+            <a:r>
+              <a:rPr lang="pt-BR" dirty="0" smtClean="0"/>
+              <a:t>armazenado</a:t>
+            </a:r>
+          </a:p>
+          <a:p>
+            <a:r>
+              <a:rPr lang="pt-BR" dirty="0" smtClean="0"/>
+              <a:t>Necessidade de novas estratégias de armazenamento</a:t>
+            </a:r>
+          </a:p>
+          <a:p>
+            <a:r>
+              <a:rPr lang="pt-BR" dirty="0" smtClean="0"/>
+              <a:t>Classificação</a:t>
+            </a:r>
+          </a:p>
+          <a:p>
+            <a:pPr lvl="1"/>
+            <a:r>
+              <a:rPr lang="pt-BR" dirty="0" smtClean="0"/>
+              <a:t>Convencional – Método de Lipton (Lipton, 1997)</a:t>
+            </a:r>
+          </a:p>
+          <a:p>
+            <a:pPr lvl="1"/>
+            <a:r>
+              <a:rPr lang="pt-BR" dirty="0" smtClean="0"/>
+              <a:t>Baseada e vídeo e profundidade</a:t>
+            </a:r>
+            <a:endParaRPr lang="pt-BR" dirty="0"/>
+          </a:p>
+        </p:txBody>
+      </p:sp>
+    </p:spTree>
+    <p:extLst>
+      <p:ext uri="{BB962C8B-B14F-4D97-AF65-F5344CB8AC3E}">
+        <p14:creationId xmlns:p14="http://schemas.microsoft.com/office/powerpoint/2010/main" val="3814981677"/>
+      </p:ext>
+    </p:extLst>
+  </p:cSld>
+  <p:clrMapOvr>
+    <a:masterClrMapping/>
+  </p:clrMapOvr>
+  <mc:AlternateContent xmlns:mc="http://schemas.openxmlformats.org/markup-compatibility/2006" xmlns:p14="http://schemas.microsoft.com/office/powerpoint/2010/main">
+    <mc:Choice Requires="p14">
+      <p:transition spd="slow" p14:dur="2000"/>
+    </mc:Choice>
+    <mc:Fallback xmlns="">
+      <p:transition spd="slow"/>
+    </mc:Fallback>
+  </mc:AlternateContent>
+  <p:timing>
+    <p:tnLst>
+      <p:par>
+        <p:cTn id="1" dur="indefinite" restart="never" nodeType="tmRoot"/>
+      </p:par>
+    </p:tnLst>
+  </p:timing>
+</p:sld>
+</file>
+
+<file path=ppt/slides/slide13.xml><?xml version="1.0" encoding="utf-8"?>
+<p:sld xmlns:a="http://schemas.openxmlformats.org/drawingml/2006/main" xmlns:r="http://schemas.openxmlformats.org/officeDocument/2006/relationships" xmlns:p="http://schemas.openxmlformats.org/presentationml/2006/main">
+  <p:cSld>
+    <p:spTree>
+      <p:nvGrpSpPr>
+        <p:cNvPr id="1" name=""/>
+        <p:cNvGrpSpPr/>
+        <p:nvPr/>
+      </p:nvGrpSpPr>
+      <p:grpSpPr>
+        <a:xfrm>
+          <a:off x="0" y="0"/>
+          <a:ext cx="0" cy="0"/>
+          <a:chOff x="0" y="0"/>
+          <a:chExt cx="0" cy="0"/>
+        </a:xfrm>
+      </p:grpSpPr>
+      <p:sp>
+        <p:nvSpPr>
+          <p:cNvPr id="9" name="Título 8"/>
+          <p:cNvSpPr>
+            <a:spLocks noGrp="1"/>
+          </p:cNvSpPr>
+          <p:nvPr>
+            <p:ph type="title"/>
+          </p:nvPr>
+        </p:nvSpPr>
+        <p:spPr/>
+        <p:txBody>
+          <a:bodyPr/>
+          <a:lstStyle/>
+          <a:p>
+            <a:r>
+              <a:rPr lang="pt-BR" dirty="0" smtClean="0"/>
+              <a:t>Codificação Estereoscópica – Método de Lipton</a:t>
+            </a:r>
+            <a:endParaRPr lang="pt-BR" dirty="0"/>
+          </a:p>
+        </p:txBody>
+      </p:sp>
+      <p:sp>
+        <p:nvSpPr>
+          <p:cNvPr id="7" name="Espaço Reservado para Número de Slide 4"/>
+          <p:cNvSpPr>
+            <a:spLocks noGrp="1"/>
+          </p:cNvSpPr>
+          <p:nvPr>
+            <p:ph type="sldNum" sz="quarter" idx="15"/>
+          </p:nvPr>
+        </p:nvSpPr>
+        <p:spPr>
+          <a:prstGeom prst="rect">
+            <a:avLst/>
+          </a:prstGeom>
+        </p:spPr>
+        <p:txBody>
+          <a:bodyPr/>
+          <a:lstStyle/>
+          <a:p>
+            <a:fld id="{CC2D9971-FBC4-4232-B226-D3882EA6314B}" type="slidenum">
+              <a:rPr lang="pt-BR" sz="1400" b="1">
+                <a:solidFill>
+                  <a:srgbClr val="FFFFFF"/>
+                </a:solidFill>
+              </a:rPr>
+              <a:t>13</a:t>
+            </a:fld>
+            <a:endParaRPr lang="pt-BR" sz="1400" b="1" dirty="0">
+              <a:solidFill>
+                <a:srgbClr val="FFFFFF"/>
+              </a:solidFill>
+            </a:endParaRPr>
+          </a:p>
+        </p:txBody>
+      </p:sp>
+      <p:sp>
+        <p:nvSpPr>
+          <p:cNvPr id="11" name="Espaço Reservado para Rodapé 3"/>
+          <p:cNvSpPr txBox="1">
+            <a:spLocks/>
+          </p:cNvSpPr>
+          <p:nvPr/>
+        </p:nvSpPr>
+        <p:spPr>
+          <a:xfrm>
+            <a:off x="4211960" y="6492240"/>
+            <a:ext cx="4536504" cy="365760"/>
+          </a:xfrm>
+          <a:prstGeom prst="rect">
+            <a:avLst/>
+          </a:prstGeom>
+        </p:spPr>
+        <p:txBody>
+          <a:bodyPr vert="horz" anchor="ctr" anchorCtr="0"/>
+          <a:lstStyle>
+            <a:defPPr>
+              <a:defRPr lang="pt-BR"/>
+            </a:defPPr>
+            <a:lvl1pPr marL="0" algn="l" defTabSz="914400" rtl="0" eaLnBrk="1" latinLnBrk="0" hangingPunct="1">
+              <a:defRPr kumimoji="0" sz="1200" kern="1200">
+                <a:solidFill>
+                  <a:schemeClr val="tx2"/>
+                </a:solidFill>
+                <a:latin typeface="+mn-lt"/>
+                <a:ea typeface="+mn-ea"/>
+                <a:cs typeface="+mn-cs"/>
+              </a:defRPr>
+            </a:lvl1pPr>
+            <a:lvl2pPr marL="457200" algn="l" defTabSz="914400" rtl="0" eaLnBrk="1" latinLnBrk="0" hangingPunct="1">
+              <a:defRPr sz="1800" kern="1200">
+                <a:solidFill>
+                  <a:schemeClr val="tx1"/>
+                </a:solidFill>
+                <a:latin typeface="+mn-lt"/>
+                <a:ea typeface="+mn-ea"/>
+                <a:cs typeface="+mn-cs"/>
+              </a:defRPr>
+            </a:lvl2pPr>
+            <a:lvl3pPr marL="914400" algn="l" defTabSz="914400" rtl="0" eaLnBrk="1" latinLnBrk="0" hangingPunct="1">
+              <a:defRPr sz="1800" kern="1200">
+                <a:solidFill>
+                  <a:schemeClr val="tx1"/>
+                </a:solidFill>
+                <a:latin typeface="+mn-lt"/>
+                <a:ea typeface="+mn-ea"/>
+                <a:cs typeface="+mn-cs"/>
+              </a:defRPr>
+            </a:lvl3pPr>
+            <a:lvl4pPr marL="1371600" algn="l" defTabSz="914400" rtl="0" eaLnBrk="1" latinLnBrk="0" hangingPunct="1">
+              <a:defRPr sz="1800" kern="1200">
+                <a:solidFill>
+                  <a:schemeClr val="tx1"/>
+                </a:solidFill>
+                <a:latin typeface="+mn-lt"/>
+                <a:ea typeface="+mn-ea"/>
+                <a:cs typeface="+mn-cs"/>
+              </a:defRPr>
+            </a:lvl4pPr>
+            <a:lvl5pPr marL="1828800" algn="l" defTabSz="914400" rtl="0" eaLnBrk="1" latinLnBrk="0" hangingPunct="1">
+              <a:defRPr sz="1800" kern="1200">
+                <a:solidFill>
+                  <a:schemeClr val="tx1"/>
+                </a:solidFill>
+                <a:latin typeface="+mn-lt"/>
+                <a:ea typeface="+mn-ea"/>
+                <a:cs typeface="+mn-cs"/>
+              </a:defRPr>
+            </a:lvl5pPr>
+            <a:lvl6pPr marL="2286000" algn="l" defTabSz="914400" rtl="0" eaLnBrk="1" latinLnBrk="0" hangingPunct="1">
+              <a:defRPr sz="1800" kern="1200">
+                <a:solidFill>
+                  <a:schemeClr val="tx1"/>
+                </a:solidFill>
+                <a:latin typeface="+mn-lt"/>
+                <a:ea typeface="+mn-ea"/>
+                <a:cs typeface="+mn-cs"/>
+              </a:defRPr>
+            </a:lvl6pPr>
+            <a:lvl7pPr marL="2743200" algn="l" defTabSz="914400" rtl="0" eaLnBrk="1" latinLnBrk="0" hangingPunct="1">
+              <a:defRPr sz="1800" kern="1200">
+                <a:solidFill>
+                  <a:schemeClr val="tx1"/>
+                </a:solidFill>
+                <a:latin typeface="+mn-lt"/>
+                <a:ea typeface="+mn-ea"/>
+                <a:cs typeface="+mn-cs"/>
+              </a:defRPr>
+            </a:lvl7pPr>
+            <a:lvl8pPr marL="3200400" algn="l" defTabSz="914400" rtl="0" eaLnBrk="1" latinLnBrk="0" hangingPunct="1">
+              <a:defRPr sz="1800" kern="1200">
+                <a:solidFill>
+                  <a:schemeClr val="tx1"/>
+                </a:solidFill>
+                <a:latin typeface="+mn-lt"/>
+                <a:ea typeface="+mn-ea"/>
+                <a:cs typeface="+mn-cs"/>
+              </a:defRPr>
+            </a:lvl8pPr>
+            <a:lvl9pPr marL="3657600" algn="l" defTabSz="914400" rtl="0" eaLnBrk="1" latinLnBrk="0" hangingPunct="1">
+              <a:defRPr sz="1800" kern="1200">
+                <a:solidFill>
+                  <a:schemeClr val="tx1"/>
+                </a:solidFill>
+                <a:latin typeface="+mn-lt"/>
+                <a:ea typeface="+mn-ea"/>
+                <a:cs typeface="+mn-cs"/>
+              </a:defRPr>
+            </a:lvl9pPr>
+          </a:lstStyle>
+          <a:p>
+            <a:r>
+              <a:rPr lang="pt-BR" smtClean="0"/>
+              <a:t>Qualificação Mestrado – Matheus Ricardo Uihara Zingarelli</a:t>
+            </a:r>
+            <a:endParaRPr lang="pt-BR" dirty="0"/>
+          </a:p>
+        </p:txBody>
+      </p:sp>
+      <p:sp>
+        <p:nvSpPr>
+          <p:cNvPr id="3" name="Espaço Reservado para Conteúdo 2"/>
+          <p:cNvSpPr>
+            <a:spLocks noGrp="1"/>
+          </p:cNvSpPr>
+          <p:nvPr>
+            <p:ph sz="quarter" idx="1"/>
+          </p:nvPr>
+        </p:nvSpPr>
+        <p:spPr/>
+        <p:txBody>
+          <a:bodyPr/>
+          <a:lstStyle/>
+          <a:p>
+            <a:r>
+              <a:rPr lang="pt-BR" dirty="0"/>
+              <a:t>Formatos para armazenamento:</a:t>
+            </a:r>
+          </a:p>
+          <a:p>
+            <a:pPr lvl="1"/>
+            <a:r>
+              <a:rPr lang="pt-BR" dirty="0" err="1"/>
+              <a:t>side-by-side</a:t>
+            </a:r>
+            <a:endParaRPr lang="pt-BR" dirty="0"/>
+          </a:p>
+          <a:p>
+            <a:pPr lvl="1"/>
+            <a:r>
+              <a:rPr lang="pt-BR" dirty="0" err="1"/>
+              <a:t>above-below</a:t>
+            </a:r>
+            <a:endParaRPr lang="pt-BR" dirty="0"/>
+          </a:p>
+          <a:p>
+            <a:r>
+              <a:rPr lang="pt-BR" dirty="0"/>
+              <a:t>Apenas </a:t>
+            </a:r>
+            <a:r>
+              <a:rPr lang="pt-BR" dirty="0" smtClean="0"/>
+              <a:t>par estéreo</a:t>
+            </a:r>
+            <a:endParaRPr lang="pt-BR" dirty="0"/>
+          </a:p>
+          <a:p>
+            <a:r>
+              <a:rPr lang="pt-BR" dirty="0" smtClean="0"/>
+              <a:t>(</a:t>
+            </a:r>
+            <a:r>
+              <a:rPr lang="pt-BR" dirty="0" err="1" smtClean="0"/>
+              <a:t>Smolic</a:t>
+            </a:r>
+            <a:r>
+              <a:rPr lang="pt-BR" dirty="0" smtClean="0"/>
+              <a:t> et al., 2009)</a:t>
+            </a:r>
+          </a:p>
+          <a:p>
+            <a:pPr lvl="1"/>
+            <a:r>
+              <a:rPr lang="en-US" dirty="0" smtClean="0"/>
+              <a:t>CSV (</a:t>
+            </a:r>
+            <a:r>
+              <a:rPr lang="en-US" b="1" i="1" dirty="0" smtClean="0"/>
+              <a:t>C</a:t>
+            </a:r>
+            <a:r>
+              <a:rPr lang="en-US" i="1" dirty="0" smtClean="0"/>
+              <a:t>onventional </a:t>
+            </a:r>
+            <a:r>
+              <a:rPr lang="en-US" b="1" i="1" dirty="0" smtClean="0"/>
+              <a:t>S</a:t>
+            </a:r>
+            <a:r>
+              <a:rPr lang="en-US" i="1" dirty="0" smtClean="0"/>
+              <a:t>tereo </a:t>
+            </a:r>
+            <a:r>
+              <a:rPr lang="en-US" b="1" i="1" dirty="0" smtClean="0"/>
+              <a:t>V</a:t>
+            </a:r>
+            <a:r>
+              <a:rPr lang="en-US" i="1" dirty="0" smtClean="0"/>
+              <a:t>ideo</a:t>
+            </a:r>
+            <a:r>
+              <a:rPr lang="en-US" dirty="0" smtClean="0"/>
+              <a:t>)</a:t>
+            </a:r>
+          </a:p>
+          <a:p>
+            <a:pPr lvl="1"/>
+            <a:r>
+              <a:rPr lang="pt-BR" dirty="0" smtClean="0"/>
+              <a:t>MVC (</a:t>
+            </a:r>
+            <a:r>
+              <a:rPr lang="pt-BR" b="1" i="1" dirty="0" smtClean="0"/>
+              <a:t>M</a:t>
+            </a:r>
+            <a:r>
+              <a:rPr lang="pt-BR" i="1" dirty="0" smtClean="0"/>
+              <a:t>ultiview </a:t>
+            </a:r>
+            <a:r>
+              <a:rPr lang="pt-BR" b="1" i="1" dirty="0" err="1" smtClean="0"/>
+              <a:t>V</a:t>
+            </a:r>
+            <a:r>
+              <a:rPr lang="pt-BR" i="1" dirty="0" err="1" smtClean="0"/>
+              <a:t>ideo</a:t>
+            </a:r>
+            <a:r>
+              <a:rPr lang="pt-BR" i="1" dirty="0" smtClean="0"/>
+              <a:t> </a:t>
+            </a:r>
+            <a:r>
+              <a:rPr lang="pt-BR" b="1" i="1" dirty="0" err="1" smtClean="0"/>
+              <a:t>C</a:t>
+            </a:r>
+            <a:r>
+              <a:rPr lang="pt-BR" i="1" dirty="0" err="1" smtClean="0"/>
+              <a:t>oding</a:t>
+            </a:r>
+            <a:r>
+              <a:rPr lang="pt-BR" dirty="0" smtClean="0"/>
+              <a:t>)</a:t>
+            </a:r>
+            <a:endParaRPr lang="pt-BR" dirty="0"/>
+          </a:p>
+          <a:p>
+            <a:r>
+              <a:rPr lang="pt-BR" dirty="0"/>
+              <a:t>Limitado para as tecnologias futuras</a:t>
+            </a:r>
+          </a:p>
+          <a:p>
+            <a:endParaRPr lang="pt-BR" dirty="0"/>
+          </a:p>
+        </p:txBody>
+      </p:sp>
+    </p:spTree>
+    <p:extLst>
+      <p:ext uri="{BB962C8B-B14F-4D97-AF65-F5344CB8AC3E}">
+        <p14:creationId xmlns:p14="http://schemas.microsoft.com/office/powerpoint/2010/main" val="2339475637"/>
+      </p:ext>
+    </p:extLst>
+  </p:cSld>
+  <p:clrMapOvr>
+    <a:masterClrMapping/>
+  </p:clrMapOvr>
+  <mc:AlternateContent xmlns:mc="http://schemas.openxmlformats.org/markup-compatibility/2006" xmlns:p14="http://schemas.microsoft.com/office/powerpoint/2010/main">
+    <mc:Choice Requires="p14">
+      <p:transition spd="slow" p14:dur="2000"/>
+    </mc:Choice>
+    <mc:Fallback xmlns="">
+      <p:transition spd="slow"/>
+    </mc:Fallback>
+  </mc:AlternateContent>
+  <p:timing>
+    <p:tnLst>
+      <p:par>
+        <p:cTn id="1" dur="indefinite" restart="never" nodeType="tmRoot"/>
+      </p:par>
+    </p:tnLst>
+  </p:timing>
+</p:sld>
+</file>
+
+<file path=ppt/slides/slide14.xml><?xml version="1.0" encoding="utf-8"?>
+<p:sld xmlns:a="http://schemas.openxmlformats.org/drawingml/2006/main" xmlns:r="http://schemas.openxmlformats.org/officeDocument/2006/relationships" xmlns:p="http://schemas.openxmlformats.org/presentationml/2006/main">
+  <p:cSld>
+    <p:spTree>
+      <p:nvGrpSpPr>
+        <p:cNvPr id="1" name=""/>
+        <p:cNvGrpSpPr/>
+        <p:nvPr/>
+      </p:nvGrpSpPr>
+      <p:grpSpPr>
+        <a:xfrm>
+          <a:off x="0" y="0"/>
+          <a:ext cx="0" cy="0"/>
+          <a:chOff x="0" y="0"/>
+          <a:chExt cx="0" cy="0"/>
+        </a:xfrm>
+      </p:grpSpPr>
+      <p:sp>
+        <p:nvSpPr>
+          <p:cNvPr id="9" name="Título 8"/>
+          <p:cNvSpPr>
+            <a:spLocks noGrp="1"/>
+          </p:cNvSpPr>
+          <p:nvPr>
+            <p:ph type="title"/>
+          </p:nvPr>
+        </p:nvSpPr>
+        <p:spPr/>
+        <p:txBody>
+          <a:bodyPr/>
+          <a:lstStyle/>
+          <a:p>
+            <a:r>
+              <a:rPr lang="pt-BR" dirty="0" smtClean="0"/>
+              <a:t>Codificação Estereoscópica – Baseada em Vídeo e Profundidade</a:t>
+            </a:r>
+            <a:endParaRPr lang="pt-BR" dirty="0"/>
+          </a:p>
+        </p:txBody>
+      </p:sp>
+      <p:sp>
+        <p:nvSpPr>
+          <p:cNvPr id="7" name="Espaço Reservado para Número de Slide 4"/>
+          <p:cNvSpPr>
+            <a:spLocks noGrp="1"/>
+          </p:cNvSpPr>
+          <p:nvPr>
+            <p:ph type="sldNum" sz="quarter" idx="15"/>
+          </p:nvPr>
+        </p:nvSpPr>
+        <p:spPr>
+          <a:prstGeom prst="rect">
+            <a:avLst/>
+          </a:prstGeom>
+        </p:spPr>
+        <p:txBody>
+          <a:bodyPr/>
+          <a:lstStyle/>
+          <a:p>
+            <a:fld id="{CC2D9971-FBC4-4232-B226-D3882EA6314B}" type="slidenum">
+              <a:rPr lang="pt-BR" sz="1400" b="1">
+                <a:solidFill>
+                  <a:srgbClr val="FFFFFF"/>
+                </a:solidFill>
+              </a:rPr>
+              <a:t>14</a:t>
+            </a:fld>
+            <a:endParaRPr lang="pt-BR" sz="1400" b="1" dirty="0">
+              <a:solidFill>
+                <a:srgbClr val="FFFFFF"/>
+              </a:solidFill>
+            </a:endParaRPr>
+          </a:p>
+        </p:txBody>
+      </p:sp>
+      <p:sp>
+        <p:nvSpPr>
+          <p:cNvPr id="11" name="Espaço Reservado para Rodapé 3"/>
+          <p:cNvSpPr txBox="1">
+            <a:spLocks/>
+          </p:cNvSpPr>
+          <p:nvPr/>
+        </p:nvSpPr>
+        <p:spPr>
+          <a:xfrm>
+            <a:off x="4211960" y="6492240"/>
+            <a:ext cx="4536504" cy="365760"/>
+          </a:xfrm>
+          <a:prstGeom prst="rect">
+            <a:avLst/>
+          </a:prstGeom>
+        </p:spPr>
+        <p:txBody>
+          <a:bodyPr vert="horz" anchor="ctr" anchorCtr="0"/>
+          <a:lstStyle>
+            <a:defPPr>
+              <a:defRPr lang="pt-BR"/>
+            </a:defPPr>
+            <a:lvl1pPr marL="0" algn="l" defTabSz="914400" rtl="0" eaLnBrk="1" latinLnBrk="0" hangingPunct="1">
+              <a:defRPr kumimoji="0" sz="1200" kern="1200">
+                <a:solidFill>
+                  <a:schemeClr val="tx2"/>
+                </a:solidFill>
+                <a:latin typeface="+mn-lt"/>
+                <a:ea typeface="+mn-ea"/>
+                <a:cs typeface="+mn-cs"/>
+              </a:defRPr>
+            </a:lvl1pPr>
+            <a:lvl2pPr marL="457200" algn="l" defTabSz="914400" rtl="0" eaLnBrk="1" latinLnBrk="0" hangingPunct="1">
+              <a:defRPr sz="1800" kern="1200">
+                <a:solidFill>
+                  <a:schemeClr val="tx1"/>
+                </a:solidFill>
+                <a:latin typeface="+mn-lt"/>
+                <a:ea typeface="+mn-ea"/>
+                <a:cs typeface="+mn-cs"/>
+              </a:defRPr>
+            </a:lvl2pPr>
+            <a:lvl3pPr marL="914400" algn="l" defTabSz="914400" rtl="0" eaLnBrk="1" latinLnBrk="0" hangingPunct="1">
+              <a:defRPr sz="1800" kern="1200">
+                <a:solidFill>
+                  <a:schemeClr val="tx1"/>
+                </a:solidFill>
+                <a:latin typeface="+mn-lt"/>
+                <a:ea typeface="+mn-ea"/>
+                <a:cs typeface="+mn-cs"/>
+              </a:defRPr>
+            </a:lvl3pPr>
+            <a:lvl4pPr marL="1371600" algn="l" defTabSz="914400" rtl="0" eaLnBrk="1" latinLnBrk="0" hangingPunct="1">
+              <a:defRPr sz="1800" kern="1200">
+                <a:solidFill>
+                  <a:schemeClr val="tx1"/>
+                </a:solidFill>
+                <a:latin typeface="+mn-lt"/>
+                <a:ea typeface="+mn-ea"/>
+                <a:cs typeface="+mn-cs"/>
+              </a:defRPr>
+            </a:lvl4pPr>
+            <a:lvl5pPr marL="1828800" algn="l" defTabSz="914400" rtl="0" eaLnBrk="1" latinLnBrk="0" hangingPunct="1">
+              <a:defRPr sz="1800" kern="1200">
+                <a:solidFill>
+                  <a:schemeClr val="tx1"/>
+                </a:solidFill>
+                <a:latin typeface="+mn-lt"/>
+                <a:ea typeface="+mn-ea"/>
+                <a:cs typeface="+mn-cs"/>
+              </a:defRPr>
+            </a:lvl5pPr>
+            <a:lvl6pPr marL="2286000" algn="l" defTabSz="914400" rtl="0" eaLnBrk="1" latinLnBrk="0" hangingPunct="1">
+              <a:defRPr sz="1800" kern="1200">
+                <a:solidFill>
+                  <a:schemeClr val="tx1"/>
+                </a:solidFill>
+                <a:latin typeface="+mn-lt"/>
+                <a:ea typeface="+mn-ea"/>
+                <a:cs typeface="+mn-cs"/>
+              </a:defRPr>
+            </a:lvl6pPr>
+            <a:lvl7pPr marL="2743200" algn="l" defTabSz="914400" rtl="0" eaLnBrk="1" latinLnBrk="0" hangingPunct="1">
+              <a:defRPr sz="1800" kern="1200">
+                <a:solidFill>
+                  <a:schemeClr val="tx1"/>
+                </a:solidFill>
+                <a:latin typeface="+mn-lt"/>
+                <a:ea typeface="+mn-ea"/>
+                <a:cs typeface="+mn-cs"/>
+              </a:defRPr>
+            </a:lvl7pPr>
+            <a:lvl8pPr marL="3200400" algn="l" defTabSz="914400" rtl="0" eaLnBrk="1" latinLnBrk="0" hangingPunct="1">
+              <a:defRPr sz="1800" kern="1200">
+                <a:solidFill>
+                  <a:schemeClr val="tx1"/>
+                </a:solidFill>
+                <a:latin typeface="+mn-lt"/>
+                <a:ea typeface="+mn-ea"/>
+                <a:cs typeface="+mn-cs"/>
+              </a:defRPr>
+            </a:lvl8pPr>
+            <a:lvl9pPr marL="3657600" algn="l" defTabSz="914400" rtl="0" eaLnBrk="1" latinLnBrk="0" hangingPunct="1">
+              <a:defRPr sz="1800" kern="1200">
+                <a:solidFill>
+                  <a:schemeClr val="tx1"/>
+                </a:solidFill>
+                <a:latin typeface="+mn-lt"/>
+                <a:ea typeface="+mn-ea"/>
+                <a:cs typeface="+mn-cs"/>
+              </a:defRPr>
+            </a:lvl9pPr>
+          </a:lstStyle>
+          <a:p>
+            <a:r>
+              <a:rPr lang="pt-BR" smtClean="0"/>
+              <a:t>Qualificação Mestrado – Matheus Ricardo Uihara Zingarelli</a:t>
+            </a:r>
+            <a:endParaRPr lang="pt-BR" dirty="0"/>
+          </a:p>
+        </p:txBody>
+      </p:sp>
+      <p:sp>
+        <p:nvSpPr>
+          <p:cNvPr id="3" name="Espaço Reservado para Conteúdo 2"/>
+          <p:cNvSpPr>
+            <a:spLocks noGrp="1"/>
+          </p:cNvSpPr>
+          <p:nvPr>
+            <p:ph sz="quarter" idx="1"/>
+          </p:nvPr>
+        </p:nvSpPr>
+        <p:spPr>
+          <a:xfrm>
+            <a:off x="457200" y="1556792"/>
+            <a:ext cx="7467600" cy="4873752"/>
+          </a:xfrm>
+        </p:spPr>
+        <p:txBody>
+          <a:bodyPr/>
+          <a:lstStyle/>
+          <a:p>
+            <a:r>
+              <a:rPr lang="en-US" dirty="0" smtClean="0"/>
+              <a:t>(</a:t>
+            </a:r>
+            <a:r>
+              <a:rPr lang="en-US" dirty="0" err="1" smtClean="0"/>
+              <a:t>Smolic</a:t>
+            </a:r>
+            <a:r>
+              <a:rPr lang="en-US" dirty="0" smtClean="0"/>
+              <a:t> et al., 2009)</a:t>
+            </a:r>
+          </a:p>
+          <a:p>
+            <a:pPr lvl="1"/>
+            <a:r>
+              <a:rPr lang="pt-BR" dirty="0" smtClean="0"/>
+              <a:t>V+D (</a:t>
+            </a:r>
+            <a:r>
+              <a:rPr lang="pt-BR" b="1" i="1" dirty="0" err="1" smtClean="0"/>
+              <a:t>V</a:t>
+            </a:r>
+            <a:r>
+              <a:rPr lang="pt-BR" i="1" dirty="0" err="1" smtClean="0"/>
+              <a:t>ideo</a:t>
+            </a:r>
+            <a:r>
+              <a:rPr lang="pt-BR" i="1" dirty="0" smtClean="0"/>
+              <a:t> </a:t>
+            </a:r>
+            <a:r>
+              <a:rPr lang="pt-BR" i="1" dirty="0" err="1" smtClean="0"/>
+              <a:t>plus</a:t>
+            </a:r>
+            <a:r>
+              <a:rPr lang="pt-BR" i="1" dirty="0" smtClean="0"/>
+              <a:t> </a:t>
+            </a:r>
+            <a:r>
+              <a:rPr lang="pt-BR" b="1" i="1" dirty="0" err="1" smtClean="0"/>
+              <a:t>D</a:t>
+            </a:r>
+            <a:r>
+              <a:rPr lang="pt-BR" i="1" dirty="0" err="1" smtClean="0"/>
+              <a:t>epth</a:t>
+            </a:r>
+            <a:r>
+              <a:rPr lang="pt-BR" dirty="0" smtClean="0"/>
+              <a:t>)</a:t>
+            </a:r>
+          </a:p>
+          <a:p>
+            <a:pPr lvl="1"/>
+            <a:r>
+              <a:rPr lang="pt-BR" dirty="0" smtClean="0"/>
+              <a:t>MVD (</a:t>
+            </a:r>
+            <a:r>
+              <a:rPr lang="pt-BR" b="1" i="1" dirty="0" err="1" smtClean="0"/>
+              <a:t>M</a:t>
+            </a:r>
+            <a:r>
+              <a:rPr lang="pt-BR" i="1" dirty="0" err="1" smtClean="0"/>
+              <a:t>ulti</a:t>
+            </a:r>
+            <a:r>
+              <a:rPr lang="pt-BR" b="1" i="1" dirty="0" err="1" smtClean="0"/>
+              <a:t>V</a:t>
+            </a:r>
+            <a:r>
+              <a:rPr lang="pt-BR" i="1" dirty="0" err="1" smtClean="0"/>
+              <a:t>iew</a:t>
+            </a:r>
+            <a:r>
+              <a:rPr lang="pt-BR" i="1" dirty="0" smtClean="0"/>
+              <a:t> </a:t>
+            </a:r>
+            <a:r>
+              <a:rPr lang="pt-BR" i="1" dirty="0" err="1" smtClean="0"/>
+              <a:t>plus</a:t>
+            </a:r>
+            <a:r>
+              <a:rPr lang="pt-BR" i="1" dirty="0" smtClean="0"/>
+              <a:t> </a:t>
+            </a:r>
+            <a:r>
+              <a:rPr lang="pt-BR" b="1" i="1" dirty="0" err="1" smtClean="0"/>
+              <a:t>D</a:t>
+            </a:r>
+            <a:r>
+              <a:rPr lang="pt-BR" i="1" dirty="0" err="1" smtClean="0"/>
+              <a:t>epth</a:t>
+            </a:r>
+            <a:r>
+              <a:rPr lang="pt-BR" dirty="0" smtClean="0"/>
+              <a:t>)</a:t>
+            </a:r>
+          </a:p>
+          <a:p>
+            <a:pPr lvl="1"/>
+            <a:r>
+              <a:rPr lang="pt-BR" dirty="0" smtClean="0"/>
+              <a:t>LDV (</a:t>
+            </a:r>
+            <a:r>
+              <a:rPr lang="pt-BR" b="1" i="1" dirty="0" err="1" smtClean="0"/>
+              <a:t>L</a:t>
+            </a:r>
+            <a:r>
+              <a:rPr lang="pt-BR" i="1" dirty="0" err="1" smtClean="0"/>
+              <a:t>ayered</a:t>
+            </a:r>
+            <a:r>
+              <a:rPr lang="pt-BR" i="1" dirty="0" smtClean="0"/>
+              <a:t> </a:t>
+            </a:r>
+            <a:r>
+              <a:rPr lang="pt-BR" b="1" i="1" dirty="0" err="1" smtClean="0"/>
+              <a:t>D</a:t>
+            </a:r>
+            <a:r>
+              <a:rPr lang="pt-BR" i="1" dirty="0" err="1" smtClean="0"/>
+              <a:t>epth</a:t>
+            </a:r>
+            <a:r>
+              <a:rPr lang="pt-BR" i="1" dirty="0" smtClean="0"/>
+              <a:t> </a:t>
+            </a:r>
+            <a:r>
+              <a:rPr lang="pt-BR" b="1" i="1" dirty="0" err="1" smtClean="0"/>
+              <a:t>V</a:t>
+            </a:r>
+            <a:r>
+              <a:rPr lang="pt-BR" i="1" dirty="0" err="1" smtClean="0"/>
+              <a:t>ideo</a:t>
+            </a:r>
+            <a:r>
+              <a:rPr lang="pt-BR" dirty="0" smtClean="0"/>
+              <a:t>)</a:t>
+            </a:r>
+          </a:p>
+          <a:p>
+            <a:pPr lvl="1"/>
+            <a:r>
+              <a:rPr lang="pt-BR" dirty="0" smtClean="0"/>
+              <a:t>DES (</a:t>
+            </a:r>
+            <a:r>
+              <a:rPr lang="pt-BR" b="1" i="1" dirty="0" err="1" smtClean="0"/>
+              <a:t>D</a:t>
+            </a:r>
+            <a:r>
+              <a:rPr lang="pt-BR" i="1" dirty="0" err="1" smtClean="0"/>
+              <a:t>epth</a:t>
+            </a:r>
+            <a:r>
+              <a:rPr lang="pt-BR" i="1" dirty="0" smtClean="0"/>
+              <a:t> </a:t>
+            </a:r>
+            <a:r>
+              <a:rPr lang="pt-BR" b="1" i="1" dirty="0" err="1" smtClean="0"/>
+              <a:t>E</a:t>
+            </a:r>
+            <a:r>
+              <a:rPr lang="pt-BR" i="1" dirty="0" err="1" smtClean="0"/>
+              <a:t>nhanced</a:t>
+            </a:r>
+            <a:r>
+              <a:rPr lang="pt-BR" i="1" dirty="0" smtClean="0"/>
+              <a:t> </a:t>
+            </a:r>
+            <a:r>
+              <a:rPr lang="pt-BR" b="1" i="1" dirty="0" err="1" smtClean="0"/>
+              <a:t>S</a:t>
+            </a:r>
+            <a:r>
+              <a:rPr lang="pt-BR" i="1" dirty="0" err="1" smtClean="0"/>
+              <a:t>tereo</a:t>
+            </a:r>
+            <a:r>
+              <a:rPr lang="pt-BR" dirty="0" smtClean="0"/>
+              <a:t>)</a:t>
+            </a:r>
+          </a:p>
+          <a:p>
+            <a:endParaRPr lang="pt-BR" dirty="0"/>
+          </a:p>
+        </p:txBody>
+      </p:sp>
+      <p:grpSp>
+        <p:nvGrpSpPr>
+          <p:cNvPr id="6" name="Grupo 5"/>
+          <p:cNvGrpSpPr/>
+          <p:nvPr/>
+        </p:nvGrpSpPr>
+        <p:grpSpPr>
+          <a:xfrm>
+            <a:off x="4932040" y="1628800"/>
+            <a:ext cx="3615029" cy="2880320"/>
+            <a:chOff x="4283968" y="2924944"/>
+            <a:chExt cx="3988194" cy="3177644"/>
+          </a:xfrm>
+        </p:grpSpPr>
+        <p:pic>
+          <p:nvPicPr>
+            <p:cNvPr id="8" name="Picture 2"/>
+            <p:cNvPicPr>
+              <a:picLocks noChangeAspect="1" noChangeArrowheads="1"/>
+            </p:cNvPicPr>
+            <p:nvPr/>
+          </p:nvPicPr>
+          <p:blipFill>
+            <a:blip r:embed="rId3">
+              <a:extLst>
+                <a:ext uri="{28A0092B-C50C-407E-A947-70E740481C1C}">
+                  <a14:useLocalDpi xmlns:a14="http://schemas.microsoft.com/office/drawing/2010/main" val="0"/>
+                </a:ext>
+              </a:extLst>
+            </a:blip>
+            <a:srcRect/>
+            <a:stretch>
+              <a:fillRect/>
+            </a:stretch>
+          </p:blipFill>
+          <p:spPr bwMode="auto">
+            <a:xfrm>
+              <a:off x="4283968" y="2924944"/>
+              <a:ext cx="3988194" cy="2725266"/>
+            </a:xfrm>
+            <a:prstGeom prst="rect">
+              <a:avLst/>
+            </a:prstGeom>
+            <a:noFill/>
+            <a:ln>
+              <a:noFill/>
+            </a:ln>
+            <a:effectLst/>
+            <a:extLst>
+              <a:ext uri="{909E8E84-426E-40DD-AFC4-6F175D3DCCD1}">
+                <a14:hiddenFill xmlns:a14="http://schemas.microsoft.com/office/drawing/2010/main">
+                  <a:solidFill>
+                    <a:schemeClr val="accent1"/>
+                  </a:solidFill>
+                </a14:hiddenFill>
+              </a:ext>
+              <a:ext uri="{91240B29-F687-4F45-9708-019B960494DF}">
+                <a14:hiddenLine xmlns:a14="http://schemas.microsoft.com/office/drawing/2010/main" w="9525">
+                  <a:solidFill>
+                    <a:schemeClr val="tx1"/>
+                  </a:solidFill>
+                  <a:miter lim="800000"/>
+                  <a:headEnd/>
+                  <a:tailEnd/>
+                </a14:hiddenLine>
+              </a:ext>
+              <a:ext uri="{AF507438-7753-43E0-B8FC-AC1667EBCBE1}">
+                <a14:hiddenEffects xmlns:a14="http://schemas.microsoft.com/office/drawing/2010/main">
+                  <a:effectLst>
+                    <a:outerShdw dist="35921" dir="2700000" algn="ctr" rotWithShape="0">
+                      <a:schemeClr val="bg2"/>
+                    </a:outerShdw>
+                  </a:effectLst>
+                </a14:hiddenEffects>
+              </a:ext>
+            </a:extLst>
+          </p:spPr>
+        </p:pic>
+        <p:sp>
+          <p:nvSpPr>
+            <p:cNvPr id="10" name="CaixaDeTexto 9"/>
+            <p:cNvSpPr txBox="1"/>
+            <p:nvPr/>
+          </p:nvSpPr>
+          <p:spPr>
+            <a:xfrm>
+              <a:off x="5103810" y="5733256"/>
+              <a:ext cx="2348510" cy="369332"/>
+            </a:xfrm>
+            <a:prstGeom prst="rect">
+              <a:avLst/>
+            </a:prstGeom>
+            <a:noFill/>
+          </p:spPr>
+          <p:txBody>
+            <a:bodyPr wrap="square" rtlCol="0">
+              <a:spAutoFit/>
+            </a:bodyPr>
+            <a:lstStyle/>
+            <a:p>
+              <a:r>
+                <a:rPr lang="pt-BR" dirty="0" smtClean="0"/>
+                <a:t>Smolic et al. (2009)</a:t>
+              </a:r>
+              <a:endParaRPr lang="pt-BR" dirty="0"/>
+            </a:p>
+          </p:txBody>
+        </p:sp>
+      </p:grpSp>
+      <p:grpSp>
+        <p:nvGrpSpPr>
+          <p:cNvPr id="12" name="Grupo 11"/>
+          <p:cNvGrpSpPr/>
+          <p:nvPr/>
+        </p:nvGrpSpPr>
+        <p:grpSpPr>
+          <a:xfrm>
+            <a:off x="715064" y="3605508"/>
+            <a:ext cx="3785416" cy="3069612"/>
+            <a:chOff x="4166862" y="3717032"/>
+            <a:chExt cx="3141442" cy="2547410"/>
+          </a:xfrm>
+        </p:grpSpPr>
+        <p:pic>
+          <p:nvPicPr>
+            <p:cNvPr id="13" name="Picture 2"/>
+            <p:cNvPicPr>
+              <a:picLocks noChangeAspect="1" noChangeArrowheads="1"/>
+            </p:cNvPicPr>
+            <p:nvPr/>
+          </p:nvPicPr>
+          <p:blipFill>
+            <a:blip r:embed="rId4">
+              <a:extLst>
+                <a:ext uri="{28A0092B-C50C-407E-A947-70E740481C1C}">
+                  <a14:useLocalDpi xmlns:a14="http://schemas.microsoft.com/office/drawing/2010/main" val="0"/>
+                </a:ext>
+              </a:extLst>
+            </a:blip>
+            <a:srcRect/>
+            <a:stretch>
+              <a:fillRect/>
+            </a:stretch>
+          </p:blipFill>
+          <p:spPr bwMode="auto">
+            <a:xfrm>
+              <a:off x="4166862" y="3717032"/>
+              <a:ext cx="3141442" cy="2304256"/>
+            </a:xfrm>
+            <a:prstGeom prst="rect">
+              <a:avLst/>
+            </a:prstGeom>
+            <a:noFill/>
+            <a:ln>
+              <a:noFill/>
+            </a:ln>
+            <a:effectLst/>
+            <a:extLst>
+              <a:ext uri="{909E8E84-426E-40DD-AFC4-6F175D3DCCD1}">
+                <a14:hiddenFill xmlns:a14="http://schemas.microsoft.com/office/drawing/2010/main">
+                  <a:solidFill>
+                    <a:schemeClr val="accent1"/>
+                  </a:solidFill>
+                </a14:hiddenFill>
+              </a:ext>
+              <a:ext uri="{91240B29-F687-4F45-9708-019B960494DF}">
+                <a14:hiddenLine xmlns:a14="http://schemas.microsoft.com/office/drawing/2010/main" w="9525">
+                  <a:solidFill>
+                    <a:schemeClr val="tx1"/>
+                  </a:solidFill>
+                  <a:miter lim="800000"/>
+                  <a:headEnd/>
+                  <a:tailEnd/>
+                </a14:hiddenLine>
+              </a:ext>
+              <a:ext uri="{AF507438-7753-43E0-B8FC-AC1667EBCBE1}">
+                <a14:hiddenEffects xmlns:a14="http://schemas.microsoft.com/office/drawing/2010/main">
+                  <a:effectLst>
+                    <a:outerShdw dist="35921" dir="2700000" algn="ctr" rotWithShape="0">
+                      <a:schemeClr val="bg2"/>
+                    </a:outerShdw>
+                  </a:effectLst>
+                </a14:hiddenEffects>
+              </a:ext>
+            </a:extLst>
+          </p:spPr>
+        </p:pic>
+        <p:sp>
+          <p:nvSpPr>
+            <p:cNvPr id="14" name="CaixaDeTexto 13"/>
+            <p:cNvSpPr txBox="1"/>
+            <p:nvPr/>
+          </p:nvSpPr>
+          <p:spPr>
+            <a:xfrm>
+              <a:off x="5096851" y="6052434"/>
+              <a:ext cx="1281463" cy="212008"/>
+            </a:xfrm>
+            <a:prstGeom prst="rect">
+              <a:avLst/>
+            </a:prstGeom>
+            <a:noFill/>
+          </p:spPr>
+          <p:txBody>
+            <a:bodyPr wrap="square" rtlCol="0">
+              <a:spAutoFit/>
+            </a:bodyPr>
+            <a:lstStyle/>
+            <a:p>
+              <a:r>
+                <a:rPr lang="pt-BR" dirty="0" smtClean="0"/>
+                <a:t>Smolic</a:t>
+              </a:r>
+              <a:r>
+                <a:rPr lang="pt-BR" dirty="0"/>
+                <a:t> </a:t>
+              </a:r>
+              <a:r>
+                <a:rPr lang="pt-BR" dirty="0" smtClean="0"/>
+                <a:t>et al. (2009)</a:t>
+              </a:r>
+              <a:endParaRPr lang="pt-BR" dirty="0"/>
+            </a:p>
+          </p:txBody>
+        </p:sp>
+      </p:grpSp>
+    </p:spTree>
+    <p:extLst>
+      <p:ext uri="{BB962C8B-B14F-4D97-AF65-F5344CB8AC3E}">
+        <p14:creationId xmlns:p14="http://schemas.microsoft.com/office/powerpoint/2010/main" val="3353100485"/>
+      </p:ext>
+    </p:extLst>
+  </p:cSld>
+  <p:clrMapOvr>
+    <a:masterClrMapping/>
+  </p:clrMapOvr>
+  <mc:AlternateContent xmlns:mc="http://schemas.openxmlformats.org/markup-compatibility/2006" xmlns:p14="http://schemas.microsoft.com/office/powerpoint/2010/main">
+    <mc:Choice Requires="p14">
+      <p:transition spd="slow" p14:dur="2000"/>
+    </mc:Choice>
+    <mc:Fallback xmlns="">
+      <p:transition spd="slow"/>
+    </mc:Fallback>
+  </mc:AlternateContent>
+  <p:timing>
+    <p:tnLst>
+      <p:par>
+        <p:cTn id="1" dur="indefinite" restart="never" nodeType="tmRoot"/>
+      </p:par>
+    </p:tnLst>
+  </p:timing>
+</p:sld>
+</file>
+
+<file path=ppt/slides/slide15.xml><?xml version="1.0" encoding="utf-8"?>
+<p:sld xmlns:a="http://schemas.openxmlformats.org/drawingml/2006/main" xmlns:r="http://schemas.openxmlformats.org/officeDocument/2006/relationships" xmlns:p="http://schemas.openxmlformats.org/presentationml/2006/main">
+  <p:cSld>
+    <p:spTree>
+      <p:nvGrpSpPr>
+        <p:cNvPr id="1" name=""/>
+        <p:cNvGrpSpPr/>
+        <p:nvPr/>
+      </p:nvGrpSpPr>
+      <p:grpSpPr>
+        <a:xfrm>
+          <a:off x="0" y="0"/>
+          <a:ext cx="0" cy="0"/>
+          <a:chOff x="0" y="0"/>
+          <a:chExt cx="0" cy="0"/>
+        </a:xfrm>
+      </p:grpSpPr>
+      <p:sp>
+        <p:nvSpPr>
+          <p:cNvPr id="2" name="Título 1"/>
+          <p:cNvSpPr>
+            <a:spLocks noGrp="1"/>
+          </p:cNvSpPr>
+          <p:nvPr>
+            <p:ph type="ctrTitle"/>
+          </p:nvPr>
+        </p:nvSpPr>
+        <p:spPr/>
+        <p:txBody>
+          <a:bodyPr>
+            <a:noAutofit/>
+          </a:bodyPr>
+          <a:lstStyle/>
+          <a:p>
+            <a:r>
+              <a:rPr lang="pt-BR" sz="4400" b="0" dirty="0"/>
+              <a:t>Tópicos Atuais</a:t>
+            </a:r>
+          </a:p>
+        </p:txBody>
+      </p:sp>
+      <p:sp>
+        <p:nvSpPr>
+          <p:cNvPr id="3" name="Subtítulo 2"/>
+          <p:cNvSpPr>
+            <a:spLocks noGrp="1"/>
+          </p:cNvSpPr>
+          <p:nvPr>
+            <p:ph type="subTitle" idx="1"/>
+          </p:nvPr>
+        </p:nvSpPr>
+        <p:spPr/>
+        <p:txBody>
+          <a:bodyPr/>
+          <a:lstStyle/>
+          <a:p>
+            <a:endParaRPr lang="pt-BR" dirty="0"/>
+          </a:p>
+        </p:txBody>
+      </p:sp>
+      <p:sp>
+        <p:nvSpPr>
+          <p:cNvPr id="5" name="Espaço Reservado para Número de Slide 4"/>
+          <p:cNvSpPr>
+            <a:spLocks noGrp="1"/>
+          </p:cNvSpPr>
+          <p:nvPr>
+            <p:ph type="sldNum" sz="quarter" idx="12"/>
+          </p:nvPr>
+        </p:nvSpPr>
+        <p:spPr/>
+        <p:txBody>
+          <a:bodyPr/>
+          <a:lstStyle/>
+          <a:p>
+            <a:fld id="{CC2D9971-FBC4-4232-B226-D3882EA6314B}" type="slidenum">
+              <a:rPr lang="pt-BR" smtClean="0"/>
+              <a:t>15</a:t>
+            </a:fld>
+            <a:endParaRPr lang="pt-BR" dirty="0"/>
+          </a:p>
+        </p:txBody>
+      </p:sp>
+      <p:sp>
+        <p:nvSpPr>
+          <p:cNvPr id="7" name="Espaço Reservado para Rodapé 3"/>
+          <p:cNvSpPr txBox="1">
+            <a:spLocks/>
+          </p:cNvSpPr>
+          <p:nvPr/>
+        </p:nvSpPr>
+        <p:spPr>
+          <a:xfrm>
+            <a:off x="4211960" y="6492240"/>
+            <a:ext cx="4536504" cy="365760"/>
+          </a:xfrm>
+          <a:prstGeom prst="rect">
+            <a:avLst/>
+          </a:prstGeom>
+        </p:spPr>
+        <p:txBody>
+          <a:bodyPr vert="horz" anchor="ctr" anchorCtr="0"/>
+          <a:lstStyle>
+            <a:defPPr>
+              <a:defRPr lang="pt-BR"/>
+            </a:defPPr>
+            <a:lvl1pPr marL="0" algn="l" defTabSz="914400" rtl="0" eaLnBrk="1" latinLnBrk="0" hangingPunct="1">
+              <a:defRPr kumimoji="0" sz="1200" kern="1200">
+                <a:solidFill>
+                  <a:schemeClr val="tx2"/>
+                </a:solidFill>
+                <a:latin typeface="+mn-lt"/>
+                <a:ea typeface="+mn-ea"/>
+                <a:cs typeface="+mn-cs"/>
+              </a:defRPr>
+            </a:lvl1pPr>
+            <a:lvl2pPr marL="457200" algn="l" defTabSz="914400" rtl="0" eaLnBrk="1" latinLnBrk="0" hangingPunct="1">
+              <a:defRPr sz="1800" kern="1200">
+                <a:solidFill>
+                  <a:schemeClr val="tx1"/>
+                </a:solidFill>
+                <a:latin typeface="+mn-lt"/>
+                <a:ea typeface="+mn-ea"/>
+                <a:cs typeface="+mn-cs"/>
+              </a:defRPr>
+            </a:lvl2pPr>
+            <a:lvl3pPr marL="914400" algn="l" defTabSz="914400" rtl="0" eaLnBrk="1" latinLnBrk="0" hangingPunct="1">
+              <a:defRPr sz="1800" kern="1200">
+                <a:solidFill>
+                  <a:schemeClr val="tx1"/>
+                </a:solidFill>
+                <a:latin typeface="+mn-lt"/>
+                <a:ea typeface="+mn-ea"/>
+                <a:cs typeface="+mn-cs"/>
+              </a:defRPr>
+            </a:lvl3pPr>
+            <a:lvl4pPr marL="1371600" algn="l" defTabSz="914400" rtl="0" eaLnBrk="1" latinLnBrk="0" hangingPunct="1">
+              <a:defRPr sz="1800" kern="1200">
+                <a:solidFill>
+                  <a:schemeClr val="tx1"/>
+                </a:solidFill>
+                <a:latin typeface="+mn-lt"/>
+                <a:ea typeface="+mn-ea"/>
+                <a:cs typeface="+mn-cs"/>
+              </a:defRPr>
+            </a:lvl4pPr>
+            <a:lvl5pPr marL="1828800" algn="l" defTabSz="914400" rtl="0" eaLnBrk="1" latinLnBrk="0" hangingPunct="1">
+              <a:defRPr sz="1800" kern="1200">
+                <a:solidFill>
+                  <a:schemeClr val="tx1"/>
+                </a:solidFill>
+                <a:latin typeface="+mn-lt"/>
+                <a:ea typeface="+mn-ea"/>
+                <a:cs typeface="+mn-cs"/>
+              </a:defRPr>
+            </a:lvl5pPr>
+            <a:lvl6pPr marL="2286000" algn="l" defTabSz="914400" rtl="0" eaLnBrk="1" latinLnBrk="0" hangingPunct="1">
+              <a:defRPr sz="1800" kern="1200">
+                <a:solidFill>
+                  <a:schemeClr val="tx1"/>
+                </a:solidFill>
+                <a:latin typeface="+mn-lt"/>
+                <a:ea typeface="+mn-ea"/>
+                <a:cs typeface="+mn-cs"/>
+              </a:defRPr>
+            </a:lvl6pPr>
+            <a:lvl7pPr marL="2743200" algn="l" defTabSz="914400" rtl="0" eaLnBrk="1" latinLnBrk="0" hangingPunct="1">
+              <a:defRPr sz="1800" kern="1200">
+                <a:solidFill>
+                  <a:schemeClr val="tx1"/>
+                </a:solidFill>
+                <a:latin typeface="+mn-lt"/>
+                <a:ea typeface="+mn-ea"/>
+                <a:cs typeface="+mn-cs"/>
+              </a:defRPr>
+            </a:lvl7pPr>
+            <a:lvl8pPr marL="3200400" algn="l" defTabSz="914400" rtl="0" eaLnBrk="1" latinLnBrk="0" hangingPunct="1">
+              <a:defRPr sz="1800" kern="1200">
+                <a:solidFill>
+                  <a:schemeClr val="tx1"/>
+                </a:solidFill>
+                <a:latin typeface="+mn-lt"/>
+                <a:ea typeface="+mn-ea"/>
+                <a:cs typeface="+mn-cs"/>
+              </a:defRPr>
+            </a:lvl8pPr>
+            <a:lvl9pPr marL="3657600" algn="l" defTabSz="914400" rtl="0" eaLnBrk="1" latinLnBrk="0" hangingPunct="1">
+              <a:defRPr sz="1800" kern="1200">
+                <a:solidFill>
+                  <a:schemeClr val="tx1"/>
+                </a:solidFill>
+                <a:latin typeface="+mn-lt"/>
+                <a:ea typeface="+mn-ea"/>
+                <a:cs typeface="+mn-cs"/>
+              </a:defRPr>
+            </a:lvl9pPr>
+          </a:lstStyle>
+          <a:p>
+            <a:r>
+              <a:rPr lang="pt-BR" dirty="0"/>
+              <a:t>Qualificação Mestrado – Matheus Ricardo Uihara Zingarelli</a:t>
+            </a:r>
           </a:p>
         </p:txBody>
       </p:sp>
@@ -10238,7 +9174,7 @@
 </p:sld>
 </file>
 
-<file path=ppt/slides/slide21.xml><?xml version="1.0" encoding="utf-8"?>
+<file path=ppt/slides/slide16.xml><?xml version="1.0" encoding="utf-8"?>
 <p:sld xmlns:a="http://schemas.openxmlformats.org/drawingml/2006/main" xmlns:r="http://schemas.openxmlformats.org/officeDocument/2006/relationships" xmlns:p="http://schemas.openxmlformats.org/presentationml/2006/main">
   <p:cSld>
     <p:spTree>
@@ -10364,7 +9300,6 @@
               <a:rPr lang="pt-BR" dirty="0"/>
               <a:t>Qualificação Mestrado – Matheus Ricardo Uihara Zingarelli</a:t>
             </a:r>
-            <a:endParaRPr lang="pt-BR" dirty="0"/>
           </a:p>
         </p:txBody>
       </p:sp>
@@ -10385,7 +9320,7 @@
           <a:p>
             <a:fld id="{CC2D9971-FBC4-4232-B226-D3882EA6314B}" type="slidenum">
               <a:rPr lang="pt-BR" smtClean="0"/>
-              <a:t>21</a:t>
+              <a:t>16</a:t>
             </a:fld>
             <a:endParaRPr lang="pt-BR" dirty="0"/>
           </a:p>
@@ -10457,7 +9392,7 @@
 </p:sld>
 </file>
 
-<file path=ppt/slides/slide22.xml><?xml version="1.0" encoding="utf-8"?>
+<file path=ppt/slides/slide17.xml><?xml version="1.0" encoding="utf-8"?>
 <p:sld xmlns:a="http://schemas.openxmlformats.org/drawingml/2006/main" xmlns:r="http://schemas.openxmlformats.org/officeDocument/2006/relationships" xmlns:p="http://schemas.openxmlformats.org/presentationml/2006/main">
   <p:cSld>
     <p:spTree>
@@ -10572,7 +9507,7 @@
           <a:p>
             <a:fld id="{CC2D9971-FBC4-4232-B226-D3882EA6314B}" type="slidenum">
               <a:rPr lang="pt-BR" smtClean="0"/>
-              <a:t>22</a:t>
+              <a:t>17</a:t>
             </a:fld>
             <a:endParaRPr lang="pt-BR" dirty="0"/>
           </a:p>
@@ -10785,7 +9720,6 @@
               <a:rPr lang="pt-BR" dirty="0"/>
               <a:t>Qualificação Mestrado – Matheus Ricardo Uihara Zingarelli</a:t>
             </a:r>
-            <a:endParaRPr lang="pt-BR" dirty="0"/>
           </a:p>
         </p:txBody>
       </p:sp>
@@ -10855,7 +9789,7 @@
 </p:sld>
 </file>
 
-<file path=ppt/slides/slide23.xml><?xml version="1.0" encoding="utf-8"?>
+<file path=ppt/slides/slide18.xml><?xml version="1.0" encoding="utf-8"?>
 <p:sld xmlns:a="http://schemas.openxmlformats.org/drawingml/2006/main" xmlns:r="http://schemas.openxmlformats.org/officeDocument/2006/relationships" xmlns:p="http://schemas.openxmlformats.org/presentationml/2006/main">
   <p:cSld>
     <p:spTree>
@@ -11021,7 +9955,7 @@
           <a:p>
             <a:fld id="{CC2D9971-FBC4-4232-B226-D3882EA6314B}" type="slidenum">
               <a:rPr lang="pt-BR" smtClean="0"/>
-              <a:t>23</a:t>
+              <a:t>18</a:t>
             </a:fld>
             <a:endParaRPr lang="pt-BR" dirty="0"/>
           </a:p>
@@ -11051,7 +9985,6 @@
               <a:rPr lang="pt-BR" dirty="0"/>
               <a:t>Qualificação Mestrado – Matheus Ricardo Uihara Zingarelli</a:t>
             </a:r>
-            <a:endParaRPr lang="pt-BR" dirty="0"/>
           </a:p>
         </p:txBody>
       </p:sp>
@@ -11075,7 +10008,7 @@
 </p:sld>
 </file>
 
-<file path=ppt/slides/slide24.xml><?xml version="1.0" encoding="utf-8"?>
+<file path=ppt/slides/slide19.xml><?xml version="1.0" encoding="utf-8"?>
 <p:sld xmlns:a="http://schemas.openxmlformats.org/drawingml/2006/main" xmlns:r="http://schemas.openxmlformats.org/officeDocument/2006/relationships" xmlns:p="http://schemas.openxmlformats.org/presentationml/2006/main">
   <p:cSld>
     <p:spTree>
@@ -11314,7 +10247,7 @@
           <a:p>
             <a:fld id="{CC2D9971-FBC4-4232-B226-D3882EA6314B}" type="slidenum">
               <a:rPr lang="pt-BR" smtClean="0"/>
-              <a:t>24</a:t>
+              <a:t>19</a:t>
             </a:fld>
             <a:endParaRPr lang="pt-BR" dirty="0"/>
           </a:p>
@@ -11439,7 +10372,6 @@
               <a:rPr lang="pt-BR" dirty="0"/>
               <a:t>Qualificação Mestrado – Matheus Ricardo Uihara Zingarelli</a:t>
             </a:r>
-            <a:endParaRPr lang="pt-BR" dirty="0"/>
           </a:p>
         </p:txBody>
       </p:sp>
@@ -11516,7 +10448,7 @@
 </p:sld>
 </file>
 
-<file path=ppt/slides/slide25.xml><?xml version="1.0" encoding="utf-8"?>
+<file path=ppt/slides/slide2.xml><?xml version="1.0" encoding="utf-8"?>
 <p:sld xmlns:a="http://schemas.openxmlformats.org/drawingml/2006/main" xmlns:r="http://schemas.openxmlformats.org/officeDocument/2006/relationships" xmlns:p="http://schemas.openxmlformats.org/presentationml/2006/main">
   <p:cSld>
     <p:spTree>
@@ -11535,6 +10467,180 @@
       </p:grpSpPr>
       <p:sp>
         <p:nvSpPr>
+          <p:cNvPr id="2" name="Título 1"/>
+          <p:cNvSpPr>
+            <a:spLocks noGrp="1"/>
+          </p:cNvSpPr>
+          <p:nvPr>
+            <p:ph type="title"/>
+          </p:nvPr>
+        </p:nvSpPr>
+        <p:spPr>
+          <a:xfrm>
+            <a:off x="457200" y="274638"/>
+            <a:ext cx="8291264" cy="1143000"/>
+          </a:xfrm>
+        </p:spPr>
+        <p:txBody>
+          <a:bodyPr/>
+          <a:lstStyle/>
+          <a:p>
+            <a:r>
+              <a:rPr lang="pt-BR" u="sng" dirty="0" smtClean="0"/>
+              <a:t>Roteiro						        	.</a:t>
+            </a:r>
+            <a:endParaRPr lang="pt-BR" u="sng" dirty="0"/>
+          </a:p>
+        </p:txBody>
+      </p:sp>
+      <p:sp>
+        <p:nvSpPr>
+          <p:cNvPr id="3" name="Espaço Reservado para Conteúdo 2"/>
+          <p:cNvSpPr>
+            <a:spLocks noGrp="1"/>
+          </p:cNvSpPr>
+          <p:nvPr>
+            <p:ph sz="quarter" idx="1"/>
+          </p:nvPr>
+        </p:nvSpPr>
+        <p:spPr/>
+        <p:txBody>
+          <a:bodyPr/>
+          <a:lstStyle/>
+          <a:p>
+            <a:r>
+              <a:rPr lang="pt-BR" dirty="0" smtClean="0"/>
+              <a:t>Fundamentos</a:t>
+            </a:r>
+          </a:p>
+          <a:p>
+            <a:r>
+              <a:rPr lang="pt-BR" dirty="0" smtClean="0"/>
+              <a:t>Visualização Estereoscópica</a:t>
+            </a:r>
+          </a:p>
+          <a:p>
+            <a:r>
+              <a:rPr lang="pt-BR" dirty="0" smtClean="0"/>
+              <a:t>Codificação Estereoscópica</a:t>
+            </a:r>
+          </a:p>
+          <a:p>
+            <a:r>
+              <a:rPr lang="pt-BR" dirty="0" smtClean="0"/>
+              <a:t>Apresentação do Problema</a:t>
+            </a:r>
+          </a:p>
+          <a:p>
+            <a:r>
+              <a:rPr lang="pt-BR" dirty="0" smtClean="0"/>
+              <a:t>Proposta de Pesquisa</a:t>
+            </a:r>
+          </a:p>
+          <a:p>
+            <a:r>
+              <a:rPr lang="pt-BR" dirty="0" smtClean="0"/>
+              <a:t>Atividades Realizadas</a:t>
+            </a:r>
+          </a:p>
+          <a:p>
+            <a:r>
+              <a:rPr lang="pt-BR" dirty="0" smtClean="0"/>
+              <a:t>Referências</a:t>
+            </a:r>
+          </a:p>
+        </p:txBody>
+      </p:sp>
+      <p:sp>
+        <p:nvSpPr>
+          <p:cNvPr id="4" name="Espaço Reservado para Rodapé 3"/>
+          <p:cNvSpPr>
+            <a:spLocks noGrp="1"/>
+          </p:cNvSpPr>
+          <p:nvPr>
+            <p:ph type="ftr" sz="quarter" idx="16"/>
+          </p:nvPr>
+        </p:nvSpPr>
+        <p:spPr>
+          <a:xfrm>
+            <a:off x="4211960" y="6492240"/>
+            <a:ext cx="4536504" cy="365760"/>
+          </a:xfrm>
+        </p:spPr>
+        <p:txBody>
+          <a:bodyPr/>
+          <a:lstStyle/>
+          <a:p>
+            <a:r>
+              <a:rPr lang="pt-BR" dirty="0" smtClean="0"/>
+              <a:t>Qualificação Mestrado – Matheus Ricardo Uihara Zingarelli</a:t>
+            </a:r>
+            <a:endParaRPr lang="pt-BR" dirty="0"/>
+          </a:p>
+        </p:txBody>
+      </p:sp>
+      <p:sp>
+        <p:nvSpPr>
+          <p:cNvPr id="5" name="Espaço Reservado para Número de Slide 4"/>
+          <p:cNvSpPr>
+            <a:spLocks noGrp="1"/>
+          </p:cNvSpPr>
+          <p:nvPr>
+            <p:ph type="sldNum" sz="quarter" idx="15"/>
+          </p:nvPr>
+        </p:nvSpPr>
+        <p:spPr/>
+        <p:txBody>
+          <a:bodyPr/>
+          <a:lstStyle/>
+          <a:p>
+            <a:fld id="{CC2D9971-FBC4-4232-B226-D3882EA6314B}" type="slidenum">
+              <a:rPr lang="pt-BR" smtClean="0"/>
+              <a:t>2</a:t>
+            </a:fld>
+            <a:endParaRPr lang="pt-BR" dirty="0"/>
+          </a:p>
+        </p:txBody>
+      </p:sp>
+    </p:spTree>
+    <p:extLst>
+      <p:ext uri="{BB962C8B-B14F-4D97-AF65-F5344CB8AC3E}">
+        <p14:creationId xmlns:p14="http://schemas.microsoft.com/office/powerpoint/2010/main" val="2814747602"/>
+      </p:ext>
+    </p:extLst>
+  </p:cSld>
+  <p:clrMapOvr>
+    <a:masterClrMapping/>
+  </p:clrMapOvr>
+  <p:timing>
+    <p:tnLst>
+      <p:par>
+        <p:cTn id="1" dur="indefinite" restart="never" nodeType="tmRoot"/>
+      </p:par>
+    </p:tnLst>
+  </p:timing>
+</p:sld>
+</file>
+
+<file path=ppt/slides/slide20.xml><?xml version="1.0" encoding="utf-8"?>
+<p:sld xmlns:a="http://schemas.openxmlformats.org/drawingml/2006/main" xmlns:r="http://schemas.openxmlformats.org/officeDocument/2006/relationships" xmlns:p="http://schemas.openxmlformats.org/presentationml/2006/main">
+  <p:cSld>
+    <p:spTree>
+      <p:nvGrpSpPr>
+        <p:cNvPr id="1" name=""/>
+        <p:cNvGrpSpPr/>
+        <p:nvPr/>
+      </p:nvGrpSpPr>
+      <p:grpSpPr>
+        <a:xfrm>
+          <a:off x="0" y="0"/>
+          <a:ext cx="0" cy="0"/>
+          <a:chOff x="0" y="0"/>
+          <a:chExt cx="0" cy="0"/>
+        </a:xfrm>
+      </p:grpSpPr>
+      <p:sp>
+        <p:nvSpPr>
           <p:cNvPr id="7" name="Espaço Reservado para Conteúdo 6"/>
           <p:cNvSpPr>
             <a:spLocks noGrp="1"/>
@@ -11831,21 +10937,7 @@
                 <a:ea typeface="Microsoft YaHei" pitchFamily="2"/>
                 <a:cs typeface="Mangal" pitchFamily="2"/>
               </a:rPr>
-              <a:t>Acesso em 12</a:t>
-            </a:r>
-            <a:r>
-              <a:rPr lang="pt-BR" dirty="0" smtClean="0">
-                <a:ea typeface="Microsoft YaHei" pitchFamily="2"/>
-                <a:cs typeface="Mangal" pitchFamily="2"/>
-              </a:rPr>
-              <a:t> de setembro de 2011</a:t>
-            </a:r>
-            <a:r>
-              <a:rPr lang="pt-BR" dirty="0" smtClean="0">
-                <a:ea typeface="Microsoft YaHei" pitchFamily="2"/>
-                <a:cs typeface="Mangal" pitchFamily="2"/>
-              </a:rPr>
-              <a:t>.</a:t>
+              <a:t>Acesso em 12 de setembro de 2011.</a:t>
             </a:r>
             <a:endParaRPr lang="pt-BR" dirty="0">
               <a:ea typeface="Microsoft YaHei" pitchFamily="2"/>
@@ -11875,7 +10967,7 @@
           <a:p>
             <a:fld id="{CC2D9971-FBC4-4232-B226-D3882EA6314B}" type="slidenum">
               <a:rPr lang="pt-BR" smtClean="0"/>
-              <a:t>25</a:t>
+              <a:t>20</a:t>
             </a:fld>
             <a:endParaRPr lang="pt-BR" dirty="0"/>
           </a:p>
@@ -12000,7 +11092,6 @@
               <a:rPr lang="pt-BR" dirty="0"/>
               <a:t>Qualificação Mestrado – Matheus Ricardo Uihara Zingarelli</a:t>
             </a:r>
-            <a:endParaRPr lang="pt-BR" dirty="0"/>
           </a:p>
         </p:txBody>
       </p:sp>
@@ -12253,7 +11344,6 @@
               <a:rPr lang="pt-BR" dirty="0"/>
               <a:t>Qualificação Mestrado – Matheus Ricardo Uihara Zingarelli</a:t>
             </a:r>
-            <a:endParaRPr lang="pt-BR" dirty="0"/>
           </a:p>
         </p:txBody>
       </p:sp>
@@ -12442,7 +11532,6 @@
               <a:rPr lang="pt-BR" dirty="0"/>
               <a:t>Qualificação Mestrado – Matheus Ricardo Uihara Zingarelli</a:t>
             </a:r>
-            <a:endParaRPr lang="pt-BR" dirty="0"/>
           </a:p>
         </p:txBody>
       </p:sp>
@@ -12988,7 +12077,6 @@
               <a:rPr lang="pt-BR" dirty="0"/>
               <a:t>Qualificação Mestrado – Matheus Ricardo Uihara Zingarelli</a:t>
             </a:r>
-            <a:endParaRPr lang="pt-BR" dirty="0"/>
           </a:p>
         </p:txBody>
       </p:sp>
@@ -13449,10 +12537,14 @@
           <a:lstStyle/>
           <a:p>
             <a:r>
-              <a:rPr lang="pt-BR" smtClean="0"/>
-              <a:t>Visualização Estereoscópica</a:t>
-            </a:r>
-            <a:endParaRPr lang="pt-BR"/>
+              <a:rPr lang="pt-BR" dirty="0" smtClean="0"/>
+              <a:t>Visualização </a:t>
+            </a:r>
+            <a:r>
+              <a:rPr lang="pt-BR" dirty="0" smtClean="0"/>
+              <a:t>Estereoscópica – Anaglífica</a:t>
+            </a:r>
+            <a:endParaRPr lang="pt-BR" dirty="0"/>
           </a:p>
         </p:txBody>
       </p:sp>
@@ -13468,23 +12560,32 @@
         </p:nvSpPr>
         <p:spPr>
           <a:xfrm>
-            <a:off x="457200" y="1600200"/>
-            <a:ext cx="7859216" cy="4873752"/>
-          </a:xfrm>
-        </p:spPr>
-        <p:txBody>
-          <a:bodyPr/>
-          <a:lstStyle/>
-          <a:p>
-            <a:r>
-              <a:rPr lang="pt-BR" dirty="0" smtClean="0"/>
-              <a:t>Colocar a imagem da </a:t>
-            </a:r>
-            <a:r>
-              <a:rPr lang="pt-BR" smtClean="0"/>
-              <a:t>quali</a:t>
-            </a:r>
-            <a:endParaRPr lang="pt-BR" dirty="0"/>
+            <a:off x="251520" y="1484784"/>
+            <a:ext cx="8208912" cy="4873752"/>
+          </a:xfrm>
+        </p:spPr>
+        <p:txBody>
+          <a:bodyPr>
+            <a:normAutofit/>
+          </a:bodyPr>
+          <a:lstStyle/>
+          <a:p>
+            <a:r>
+              <a:rPr lang="pt-BR" sz="2200" dirty="0" smtClean="0"/>
+              <a:t>Método mais simples para visualização estereoscópica</a:t>
+            </a:r>
+          </a:p>
+          <a:p>
+            <a:r>
+              <a:rPr lang="pt-BR" sz="2200" dirty="0" smtClean="0"/>
+              <a:t>Fusão das duas imagens em apenas uma, através de retirada de componentes de cor </a:t>
+            </a:r>
+          </a:p>
+          <a:p>
+            <a:r>
+              <a:rPr lang="pt-BR" sz="2200" dirty="0" smtClean="0"/>
+              <a:t>Óculos especiais com lentes semelhantes → filtro</a:t>
+            </a:r>
           </a:p>
         </p:txBody>
       </p:sp>
@@ -13646,6 +12747,143 @@
           </a:p>
         </p:txBody>
       </p:sp>
+      <p:grpSp>
+        <p:nvGrpSpPr>
+          <p:cNvPr id="3" name="Grupo 2"/>
+          <p:cNvGrpSpPr/>
+          <p:nvPr/>
+        </p:nvGrpSpPr>
+        <p:grpSpPr>
+          <a:xfrm>
+            <a:off x="755576" y="3356992"/>
+            <a:ext cx="7523563" cy="3074393"/>
+            <a:chOff x="790918" y="3758728"/>
+            <a:chExt cx="7523563" cy="3074393"/>
+          </a:xfrm>
+        </p:grpSpPr>
+        <p:pic>
+          <p:nvPicPr>
+            <p:cNvPr id="1026" name="Picture 2"/>
+            <p:cNvPicPr>
+              <a:picLocks noChangeAspect="1" noChangeArrowheads="1"/>
+            </p:cNvPicPr>
+            <p:nvPr/>
+          </p:nvPicPr>
+          <p:blipFill>
+            <a:blip r:embed="rId3">
+              <a:extLst>
+                <a:ext uri="{28A0092B-C50C-407E-A947-70E740481C1C}">
+                  <a14:useLocalDpi xmlns:a14="http://schemas.microsoft.com/office/drawing/2010/main" val="0"/>
+                </a:ext>
+              </a:extLst>
+            </a:blip>
+            <a:srcRect/>
+            <a:stretch>
+              <a:fillRect/>
+            </a:stretch>
+          </p:blipFill>
+          <p:spPr bwMode="auto">
+            <a:xfrm>
+              <a:off x="790918" y="3758728"/>
+              <a:ext cx="7523563" cy="2766616"/>
+            </a:xfrm>
+            <a:prstGeom prst="rect">
+              <a:avLst/>
+            </a:prstGeom>
+            <a:noFill/>
+            <a:ln>
+              <a:noFill/>
+            </a:ln>
+            <a:effectLst/>
+            <a:extLst>
+              <a:ext uri="{909E8E84-426E-40DD-AFC4-6F175D3DCCD1}">
+                <a14:hiddenFill xmlns:a14="http://schemas.microsoft.com/office/drawing/2010/main">
+                  <a:solidFill>
+                    <a:schemeClr val="accent1"/>
+                  </a:solidFill>
+                </a14:hiddenFill>
+              </a:ext>
+              <a:ext uri="{91240B29-F687-4F45-9708-019B960494DF}">
+                <a14:hiddenLine xmlns:a14="http://schemas.microsoft.com/office/drawing/2010/main" w="9525">
+                  <a:solidFill>
+                    <a:schemeClr val="tx1"/>
+                  </a:solidFill>
+                  <a:miter lim="800000"/>
+                  <a:headEnd/>
+                  <a:tailEnd/>
+                </a14:hiddenLine>
+              </a:ext>
+              <a:ext uri="{AF507438-7753-43E0-B8FC-AC1667EBCBE1}">
+                <a14:hiddenEffects xmlns:a14="http://schemas.microsoft.com/office/drawing/2010/main">
+                  <a:effectLst>
+                    <a:outerShdw dist="35921" dir="2700000" algn="ctr" rotWithShape="0">
+                      <a:schemeClr val="bg2"/>
+                    </a:outerShdw>
+                  </a:effectLst>
+                </a14:hiddenEffects>
+              </a:ext>
+            </a:extLst>
+          </p:spPr>
+        </p:pic>
+        <p:sp>
+          <p:nvSpPr>
+            <p:cNvPr id="2" name="CaixaDeTexto 1"/>
+            <p:cNvSpPr txBox="1"/>
+            <p:nvPr/>
+          </p:nvSpPr>
+          <p:spPr>
+            <a:xfrm>
+              <a:off x="790918" y="6525344"/>
+              <a:ext cx="7523563" cy="307777"/>
+            </a:xfrm>
+            <a:prstGeom prst="rect">
+              <a:avLst/>
+            </a:prstGeom>
+            <a:noFill/>
+          </p:spPr>
+          <p:txBody>
+            <a:bodyPr wrap="square" rtlCol="0">
+              <a:spAutoFit/>
+            </a:bodyPr>
+            <a:lstStyle/>
+            <a:p>
+              <a:r>
+                <a:rPr lang="en-US" sz="1400" dirty="0" err="1" smtClean="0"/>
+                <a:t>Processo</a:t>
+              </a:r>
+              <a:r>
+                <a:rPr lang="en-US" sz="1400" dirty="0" smtClean="0"/>
+                <a:t> de </a:t>
+              </a:r>
+              <a:r>
+                <a:rPr lang="en-US" sz="1400" dirty="0" err="1" smtClean="0"/>
+                <a:t>conversão</a:t>
+              </a:r>
+              <a:r>
+                <a:rPr lang="en-US" sz="1400" dirty="0" smtClean="0"/>
+                <a:t> </a:t>
+              </a:r>
+              <a:r>
+                <a:rPr lang="en-US" sz="1400" dirty="0" err="1" smtClean="0"/>
+                <a:t>anaglífica</a:t>
+              </a:r>
+              <a:r>
+                <a:rPr lang="en-US" sz="1400" dirty="0" smtClean="0"/>
+                <a:t> </a:t>
+              </a:r>
+              <a:r>
+                <a:rPr lang="en-US" sz="1400" dirty="0" err="1" smtClean="0"/>
+                <a:t>verde</a:t>
+              </a:r>
+              <a:r>
+                <a:rPr lang="en-US" sz="1400" dirty="0" smtClean="0"/>
+                <a:t>-magenta</a:t>
+              </a:r>
+              <a:endParaRPr lang="pt-BR" sz="1400" dirty="0"/>
+            </a:p>
+          </p:txBody>
+        </p:sp>
+      </p:grpSp>
     </p:spTree>
     <p:extLst>
       <p:ext uri="{BB962C8B-B14F-4D97-AF65-F5344CB8AC3E}">
@@ -13677,6 +12915,14 @@
 <file path=ppt/slides/slide9.xml><?xml version="1.0" encoding="utf-8"?>
 <p:sld xmlns:a="http://schemas.openxmlformats.org/drawingml/2006/main" xmlns:r="http://schemas.openxmlformats.org/officeDocument/2006/relationships" xmlns:p="http://schemas.openxmlformats.org/presentationml/2006/main">
   <p:cSld>
+    <p:bg>
+      <p:bgPr>
+        <a:solidFill>
+          <a:schemeClr val="tx1"/>
+        </a:solidFill>
+        <a:effectLst/>
+      </p:bgPr>
+    </p:bg>
     <p:spTree>
       <p:nvGrpSpPr>
         <p:cNvPr id="1" name=""/>
@@ -13693,277 +12939,101 @@
       </p:grpSpPr>
       <p:sp>
         <p:nvSpPr>
-          <p:cNvPr id="2" name="CaixaDeTexto 1"/>
-          <p:cNvSpPr txBox="1"/>
-          <p:nvPr/>
-        </p:nvSpPr>
-        <p:spPr>
-          <a:xfrm>
-            <a:off x="620447" y="326586"/>
-            <a:ext cx="8196435" cy="1143049"/>
-          </a:xfrm>
-          <a:prstGeom prst="rect">
-            <a:avLst/>
-          </a:prstGeom>
-          <a:noFill/>
-          <a:ln>
-            <a:noFill/>
-          </a:ln>
-        </p:spPr>
-        <p:txBody>
-          <a:bodyPr vert="horz" lIns="81639" tIns="40820" rIns="81639" bIns="40820" compatLnSpc="0"/>
-          <a:lstStyle/>
-          <a:p>
-            <a:pPr hangingPunct="0"/>
-            <a:r>
-              <a:rPr lang="pt-BR" sz="3000" u="sng" cap="small" dirty="0">
-                <a:solidFill>
-                  <a:schemeClr val="tx2"/>
-                </a:solidFill>
-                <a:latin typeface="+mj-lt"/>
-                <a:ea typeface="+mj-ea"/>
-                <a:cs typeface="+mj-cs"/>
-              </a:rPr>
-              <a:t>Luz Polarizada     			                      .</a:t>
-            </a:r>
+          <p:cNvPr id="5" name="Espaço Reservado para Rodapé 4"/>
+          <p:cNvSpPr>
+            <a:spLocks noGrp="1"/>
+          </p:cNvSpPr>
+          <p:nvPr>
+            <p:ph type="ftr" sz="quarter" idx="11"/>
+          </p:nvPr>
+        </p:nvSpPr>
+        <p:spPr/>
+        <p:txBody>
+          <a:bodyPr/>
+          <a:lstStyle/>
+          <a:p>
+            <a:r>
+              <a:rPr lang="pt-BR" smtClean="0"/>
+              <a:t>SCC5909 - Fundamentos de Multimídia - Seminário Vídeo 3D</a:t>
+            </a:r>
+            <a:endParaRPr lang="pt-BR" dirty="0"/>
+          </a:p>
+        </p:txBody>
+      </p:sp>
+      <p:sp>
+        <p:nvSpPr>
+          <p:cNvPr id="4" name="Espaço Reservado para Número de Slide 3"/>
+          <p:cNvSpPr>
+            <a:spLocks noGrp="1"/>
+          </p:cNvSpPr>
+          <p:nvPr>
+            <p:ph type="sldNum" sz="quarter" idx="12"/>
+          </p:nvPr>
+        </p:nvSpPr>
+        <p:spPr/>
+        <p:txBody>
+          <a:bodyPr/>
+          <a:lstStyle/>
+          <a:p>
+            <a:fld id="{CC2D9971-FBC4-4232-B226-D3882EA6314B}" type="slidenum">
+              <a:rPr lang="pt-BR" smtClean="0"/>
+              <a:t>9</a:t>
+            </a:fld>
+            <a:endParaRPr lang="pt-BR" dirty="0"/>
           </a:p>
         </p:txBody>
       </p:sp>
       <p:pic>
         <p:nvPicPr>
-          <p:cNvPr id="3" name="Imagem 2"/>
+          <p:cNvPr id="2050" name="Picture 2" descr="E:\versionados\1-Meus-Artigos\Qualificacao\rv05.bmp"/>
           <p:cNvPicPr>
-            <a:picLocks noChangeAspect="1"/>
+            <a:picLocks noChangeAspect="1" noChangeArrowheads="1"/>
           </p:cNvPicPr>
           <p:nvPr/>
         </p:nvPicPr>
         <p:blipFill>
-          <a:blip r:embed="rId3">
-            <a:lum/>
-            <a:alphaModFix/>
+          <a:blip r:embed="rId2">
+            <a:extLst>
+              <a:ext uri="{28A0092B-C50C-407E-A947-70E740481C1C}">
+                <a14:useLocalDpi xmlns:a14="http://schemas.microsoft.com/office/drawing/2010/main" val="0"/>
+              </a:ext>
+            </a:extLst>
           </a:blip>
           <a:srcRect/>
           <a:stretch>
             <a:fillRect/>
           </a:stretch>
         </p:blipFill>
-        <p:spPr>
-          <a:xfrm>
-            <a:off x="847726" y="4638820"/>
-            <a:ext cx="4475057" cy="2056182"/>
+        <p:spPr bwMode="auto">
+          <a:xfrm>
+            <a:off x="0" y="-27384"/>
+            <a:ext cx="9144000" cy="6885384"/>
           </a:xfrm>
           <a:prstGeom prst="rect">
             <a:avLst/>
           </a:prstGeom>
           <a:noFill/>
-          <a:ln>
-            <a:noFill/>
-          </a:ln>
-        </p:spPr>
-      </p:pic>
-      <p:sp>
-        <p:nvSpPr>
-          <p:cNvPr id="4" name="CaixaDeTexto 3"/>
-          <p:cNvSpPr txBox="1"/>
-          <p:nvPr/>
-        </p:nvSpPr>
-        <p:spPr>
-          <a:xfrm>
-            <a:off x="5436096" y="1340768"/>
-            <a:ext cx="3096344" cy="3373954"/>
-          </a:xfrm>
-          <a:prstGeom prst="rect">
-            <a:avLst/>
-          </a:prstGeom>
-          <a:noFill/>
-          <a:ln>
-            <a:noFill/>
-          </a:ln>
-        </p:spPr>
-        <p:txBody>
-          <a:bodyPr vert="horz" lIns="81639" tIns="40820" rIns="81639" bIns="40820" compatLnSpc="0"/>
-          <a:lstStyle/>
-          <a:p>
-            <a:pPr hangingPunct="0"/>
-            <a:r>
-              <a:rPr lang="pt-BR" sz="1600" dirty="0">
-                <a:solidFill>
-                  <a:srgbClr val="000000"/>
-                </a:solidFill>
-                <a:ea typeface="Garamond" pitchFamily="18"/>
-                <a:cs typeface="Garamond" pitchFamily="18"/>
-              </a:rPr>
-              <a:t>Dois projetores sincronizados colocam duas visões respectivas na tela, cada uma com uma polarização.</a:t>
-            </a:r>
-          </a:p>
-          <a:p>
-            <a:pPr hangingPunct="0"/>
-            <a:endParaRPr lang="pt-BR" sz="1600" dirty="0">
-              <a:solidFill>
-                <a:srgbClr val="000000"/>
-              </a:solidFill>
-              <a:ea typeface="Garamond" pitchFamily="18"/>
-              <a:cs typeface="Garamond" pitchFamily="18"/>
-            </a:endParaRPr>
-          </a:p>
-          <a:p>
-            <a:pPr hangingPunct="0"/>
-            <a:r>
-              <a:rPr lang="pt-BR" sz="1600" dirty="0">
-                <a:solidFill>
-                  <a:srgbClr val="000000"/>
-                </a:solidFill>
-                <a:ea typeface="Garamond" pitchFamily="18"/>
-                <a:cs typeface="Garamond" pitchFamily="18"/>
-              </a:rPr>
-              <a:t>Os óculos permitem que se veja apenas uma das imagens em cada olho.</a:t>
-            </a:r>
-          </a:p>
-          <a:p>
-            <a:pPr hangingPunct="0"/>
-            <a:endParaRPr lang="pt-BR" sz="1600" dirty="0">
-              <a:solidFill>
-                <a:srgbClr val="000000"/>
-              </a:solidFill>
-              <a:ea typeface="Garamond" pitchFamily="18"/>
-              <a:cs typeface="Garamond" pitchFamily="18"/>
-            </a:endParaRPr>
-          </a:p>
-          <a:p>
-            <a:pPr hangingPunct="0"/>
-            <a:r>
-              <a:rPr lang="pt-BR" sz="1600" dirty="0">
-                <a:solidFill>
-                  <a:srgbClr val="000000"/>
-                </a:solidFill>
-                <a:ea typeface="Garamond" pitchFamily="18"/>
-                <a:cs typeface="Garamond" pitchFamily="18"/>
-              </a:rPr>
-              <a:t>Os óculos são relativamente baratos, mas precisa de projetor especial e de uma tela metalizada.</a:t>
-            </a:r>
-          </a:p>
-        </p:txBody>
-      </p:sp>
-      <p:pic>
-        <p:nvPicPr>
-          <p:cNvPr id="5" name="Imagem 4"/>
-          <p:cNvPicPr>
-            <a:picLocks noChangeAspect="1"/>
-          </p:cNvPicPr>
-          <p:nvPr/>
-        </p:nvPicPr>
-        <p:blipFill>
-          <a:blip r:embed="rId4">
-            <a:lum/>
-            <a:alphaModFix/>
-          </a:blip>
-          <a:srcRect/>
-          <a:stretch>
-            <a:fillRect/>
-          </a:stretch>
-        </p:blipFill>
-        <p:spPr>
-          <a:xfrm>
-            <a:off x="1228812" y="1329856"/>
-            <a:ext cx="3801709" cy="3079047"/>
-          </a:xfrm>
-          <a:prstGeom prst="rect">
-            <a:avLst/>
-          </a:prstGeom>
-          <a:noFill/>
-          <a:ln>
-            <a:noFill/>
-          </a:ln>
-        </p:spPr>
-      </p:pic>
-      <p:sp>
-        <p:nvSpPr>
-          <p:cNvPr id="6" name="Espaço Reservado para Número de Slide 4"/>
-          <p:cNvSpPr>
-            <a:spLocks noGrp="1"/>
-          </p:cNvSpPr>
-          <p:nvPr>
-            <p:ph type="sldNum" sz="quarter" idx="4294967295"/>
-          </p:nvPr>
-        </p:nvSpPr>
-        <p:spPr>
-          <a:xfrm>
-            <a:off x="8172400" y="5805264"/>
-            <a:ext cx="504056" cy="432048"/>
-          </a:xfrm>
-          <a:prstGeom prst="rect">
-            <a:avLst/>
-          </a:prstGeom>
-        </p:spPr>
-        <p:txBody>
-          <a:bodyPr/>
-          <a:lstStyle/>
-          <a:p>
-            <a:fld id="{CC2D9971-FBC4-4232-B226-D3882EA6314B}" type="slidenum">
-              <a:rPr lang="pt-BR" sz="1400" b="1">
+          <a:extLst>
+            <a:ext uri="{909E8E84-426E-40DD-AFC4-6F175D3DCCD1}">
+              <a14:hiddenFill xmlns:a14="http://schemas.microsoft.com/office/drawing/2010/main">
                 <a:solidFill>
                   <a:srgbClr val="FFFFFF"/>
                 </a:solidFill>
-              </a:rPr>
-              <a:t>9</a:t>
-            </a:fld>
-            <a:endParaRPr lang="pt-BR" sz="1400" b="1" dirty="0">
-              <a:solidFill>
-                <a:srgbClr val="FFFFFF"/>
-              </a:solidFill>
-            </a:endParaRPr>
-          </a:p>
-        </p:txBody>
-      </p:sp>
-      <p:sp>
-        <p:nvSpPr>
-          <p:cNvPr id="7" name="Espaço Reservado para Rodapé 3"/>
-          <p:cNvSpPr>
-            <a:spLocks noGrp="1"/>
-          </p:cNvSpPr>
-          <p:nvPr>
-            <p:ph type="ftr" sz="quarter" idx="4294967295"/>
-          </p:nvPr>
-        </p:nvSpPr>
-        <p:spPr>
-          <a:xfrm>
-            <a:off x="4211960" y="6492240"/>
-            <a:ext cx="4536504" cy="365760"/>
-          </a:xfrm>
-          <a:prstGeom prst="rect">
-            <a:avLst/>
-          </a:prstGeom>
-        </p:spPr>
-        <p:txBody>
-          <a:bodyPr/>
-          <a:lstStyle/>
-          <a:p>
-            <a:r>
-              <a:rPr lang="pt-BR" dirty="0"/>
-              <a:t>Qualificação Mestrado – Matheus Ricardo Uihara Zingarelli</a:t>
-            </a:r>
-            <a:endParaRPr lang="pt-BR" dirty="0"/>
-          </a:p>
-        </p:txBody>
-      </p:sp>
+              </a14:hiddenFill>
+            </a:ext>
+          </a:extLst>
+        </p:spPr>
+      </p:pic>
     </p:spTree>
     <p:extLst>
       <p:ext uri="{BB962C8B-B14F-4D97-AF65-F5344CB8AC3E}">
-        <p14:creationId xmlns:p14="http://schemas.microsoft.com/office/powerpoint/2010/main" val="485049273"/>
+        <p14:creationId xmlns:p14="http://schemas.microsoft.com/office/powerpoint/2010/main" val="1355117588"/>
       </p:ext>
     </p:extLst>
   </p:cSld>
   <p:clrMapOvr>
     <a:masterClrMapping/>
   </p:clrMapOvr>
-  <mc:AlternateContent xmlns:mc="http://schemas.openxmlformats.org/markup-compatibility/2006" xmlns:p14="http://schemas.microsoft.com/office/powerpoint/2010/main">
-    <mc:Choice Requires="p14">
-      <p:transition spd="slow" p14:dur="2000"/>
-    </mc:Choice>
-    <mc:Fallback xmlns="">
-      <p:transition spd="slow"/>
-    </mc:Fallback>
-  </mc:AlternateContent>
   <p:timing>
     <p:tnLst>
       <p:par>

--- a/1-Meus-Artigos/Qualificacao/apresentação.pptx
+++ b/1-Meus-Artigos/Qualificacao/apresentação.pptx
@@ -2810,6 +2810,13 @@
         </dgm:presLayoutVars>
       </dgm:prSet>
       <dgm:spPr/>
+      <dgm:t>
+        <a:bodyPr/>
+        <a:lstStyle/>
+        <a:p>
+          <a:endParaRPr lang="pt-BR"/>
+        </a:p>
+      </dgm:t>
     </dgm:pt>
     <dgm:pt modelId="{807D473F-1CF3-47D8-B9DA-0CDCBE173537}" type="pres">
       <dgm:prSet presAssocID="{A32FD129-6951-4DA3-AA90-F3C05BC06034}" presName="hierRoot1" presStyleCnt="0">
@@ -2830,10 +2837,24 @@
         </dgm:presLayoutVars>
       </dgm:prSet>
       <dgm:spPr/>
+      <dgm:t>
+        <a:bodyPr/>
+        <a:lstStyle/>
+        <a:p>
+          <a:endParaRPr lang="pt-BR"/>
+        </a:p>
+      </dgm:t>
     </dgm:pt>
     <dgm:pt modelId="{64B7FFAB-DB58-4496-BD6D-66B80A109E4B}" type="pres">
       <dgm:prSet presAssocID="{A32FD129-6951-4DA3-AA90-F3C05BC06034}" presName="rootConnector1" presStyleLbl="node1" presStyleIdx="0" presStyleCnt="0"/>
       <dgm:spPr/>
+      <dgm:t>
+        <a:bodyPr/>
+        <a:lstStyle/>
+        <a:p>
+          <a:endParaRPr lang="pt-BR"/>
+        </a:p>
+      </dgm:t>
     </dgm:pt>
     <dgm:pt modelId="{29D47FBA-67AA-4452-AE48-374C3F39DDB8}" type="pres">
       <dgm:prSet presAssocID="{A32FD129-6951-4DA3-AA90-F3C05BC06034}" presName="hierChild2" presStyleCnt="0"/>
@@ -2842,6 +2863,13 @@
     <dgm:pt modelId="{B339D220-7BC0-4E8D-89F9-55EDE464832D}" type="pres">
       <dgm:prSet presAssocID="{487E4310-5651-4700-A39E-2AEC0EA9F67D}" presName="Name64" presStyleLbl="parChTrans1D2" presStyleIdx="0" presStyleCnt="1"/>
       <dgm:spPr/>
+      <dgm:t>
+        <a:bodyPr/>
+        <a:lstStyle/>
+        <a:p>
+          <a:endParaRPr lang="pt-BR"/>
+        </a:p>
+      </dgm:t>
     </dgm:pt>
     <dgm:pt modelId="{3C0A1E83-22F8-44C0-ACEC-5809374F669B}" type="pres">
       <dgm:prSet presAssocID="{00F27E76-D053-4838-B0FC-ECD625A2F185}" presName="hierRoot2" presStyleCnt="0">
@@ -2862,10 +2890,24 @@
         </dgm:presLayoutVars>
       </dgm:prSet>
       <dgm:spPr/>
+      <dgm:t>
+        <a:bodyPr/>
+        <a:lstStyle/>
+        <a:p>
+          <a:endParaRPr lang="pt-BR"/>
+        </a:p>
+      </dgm:t>
     </dgm:pt>
     <dgm:pt modelId="{CC8CC60C-3915-44D5-839B-F30D4D658A7D}" type="pres">
       <dgm:prSet presAssocID="{00F27E76-D053-4838-B0FC-ECD625A2F185}" presName="rootConnector" presStyleLbl="node2" presStyleIdx="0" presStyleCnt="1"/>
       <dgm:spPr/>
+      <dgm:t>
+        <a:bodyPr/>
+        <a:lstStyle/>
+        <a:p>
+          <a:endParaRPr lang="pt-BR"/>
+        </a:p>
+      </dgm:t>
     </dgm:pt>
     <dgm:pt modelId="{FD349C28-8656-4075-8274-2B5D1070A7CE}" type="pres">
       <dgm:prSet presAssocID="{00F27E76-D053-4838-B0FC-ECD625A2F185}" presName="hierChild4" presStyleCnt="0"/>
@@ -2874,6 +2916,13 @@
     <dgm:pt modelId="{E2E01032-55EC-4490-A2E2-EAE58D3C5B9E}" type="pres">
       <dgm:prSet presAssocID="{7F290ED6-4613-4839-8B5C-6BBBC2E74564}" presName="Name64" presStyleLbl="parChTrans1D3" presStyleIdx="0" presStyleCnt="2"/>
       <dgm:spPr/>
+      <dgm:t>
+        <a:bodyPr/>
+        <a:lstStyle/>
+        <a:p>
+          <a:endParaRPr lang="pt-BR"/>
+        </a:p>
+      </dgm:t>
     </dgm:pt>
     <dgm:pt modelId="{EF8B771D-E79F-41D3-9416-A6D15BC61C04}" type="pres">
       <dgm:prSet presAssocID="{120B4DC1-BE43-44CA-BAC8-D47AFD74228A}" presName="hierRoot2" presStyleCnt="0">
@@ -2894,10 +2943,24 @@
         </dgm:presLayoutVars>
       </dgm:prSet>
       <dgm:spPr/>
+      <dgm:t>
+        <a:bodyPr/>
+        <a:lstStyle/>
+        <a:p>
+          <a:endParaRPr lang="pt-BR"/>
+        </a:p>
+      </dgm:t>
     </dgm:pt>
     <dgm:pt modelId="{8BA48D2F-6A6C-411C-8D81-7633043C1F47}" type="pres">
       <dgm:prSet presAssocID="{120B4DC1-BE43-44CA-BAC8-D47AFD74228A}" presName="rootConnector" presStyleLbl="node3" presStyleIdx="0" presStyleCnt="2"/>
       <dgm:spPr/>
+      <dgm:t>
+        <a:bodyPr/>
+        <a:lstStyle/>
+        <a:p>
+          <a:endParaRPr lang="pt-BR"/>
+        </a:p>
+      </dgm:t>
     </dgm:pt>
     <dgm:pt modelId="{F31EA066-FB38-48C2-BBF7-4300822904AE}" type="pres">
       <dgm:prSet presAssocID="{120B4DC1-BE43-44CA-BAC8-D47AFD74228A}" presName="hierChild4" presStyleCnt="0"/>
@@ -2906,6 +2969,13 @@
     <dgm:pt modelId="{3D7F2BD7-EEFA-4A09-BAAA-A5467747A5B4}" type="pres">
       <dgm:prSet presAssocID="{08AE8121-44A9-49E7-BB6A-8CDCF1FE8595}" presName="Name64" presStyleLbl="parChTrans1D4" presStyleIdx="0" presStyleCnt="3"/>
       <dgm:spPr/>
+      <dgm:t>
+        <a:bodyPr/>
+        <a:lstStyle/>
+        <a:p>
+          <a:endParaRPr lang="pt-BR"/>
+        </a:p>
+      </dgm:t>
     </dgm:pt>
     <dgm:pt modelId="{10800730-FAA3-4D4E-8B0C-8664288D66FC}" type="pres">
       <dgm:prSet presAssocID="{3A52C428-20B3-4453-BFAF-58617BB8395D}" presName="hierRoot2" presStyleCnt="0">
@@ -2937,6 +3007,13 @@
     <dgm:pt modelId="{94F5AD06-8B95-4DCB-B3FF-3FA8EF8C8165}" type="pres">
       <dgm:prSet presAssocID="{3A52C428-20B3-4453-BFAF-58617BB8395D}" presName="rootConnector" presStyleLbl="node4" presStyleIdx="0" presStyleCnt="3"/>
       <dgm:spPr/>
+      <dgm:t>
+        <a:bodyPr/>
+        <a:lstStyle/>
+        <a:p>
+          <a:endParaRPr lang="pt-BR"/>
+        </a:p>
+      </dgm:t>
     </dgm:pt>
     <dgm:pt modelId="{7A962AA2-C487-40E3-ABFA-C27E1AA07D6C}" type="pres">
       <dgm:prSet presAssocID="{3A52C428-20B3-4453-BFAF-58617BB8395D}" presName="hierChild4" presStyleCnt="0"/>
@@ -2949,6 +3026,13 @@
     <dgm:pt modelId="{9EFA87BC-94BA-4C59-98FE-454448B4BC0E}" type="pres">
       <dgm:prSet presAssocID="{BB9CE1AE-D568-45CE-A149-FD4F224AD884}" presName="Name64" presStyleLbl="parChTrans1D4" presStyleIdx="1" presStyleCnt="3"/>
       <dgm:spPr/>
+      <dgm:t>
+        <a:bodyPr/>
+        <a:lstStyle/>
+        <a:p>
+          <a:endParaRPr lang="pt-BR"/>
+        </a:p>
+      </dgm:t>
     </dgm:pt>
     <dgm:pt modelId="{2613E132-4BA8-4454-B025-69D2A089BFFB}" type="pres">
       <dgm:prSet presAssocID="{442470E5-8E81-4C87-BE58-2EE5B111A966}" presName="hierRoot2" presStyleCnt="0">
@@ -2969,10 +3053,24 @@
         </dgm:presLayoutVars>
       </dgm:prSet>
       <dgm:spPr/>
+      <dgm:t>
+        <a:bodyPr/>
+        <a:lstStyle/>
+        <a:p>
+          <a:endParaRPr lang="pt-BR"/>
+        </a:p>
+      </dgm:t>
     </dgm:pt>
     <dgm:pt modelId="{74BDAF2C-A37D-41F2-BFC4-301D18D193AB}" type="pres">
       <dgm:prSet presAssocID="{442470E5-8E81-4C87-BE58-2EE5B111A966}" presName="rootConnector" presStyleLbl="node4" presStyleIdx="1" presStyleCnt="3"/>
       <dgm:spPr/>
+      <dgm:t>
+        <a:bodyPr/>
+        <a:lstStyle/>
+        <a:p>
+          <a:endParaRPr lang="pt-BR"/>
+        </a:p>
+      </dgm:t>
     </dgm:pt>
     <dgm:pt modelId="{84513FE5-78AE-4D7A-BB57-254EB85601D2}" type="pres">
       <dgm:prSet presAssocID="{442470E5-8E81-4C87-BE58-2EE5B111A966}" presName="hierChild4" presStyleCnt="0"/>
@@ -2989,6 +3087,13 @@
     <dgm:pt modelId="{69541900-6A79-4139-8AA7-BCAF9BC48D16}" type="pres">
       <dgm:prSet presAssocID="{D9DA6E55-9A37-4AE6-AA38-4292EDC51FBE}" presName="Name64" presStyleLbl="parChTrans1D3" presStyleIdx="1" presStyleCnt="2"/>
       <dgm:spPr/>
+      <dgm:t>
+        <a:bodyPr/>
+        <a:lstStyle/>
+        <a:p>
+          <a:endParaRPr lang="pt-BR"/>
+        </a:p>
+      </dgm:t>
     </dgm:pt>
     <dgm:pt modelId="{51BA6E4A-9B27-4126-99A7-F51D3A788633}" type="pres">
       <dgm:prSet presAssocID="{074180C9-AA60-4E57-A9E5-27EE30923DF8}" presName="hierRoot2" presStyleCnt="0">
@@ -3009,10 +3114,24 @@
         </dgm:presLayoutVars>
       </dgm:prSet>
       <dgm:spPr/>
+      <dgm:t>
+        <a:bodyPr/>
+        <a:lstStyle/>
+        <a:p>
+          <a:endParaRPr lang="pt-BR"/>
+        </a:p>
+      </dgm:t>
     </dgm:pt>
     <dgm:pt modelId="{BCCD1092-6C7C-4334-929F-60511043A205}" type="pres">
       <dgm:prSet presAssocID="{074180C9-AA60-4E57-A9E5-27EE30923DF8}" presName="rootConnector" presStyleLbl="node3" presStyleIdx="1" presStyleCnt="2"/>
       <dgm:spPr/>
+      <dgm:t>
+        <a:bodyPr/>
+        <a:lstStyle/>
+        <a:p>
+          <a:endParaRPr lang="pt-BR"/>
+        </a:p>
+      </dgm:t>
     </dgm:pt>
     <dgm:pt modelId="{EBD65297-E396-4EC3-8986-8140B86E3629}" type="pres">
       <dgm:prSet presAssocID="{074180C9-AA60-4E57-A9E5-27EE30923DF8}" presName="hierChild4" presStyleCnt="0"/>
@@ -3021,6 +3140,13 @@
     <dgm:pt modelId="{866D1971-0D1B-4602-AC13-75E3B5D1B981}" type="pres">
       <dgm:prSet presAssocID="{075AE697-E1A9-4658-8586-5D55C7F7D836}" presName="Name64" presStyleLbl="parChTrans1D4" presStyleIdx="2" presStyleCnt="3"/>
       <dgm:spPr/>
+      <dgm:t>
+        <a:bodyPr/>
+        <a:lstStyle/>
+        <a:p>
+          <a:endParaRPr lang="pt-BR"/>
+        </a:p>
+      </dgm:t>
     </dgm:pt>
     <dgm:pt modelId="{78C661BE-96CA-46AF-867B-9F53E107DBA1}" type="pres">
       <dgm:prSet presAssocID="{5B9CD8AB-CA1C-4C3C-B5D8-A1890CEB0195}" presName="hierRoot2" presStyleCnt="0">
@@ -3041,10 +3167,24 @@
         </dgm:presLayoutVars>
       </dgm:prSet>
       <dgm:spPr/>
+      <dgm:t>
+        <a:bodyPr/>
+        <a:lstStyle/>
+        <a:p>
+          <a:endParaRPr lang="pt-BR"/>
+        </a:p>
+      </dgm:t>
     </dgm:pt>
     <dgm:pt modelId="{A6C869B9-5992-48C0-80E2-751984EC983A}" type="pres">
       <dgm:prSet presAssocID="{5B9CD8AB-CA1C-4C3C-B5D8-A1890CEB0195}" presName="rootConnector" presStyleLbl="node4" presStyleIdx="2" presStyleCnt="3"/>
       <dgm:spPr/>
+      <dgm:t>
+        <a:bodyPr/>
+        <a:lstStyle/>
+        <a:p>
+          <a:endParaRPr lang="pt-BR"/>
+        </a:p>
+      </dgm:t>
     </dgm:pt>
     <dgm:pt modelId="{760CA83D-2665-436D-B401-7E54A172D3E5}" type="pres">
       <dgm:prSet presAssocID="{5B9CD8AB-CA1C-4C3C-B5D8-A1890CEB0195}" presName="hierChild4" presStyleCnt="0"/>
@@ -3068,34 +3208,34 @@
     </dgm:pt>
   </dgm:ptLst>
   <dgm:cxnLst>
+    <dgm:cxn modelId="{24AE312D-8A46-41B5-B693-7A4D682E63A1}" srcId="{750F83C2-2489-4726-9F9E-35A74BCAC319}" destId="{A32FD129-6951-4DA3-AA90-F3C05BC06034}" srcOrd="0" destOrd="0" parTransId="{16209A0E-84FC-46DC-AE6A-BE9F605141B0}" sibTransId="{A454572B-D4CD-4F98-9279-7773859EB7DF}"/>
+    <dgm:cxn modelId="{C96574FF-FC97-4C58-BFEE-CBB6BB450305}" srcId="{120B4DC1-BE43-44CA-BAC8-D47AFD74228A}" destId="{442470E5-8E81-4C87-BE58-2EE5B111A966}" srcOrd="1" destOrd="0" parTransId="{BB9CE1AE-D568-45CE-A149-FD4F224AD884}" sibTransId="{046D4732-B754-4B4F-BAAC-57C4FCE30E20}"/>
+    <dgm:cxn modelId="{1712698E-0FA3-4A45-85C7-909D09CB1621}" srcId="{00F27E76-D053-4838-B0FC-ECD625A2F185}" destId="{074180C9-AA60-4E57-A9E5-27EE30923DF8}" srcOrd="1" destOrd="0" parTransId="{D9DA6E55-9A37-4AE6-AA38-4292EDC51FBE}" sibTransId="{F18C376F-9DFA-471C-AE57-168BA656B570}"/>
+    <dgm:cxn modelId="{24245CF5-B0FA-40FE-BB72-F2924EE618DC}" type="presOf" srcId="{5B9CD8AB-CA1C-4C3C-B5D8-A1890CEB0195}" destId="{A6C869B9-5992-48C0-80E2-751984EC983A}" srcOrd="1" destOrd="0" presId="urn:microsoft.com/office/officeart/2009/3/layout/HorizontalOrganizationChart"/>
+    <dgm:cxn modelId="{180E994A-53B6-464E-838C-A3D8F2DE78C7}" type="presOf" srcId="{5B9CD8AB-CA1C-4C3C-B5D8-A1890CEB0195}" destId="{4B0C367F-7037-4653-AA15-D06435589E37}" srcOrd="0" destOrd="0" presId="urn:microsoft.com/office/officeart/2009/3/layout/HorizontalOrganizationChart"/>
+    <dgm:cxn modelId="{98ED4D4E-A5C6-43DD-A367-647B5A6958A7}" srcId="{120B4DC1-BE43-44CA-BAC8-D47AFD74228A}" destId="{3A52C428-20B3-4453-BFAF-58617BB8395D}" srcOrd="0" destOrd="0" parTransId="{08AE8121-44A9-49E7-BB6A-8CDCF1FE8595}" sibTransId="{C598FDE5-7F6A-4E58-B919-2135218176CC}"/>
+    <dgm:cxn modelId="{E676DA69-5D24-4E9F-A733-E98B100DF40E}" srcId="{00F27E76-D053-4838-B0FC-ECD625A2F185}" destId="{120B4DC1-BE43-44CA-BAC8-D47AFD74228A}" srcOrd="0" destOrd="0" parTransId="{7F290ED6-4613-4839-8B5C-6BBBC2E74564}" sibTransId="{E30ADA23-9AE4-4A79-92C7-7CFE72E8B3D0}"/>
+    <dgm:cxn modelId="{9A5E58E3-1829-4193-AE75-381B3405552E}" type="presOf" srcId="{120B4DC1-BE43-44CA-BAC8-D47AFD74228A}" destId="{2C6C9DA7-D985-4E9A-B607-56D60461266A}" srcOrd="0" destOrd="0" presId="urn:microsoft.com/office/officeart/2009/3/layout/HorizontalOrganizationChart"/>
+    <dgm:cxn modelId="{3A745549-F83F-4C1E-8ADB-700683B7ABBF}" type="presOf" srcId="{120B4DC1-BE43-44CA-BAC8-D47AFD74228A}" destId="{8BA48D2F-6A6C-411C-8D81-7633043C1F47}" srcOrd="1" destOrd="0" presId="urn:microsoft.com/office/officeart/2009/3/layout/HorizontalOrganizationChart"/>
+    <dgm:cxn modelId="{B9F44E6C-971B-42DE-BDAF-6C951BBB42A5}" type="presOf" srcId="{D9DA6E55-9A37-4AE6-AA38-4292EDC51FBE}" destId="{69541900-6A79-4139-8AA7-BCAF9BC48D16}" srcOrd="0" destOrd="0" presId="urn:microsoft.com/office/officeart/2009/3/layout/HorizontalOrganizationChart"/>
+    <dgm:cxn modelId="{C38329A7-A1A2-4DCF-B825-6A994C25B4D0}" srcId="{A32FD129-6951-4DA3-AA90-F3C05BC06034}" destId="{00F27E76-D053-4838-B0FC-ECD625A2F185}" srcOrd="0" destOrd="0" parTransId="{487E4310-5651-4700-A39E-2AEC0EA9F67D}" sibTransId="{9F343612-9E05-4E74-9BB0-0F127CCEA8D2}"/>
+    <dgm:cxn modelId="{F8B73CB3-B3B5-47B1-A314-3DBDCAF97614}" type="presOf" srcId="{A32FD129-6951-4DA3-AA90-F3C05BC06034}" destId="{64B7FFAB-DB58-4496-BD6D-66B80A109E4B}" srcOrd="1" destOrd="0" presId="urn:microsoft.com/office/officeart/2009/3/layout/HorizontalOrganizationChart"/>
     <dgm:cxn modelId="{D8933272-8540-40DA-984A-4A932C341647}" type="presOf" srcId="{750F83C2-2489-4726-9F9E-35A74BCAC319}" destId="{7A3CB1A1-112F-4DDF-BD1C-3E83DBE185B0}" srcOrd="0" destOrd="0" presId="urn:microsoft.com/office/officeart/2009/3/layout/HorizontalOrganizationChart"/>
+    <dgm:cxn modelId="{36799FF1-4F07-4E50-BFC0-4FC79FB269CF}" type="presOf" srcId="{A32FD129-6951-4DA3-AA90-F3C05BC06034}" destId="{56E76F2F-7431-42E1-ACCC-02B79A77D018}" srcOrd="0" destOrd="0" presId="urn:microsoft.com/office/officeart/2009/3/layout/HorizontalOrganizationChart"/>
+    <dgm:cxn modelId="{4B3D9C0E-4A50-4C2C-B807-F60C5CDFC7FB}" type="presOf" srcId="{075AE697-E1A9-4658-8586-5D55C7F7D836}" destId="{866D1971-0D1B-4602-AC13-75E3B5D1B981}" srcOrd="0" destOrd="0" presId="urn:microsoft.com/office/officeart/2009/3/layout/HorizontalOrganizationChart"/>
+    <dgm:cxn modelId="{D6520D39-3530-469E-AD59-70CDE683966F}" srcId="{074180C9-AA60-4E57-A9E5-27EE30923DF8}" destId="{5B9CD8AB-CA1C-4C3C-B5D8-A1890CEB0195}" srcOrd="0" destOrd="0" parTransId="{075AE697-E1A9-4658-8586-5D55C7F7D836}" sibTransId="{2B0D433A-76F3-4840-AF85-E0766D3DB483}"/>
+    <dgm:cxn modelId="{C8F10E01-8A0F-4C8C-BD75-BB7C33D93F42}" type="presOf" srcId="{08AE8121-44A9-49E7-BB6A-8CDCF1FE8595}" destId="{3D7F2BD7-EEFA-4A09-BAAA-A5467747A5B4}" srcOrd="0" destOrd="0" presId="urn:microsoft.com/office/officeart/2009/3/layout/HorizontalOrganizationChart"/>
+    <dgm:cxn modelId="{01EF61B2-E395-4461-A90A-73B360DABC97}" type="presOf" srcId="{074180C9-AA60-4E57-A9E5-27EE30923DF8}" destId="{BCCD1092-6C7C-4334-929F-60511043A205}" srcOrd="1" destOrd="0" presId="urn:microsoft.com/office/officeart/2009/3/layout/HorizontalOrganizationChart"/>
+    <dgm:cxn modelId="{064C8775-4BA7-4F24-B233-7714E94FD0DC}" type="presOf" srcId="{00F27E76-D053-4838-B0FC-ECD625A2F185}" destId="{CC8CC60C-3915-44D5-839B-F30D4D658A7D}" srcOrd="1" destOrd="0" presId="urn:microsoft.com/office/officeart/2009/3/layout/HorizontalOrganizationChart"/>
+    <dgm:cxn modelId="{B5D4F456-853B-42FB-B374-C2C809887003}" type="presOf" srcId="{442470E5-8E81-4C87-BE58-2EE5B111A966}" destId="{74BDAF2C-A37D-41F2-BFC4-301D18D193AB}" srcOrd="1" destOrd="0" presId="urn:microsoft.com/office/officeart/2009/3/layout/HorizontalOrganizationChart"/>
+    <dgm:cxn modelId="{60824C18-EA81-4AEE-8623-F0818927F485}" type="presOf" srcId="{7F290ED6-4613-4839-8B5C-6BBBC2E74564}" destId="{E2E01032-55EC-4490-A2E2-EAE58D3C5B9E}" srcOrd="0" destOrd="0" presId="urn:microsoft.com/office/officeart/2009/3/layout/HorizontalOrganizationChart"/>
+    <dgm:cxn modelId="{BC25CA86-F178-45E3-92FE-9F0B1A98C76C}" type="presOf" srcId="{074180C9-AA60-4E57-A9E5-27EE30923DF8}" destId="{E9B8B215-D2F5-4E9F-BE36-683CF88B43B6}" srcOrd="0" destOrd="0" presId="urn:microsoft.com/office/officeart/2009/3/layout/HorizontalOrganizationChart"/>
+    <dgm:cxn modelId="{3C7280B9-4738-4499-928C-764987BB6785}" type="presOf" srcId="{BB9CE1AE-D568-45CE-A149-FD4F224AD884}" destId="{9EFA87BC-94BA-4C59-98FE-454448B4BC0E}" srcOrd="0" destOrd="0" presId="urn:microsoft.com/office/officeart/2009/3/layout/HorizontalOrganizationChart"/>
+    <dgm:cxn modelId="{85A75619-CD0A-43AD-9262-8A5ACA6B8D83}" type="presOf" srcId="{00F27E76-D053-4838-B0FC-ECD625A2F185}" destId="{6E2D032B-DF4D-4C82-A2E6-3483FB5435A1}" srcOrd="0" destOrd="0" presId="urn:microsoft.com/office/officeart/2009/3/layout/HorizontalOrganizationChart"/>
+    <dgm:cxn modelId="{E401B88A-208B-4AB6-AFA1-C4BDD40AAA03}" type="presOf" srcId="{3A52C428-20B3-4453-BFAF-58617BB8395D}" destId="{94F5AD06-8B95-4DCB-B3FF-3FA8EF8C8165}" srcOrd="1" destOrd="0" presId="urn:microsoft.com/office/officeart/2009/3/layout/HorizontalOrganizationChart"/>
+    <dgm:cxn modelId="{872AD911-F1A8-472B-8912-D779DD8A8ED3}" type="presOf" srcId="{3A52C428-20B3-4453-BFAF-58617BB8395D}" destId="{BBE5A1C6-478A-4322-902B-D26E10E2B5D2}" srcOrd="0" destOrd="0" presId="urn:microsoft.com/office/officeart/2009/3/layout/HorizontalOrganizationChart"/>
     <dgm:cxn modelId="{D3E10EFD-62BC-47CD-B6B8-97CBA0558D43}" type="presOf" srcId="{487E4310-5651-4700-A39E-2AEC0EA9F67D}" destId="{B339D220-7BC0-4E8D-89F9-55EDE464832D}" srcOrd="0" destOrd="0" presId="urn:microsoft.com/office/officeart/2009/3/layout/HorizontalOrganizationChart"/>
-    <dgm:cxn modelId="{9A5E58E3-1829-4193-AE75-381B3405552E}" type="presOf" srcId="{120B4DC1-BE43-44CA-BAC8-D47AFD74228A}" destId="{2C6C9DA7-D985-4E9A-B607-56D60461266A}" srcOrd="0" destOrd="0" presId="urn:microsoft.com/office/officeart/2009/3/layout/HorizontalOrganizationChart"/>
     <dgm:cxn modelId="{6DBE9645-C6EC-412C-A1B3-C29E4EF05268}" type="presOf" srcId="{442470E5-8E81-4C87-BE58-2EE5B111A966}" destId="{E4781D85-102B-4EC1-B481-9AE8A70FF4A1}" srcOrd="0" destOrd="0" presId="urn:microsoft.com/office/officeart/2009/3/layout/HorizontalOrganizationChart"/>
-    <dgm:cxn modelId="{C96574FF-FC97-4C58-BFEE-CBB6BB450305}" srcId="{120B4DC1-BE43-44CA-BAC8-D47AFD74228A}" destId="{442470E5-8E81-4C87-BE58-2EE5B111A966}" srcOrd="1" destOrd="0" parTransId="{BB9CE1AE-D568-45CE-A149-FD4F224AD884}" sibTransId="{046D4732-B754-4B4F-BAAC-57C4FCE30E20}"/>
-    <dgm:cxn modelId="{F8B73CB3-B3B5-47B1-A314-3DBDCAF97614}" type="presOf" srcId="{A32FD129-6951-4DA3-AA90-F3C05BC06034}" destId="{64B7FFAB-DB58-4496-BD6D-66B80A109E4B}" srcOrd="1" destOrd="0" presId="urn:microsoft.com/office/officeart/2009/3/layout/HorizontalOrganizationChart"/>
-    <dgm:cxn modelId="{24AE312D-8A46-41B5-B693-7A4D682E63A1}" srcId="{750F83C2-2489-4726-9F9E-35A74BCAC319}" destId="{A32FD129-6951-4DA3-AA90-F3C05BC06034}" srcOrd="0" destOrd="0" parTransId="{16209A0E-84FC-46DC-AE6A-BE9F605141B0}" sibTransId="{A454572B-D4CD-4F98-9279-7773859EB7DF}"/>
-    <dgm:cxn modelId="{60824C18-EA81-4AEE-8623-F0818927F485}" type="presOf" srcId="{7F290ED6-4613-4839-8B5C-6BBBC2E74564}" destId="{E2E01032-55EC-4490-A2E2-EAE58D3C5B9E}" srcOrd="0" destOrd="0" presId="urn:microsoft.com/office/officeart/2009/3/layout/HorizontalOrganizationChart"/>
-    <dgm:cxn modelId="{872AD911-F1A8-472B-8912-D779DD8A8ED3}" type="presOf" srcId="{3A52C428-20B3-4453-BFAF-58617BB8395D}" destId="{BBE5A1C6-478A-4322-902B-D26E10E2B5D2}" srcOrd="0" destOrd="0" presId="urn:microsoft.com/office/officeart/2009/3/layout/HorizontalOrganizationChart"/>
-    <dgm:cxn modelId="{3A745549-F83F-4C1E-8ADB-700683B7ABBF}" type="presOf" srcId="{120B4DC1-BE43-44CA-BAC8-D47AFD74228A}" destId="{8BA48D2F-6A6C-411C-8D81-7633043C1F47}" srcOrd="1" destOrd="0" presId="urn:microsoft.com/office/officeart/2009/3/layout/HorizontalOrganizationChart"/>
-    <dgm:cxn modelId="{1712698E-0FA3-4A45-85C7-909D09CB1621}" srcId="{00F27E76-D053-4838-B0FC-ECD625A2F185}" destId="{074180C9-AA60-4E57-A9E5-27EE30923DF8}" srcOrd="1" destOrd="0" parTransId="{D9DA6E55-9A37-4AE6-AA38-4292EDC51FBE}" sibTransId="{F18C376F-9DFA-471C-AE57-168BA656B570}"/>
-    <dgm:cxn modelId="{180E994A-53B6-464E-838C-A3D8F2DE78C7}" type="presOf" srcId="{5B9CD8AB-CA1C-4C3C-B5D8-A1890CEB0195}" destId="{4B0C367F-7037-4653-AA15-D06435589E37}" srcOrd="0" destOrd="0" presId="urn:microsoft.com/office/officeart/2009/3/layout/HorizontalOrganizationChart"/>
-    <dgm:cxn modelId="{3C7280B9-4738-4499-928C-764987BB6785}" type="presOf" srcId="{BB9CE1AE-D568-45CE-A149-FD4F224AD884}" destId="{9EFA87BC-94BA-4C59-98FE-454448B4BC0E}" srcOrd="0" destOrd="0" presId="urn:microsoft.com/office/officeart/2009/3/layout/HorizontalOrganizationChart"/>
-    <dgm:cxn modelId="{4B3D9C0E-4A50-4C2C-B807-F60C5CDFC7FB}" type="presOf" srcId="{075AE697-E1A9-4658-8586-5D55C7F7D836}" destId="{866D1971-0D1B-4602-AC13-75E3B5D1B981}" srcOrd="0" destOrd="0" presId="urn:microsoft.com/office/officeart/2009/3/layout/HorizontalOrganizationChart"/>
-    <dgm:cxn modelId="{BC25CA86-F178-45E3-92FE-9F0B1A98C76C}" type="presOf" srcId="{074180C9-AA60-4E57-A9E5-27EE30923DF8}" destId="{E9B8B215-D2F5-4E9F-BE36-683CF88B43B6}" srcOrd="0" destOrd="0" presId="urn:microsoft.com/office/officeart/2009/3/layout/HorizontalOrganizationChart"/>
-    <dgm:cxn modelId="{B9F44E6C-971B-42DE-BDAF-6C951BBB42A5}" type="presOf" srcId="{D9DA6E55-9A37-4AE6-AA38-4292EDC51FBE}" destId="{69541900-6A79-4139-8AA7-BCAF9BC48D16}" srcOrd="0" destOrd="0" presId="urn:microsoft.com/office/officeart/2009/3/layout/HorizontalOrganizationChart"/>
-    <dgm:cxn modelId="{064C8775-4BA7-4F24-B233-7714E94FD0DC}" type="presOf" srcId="{00F27E76-D053-4838-B0FC-ECD625A2F185}" destId="{CC8CC60C-3915-44D5-839B-F30D4D658A7D}" srcOrd="1" destOrd="0" presId="urn:microsoft.com/office/officeart/2009/3/layout/HorizontalOrganizationChart"/>
-    <dgm:cxn modelId="{98ED4D4E-A5C6-43DD-A367-647B5A6958A7}" srcId="{120B4DC1-BE43-44CA-BAC8-D47AFD74228A}" destId="{3A52C428-20B3-4453-BFAF-58617BB8395D}" srcOrd="0" destOrd="0" parTransId="{08AE8121-44A9-49E7-BB6A-8CDCF1FE8595}" sibTransId="{C598FDE5-7F6A-4E58-B919-2135218176CC}"/>
-    <dgm:cxn modelId="{D6520D39-3530-469E-AD59-70CDE683966F}" srcId="{074180C9-AA60-4E57-A9E5-27EE30923DF8}" destId="{5B9CD8AB-CA1C-4C3C-B5D8-A1890CEB0195}" srcOrd="0" destOrd="0" parTransId="{075AE697-E1A9-4658-8586-5D55C7F7D836}" sibTransId="{2B0D433A-76F3-4840-AF85-E0766D3DB483}"/>
-    <dgm:cxn modelId="{01EF61B2-E395-4461-A90A-73B360DABC97}" type="presOf" srcId="{074180C9-AA60-4E57-A9E5-27EE30923DF8}" destId="{BCCD1092-6C7C-4334-929F-60511043A205}" srcOrd="1" destOrd="0" presId="urn:microsoft.com/office/officeart/2009/3/layout/HorizontalOrganizationChart"/>
-    <dgm:cxn modelId="{C38329A7-A1A2-4DCF-B825-6A994C25B4D0}" srcId="{A32FD129-6951-4DA3-AA90-F3C05BC06034}" destId="{00F27E76-D053-4838-B0FC-ECD625A2F185}" srcOrd="0" destOrd="0" parTransId="{487E4310-5651-4700-A39E-2AEC0EA9F67D}" sibTransId="{9F343612-9E05-4E74-9BB0-0F127CCEA8D2}"/>
-    <dgm:cxn modelId="{24245CF5-B0FA-40FE-BB72-F2924EE618DC}" type="presOf" srcId="{5B9CD8AB-CA1C-4C3C-B5D8-A1890CEB0195}" destId="{A6C869B9-5992-48C0-80E2-751984EC983A}" srcOrd="1" destOrd="0" presId="urn:microsoft.com/office/officeart/2009/3/layout/HorizontalOrganizationChart"/>
-    <dgm:cxn modelId="{B5D4F456-853B-42FB-B374-C2C809887003}" type="presOf" srcId="{442470E5-8E81-4C87-BE58-2EE5B111A966}" destId="{74BDAF2C-A37D-41F2-BFC4-301D18D193AB}" srcOrd="1" destOrd="0" presId="urn:microsoft.com/office/officeart/2009/3/layout/HorizontalOrganizationChart"/>
-    <dgm:cxn modelId="{85A75619-CD0A-43AD-9262-8A5ACA6B8D83}" type="presOf" srcId="{00F27E76-D053-4838-B0FC-ECD625A2F185}" destId="{6E2D032B-DF4D-4C82-A2E6-3483FB5435A1}" srcOrd="0" destOrd="0" presId="urn:microsoft.com/office/officeart/2009/3/layout/HorizontalOrganizationChart"/>
-    <dgm:cxn modelId="{E676DA69-5D24-4E9F-A733-E98B100DF40E}" srcId="{00F27E76-D053-4838-B0FC-ECD625A2F185}" destId="{120B4DC1-BE43-44CA-BAC8-D47AFD74228A}" srcOrd="0" destOrd="0" parTransId="{7F290ED6-4613-4839-8B5C-6BBBC2E74564}" sibTransId="{E30ADA23-9AE4-4A79-92C7-7CFE72E8B3D0}"/>
-    <dgm:cxn modelId="{36799FF1-4F07-4E50-BFC0-4FC79FB269CF}" type="presOf" srcId="{A32FD129-6951-4DA3-AA90-F3C05BC06034}" destId="{56E76F2F-7431-42E1-ACCC-02B79A77D018}" srcOrd="0" destOrd="0" presId="urn:microsoft.com/office/officeart/2009/3/layout/HorizontalOrganizationChart"/>
-    <dgm:cxn modelId="{C8F10E01-8A0F-4C8C-BD75-BB7C33D93F42}" type="presOf" srcId="{08AE8121-44A9-49E7-BB6A-8CDCF1FE8595}" destId="{3D7F2BD7-EEFA-4A09-BAAA-A5467747A5B4}" srcOrd="0" destOrd="0" presId="urn:microsoft.com/office/officeart/2009/3/layout/HorizontalOrganizationChart"/>
-    <dgm:cxn modelId="{E401B88A-208B-4AB6-AFA1-C4BDD40AAA03}" type="presOf" srcId="{3A52C428-20B3-4453-BFAF-58617BB8395D}" destId="{94F5AD06-8B95-4DCB-B3FF-3FA8EF8C8165}" srcOrd="1" destOrd="0" presId="urn:microsoft.com/office/officeart/2009/3/layout/HorizontalOrganizationChart"/>
     <dgm:cxn modelId="{C4427432-E7BB-4988-9828-83048954E8EA}" type="presParOf" srcId="{7A3CB1A1-112F-4DDF-BD1C-3E83DBE185B0}" destId="{807D473F-1CF3-47D8-B9DA-0CDCBE173537}" srcOrd="0" destOrd="0" presId="urn:microsoft.com/office/officeart/2009/3/layout/HorizontalOrganizationChart"/>
     <dgm:cxn modelId="{DFD79605-5A98-413B-B63F-F78AAF2623BF}" type="presParOf" srcId="{807D473F-1CF3-47D8-B9DA-0CDCBE173537}" destId="{26A40E7C-324B-4B04-A8F9-4B84778D99F8}" srcOrd="0" destOrd="0" presId="urn:microsoft.com/office/officeart/2009/3/layout/HorizontalOrganizationChart"/>
     <dgm:cxn modelId="{8262446C-BC05-4450-85FB-9D5BDF03EBA7}" type="presParOf" srcId="{26A40E7C-324B-4B04-A8F9-4B84778D99F8}" destId="{56E76F2F-7431-42E1-ACCC-02B79A77D018}" srcOrd="0" destOrd="0" presId="urn:microsoft.com/office/officeart/2009/3/layout/HorizontalOrganizationChart"/>
@@ -3387,6 +3527,13 @@
         </dgm:presLayoutVars>
       </dgm:prSet>
       <dgm:spPr/>
+      <dgm:t>
+        <a:bodyPr/>
+        <a:lstStyle/>
+        <a:p>
+          <a:endParaRPr lang="pt-BR"/>
+        </a:p>
+      </dgm:t>
     </dgm:pt>
     <dgm:pt modelId="{3B16B6A1-0DAE-46FF-8BBD-EDBC7A332D6C}" type="pres">
       <dgm:prSet presAssocID="{8D5FDD50-92B6-484D-9F33-ECBEC3DBA967}" presName="hierFlow" presStyleCnt="0"/>
@@ -3413,6 +3560,13 @@
         </dgm:presLayoutVars>
       </dgm:prSet>
       <dgm:spPr/>
+      <dgm:t>
+        <a:bodyPr/>
+        <a:lstStyle/>
+        <a:p>
+          <a:endParaRPr lang="pt-BR"/>
+        </a:p>
+      </dgm:t>
     </dgm:pt>
     <dgm:pt modelId="{2772B80C-9E71-4B49-AC7F-0A01A4A35F20}" type="pres">
       <dgm:prSet presAssocID="{32F57AC1-33E6-4385-87AA-54CA417DA641}" presName="hierChild2" presStyleCnt="0"/>
@@ -3421,6 +3575,13 @@
     <dgm:pt modelId="{ED59F7BD-492C-44FF-BA19-C9825A4FB025}" type="pres">
       <dgm:prSet presAssocID="{5FF24799-9D94-4C82-BD4D-140D4015CB2B}" presName="Name19" presStyleLbl="parChTrans1D2" presStyleIdx="0" presStyleCnt="2"/>
       <dgm:spPr/>
+      <dgm:t>
+        <a:bodyPr/>
+        <a:lstStyle/>
+        <a:p>
+          <a:endParaRPr lang="pt-BR"/>
+        </a:p>
+      </dgm:t>
     </dgm:pt>
     <dgm:pt modelId="{2ABC4822-9468-4C8D-8293-D830F99CDDCF}" type="pres">
       <dgm:prSet presAssocID="{AFD31390-6AC1-4FA3-BAED-940C68F6DC88}" presName="Name21" presStyleCnt="0"/>
@@ -3429,6 +3590,13 @@
     <dgm:pt modelId="{DE5A9EAF-482B-4BF2-AF77-13EAE24C70B0}" type="pres">
       <dgm:prSet presAssocID="{AFD31390-6AC1-4FA3-BAED-940C68F6DC88}" presName="level2Shape" presStyleLbl="node2" presStyleIdx="0" presStyleCnt="2" custLinFactNeighborX="-23282"/>
       <dgm:spPr/>
+      <dgm:t>
+        <a:bodyPr/>
+        <a:lstStyle/>
+        <a:p>
+          <a:endParaRPr lang="pt-BR"/>
+        </a:p>
+      </dgm:t>
     </dgm:pt>
     <dgm:pt modelId="{E6D3E2E4-D9C8-4DBD-8AA1-1A3DCAEDCEC1}" type="pres">
       <dgm:prSet presAssocID="{AFD31390-6AC1-4FA3-BAED-940C68F6DC88}" presName="hierChild3" presStyleCnt="0"/>
@@ -3437,6 +3605,13 @@
     <dgm:pt modelId="{6B9BE3B4-6371-45FE-A71C-6E55CC800E74}" type="pres">
       <dgm:prSet presAssocID="{CB4D62B7-20A0-42CA-B7A0-532513CCE3B9}" presName="Name19" presStyleLbl="parChTrans1D3" presStyleIdx="0" presStyleCnt="2"/>
       <dgm:spPr/>
+      <dgm:t>
+        <a:bodyPr/>
+        <a:lstStyle/>
+        <a:p>
+          <a:endParaRPr lang="pt-BR"/>
+        </a:p>
+      </dgm:t>
     </dgm:pt>
     <dgm:pt modelId="{DCBD9F83-8215-4B66-8225-0278EEE19396}" type="pres">
       <dgm:prSet presAssocID="{ED7F2F8B-596F-4ACC-88C7-425BD0C69125}" presName="Name21" presStyleCnt="0"/>
@@ -3445,6 +3620,13 @@
     <dgm:pt modelId="{382C07DB-DF31-4C35-A8A6-001339A6AF65}" type="pres">
       <dgm:prSet presAssocID="{ED7F2F8B-596F-4ACC-88C7-425BD0C69125}" presName="level2Shape" presStyleLbl="node3" presStyleIdx="0" presStyleCnt="2" custLinFactNeighborX="-23282"/>
       <dgm:spPr/>
+      <dgm:t>
+        <a:bodyPr/>
+        <a:lstStyle/>
+        <a:p>
+          <a:endParaRPr lang="pt-BR"/>
+        </a:p>
+      </dgm:t>
     </dgm:pt>
     <dgm:pt modelId="{4E45FD3D-81E0-403A-A92D-56086A2E4919}" type="pres">
       <dgm:prSet presAssocID="{ED7F2F8B-596F-4ACC-88C7-425BD0C69125}" presName="hierChild3" presStyleCnt="0"/>
@@ -3453,6 +3635,13 @@
     <dgm:pt modelId="{F1E4FA91-E817-4642-B67C-69461E749193}" type="pres">
       <dgm:prSet presAssocID="{27D2D03C-6B7C-48CB-A639-65E257CC0E96}" presName="Name19" presStyleLbl="parChTrans1D2" presStyleIdx="1" presStyleCnt="2"/>
       <dgm:spPr/>
+      <dgm:t>
+        <a:bodyPr/>
+        <a:lstStyle/>
+        <a:p>
+          <a:endParaRPr lang="pt-BR"/>
+        </a:p>
+      </dgm:t>
     </dgm:pt>
     <dgm:pt modelId="{D01F688C-1BDB-4060-8359-D2CF40A1BBF6}" type="pres">
       <dgm:prSet presAssocID="{F9BF59C0-DF44-4744-B321-308C735D2948}" presName="Name21" presStyleCnt="0"/>
@@ -3461,6 +3650,13 @@
     <dgm:pt modelId="{8282B123-79D2-4E0A-BF9E-E258F9155E15}" type="pres">
       <dgm:prSet presAssocID="{F9BF59C0-DF44-4744-B321-308C735D2948}" presName="level2Shape" presStyleLbl="node2" presStyleIdx="1" presStyleCnt="2" custLinFactNeighborX="20814"/>
       <dgm:spPr/>
+      <dgm:t>
+        <a:bodyPr/>
+        <a:lstStyle/>
+        <a:p>
+          <a:endParaRPr lang="pt-BR"/>
+        </a:p>
+      </dgm:t>
     </dgm:pt>
     <dgm:pt modelId="{84B0F10B-70F7-485B-8E3F-1A5CF29D5F01}" type="pres">
       <dgm:prSet presAssocID="{F9BF59C0-DF44-4744-B321-308C735D2948}" presName="hierChild3" presStyleCnt="0"/>
@@ -3469,6 +3665,13 @@
     <dgm:pt modelId="{CEA2203F-6CE8-44B9-9465-03032392CF78}" type="pres">
       <dgm:prSet presAssocID="{796B1FE4-BA91-4115-9C79-7C9D8BC050E3}" presName="Name19" presStyleLbl="parChTrans1D3" presStyleIdx="1" presStyleCnt="2"/>
       <dgm:spPr/>
+      <dgm:t>
+        <a:bodyPr/>
+        <a:lstStyle/>
+        <a:p>
+          <a:endParaRPr lang="pt-BR"/>
+        </a:p>
+      </dgm:t>
     </dgm:pt>
     <dgm:pt modelId="{DD5E025F-70F4-48FC-B18F-38C89107B013}" type="pres">
       <dgm:prSet presAssocID="{5AC319E5-1379-4860-865D-82CA5F8F6D74}" presName="Name21" presStyleCnt="0"/>
@@ -3496,20 +3699,20 @@
   </dgm:ptLst>
   <dgm:cxnLst>
     <dgm:cxn modelId="{EF3B13AC-1346-465D-B414-E6D98B892BF2}" type="presOf" srcId="{8D5FDD50-92B6-484D-9F33-ECBEC3DBA967}" destId="{28B760FA-B381-41EC-8B4D-492CAB381BC4}" srcOrd="0" destOrd="0" presId="urn:microsoft.com/office/officeart/2005/8/layout/hierarchy6"/>
+    <dgm:cxn modelId="{C30C902C-6A2F-4DA3-AF99-D9CB01CDB348}" type="presOf" srcId="{F9BF59C0-DF44-4744-B321-308C735D2948}" destId="{8282B123-79D2-4E0A-BF9E-E258F9155E15}" srcOrd="0" destOrd="0" presId="urn:microsoft.com/office/officeart/2005/8/layout/hierarchy6"/>
+    <dgm:cxn modelId="{4FF67F27-B86C-4749-B0D5-94A3B5C9900D}" type="presOf" srcId="{796B1FE4-BA91-4115-9C79-7C9D8BC050E3}" destId="{CEA2203F-6CE8-44B9-9465-03032392CF78}" srcOrd="0" destOrd="0" presId="urn:microsoft.com/office/officeart/2005/8/layout/hierarchy6"/>
+    <dgm:cxn modelId="{1029F727-8551-4955-8148-82413600BBF7}" type="presOf" srcId="{5AC319E5-1379-4860-865D-82CA5F8F6D74}" destId="{6C9A0E75-2E9F-4357-954E-2D66B9CAC58C}" srcOrd="0" destOrd="0" presId="urn:microsoft.com/office/officeart/2005/8/layout/hierarchy6"/>
+    <dgm:cxn modelId="{15D79CEA-3B19-49F5-9673-FC5172FA3007}" type="presOf" srcId="{CB4D62B7-20A0-42CA-B7A0-532513CCE3B9}" destId="{6B9BE3B4-6371-45FE-A71C-6E55CC800E74}" srcOrd="0" destOrd="0" presId="urn:microsoft.com/office/officeart/2005/8/layout/hierarchy6"/>
+    <dgm:cxn modelId="{1A582BAB-843E-432E-9731-21810453664C}" type="presOf" srcId="{5FF24799-9D94-4C82-BD4D-140D4015CB2B}" destId="{ED59F7BD-492C-44FF-BA19-C9825A4FB025}" srcOrd="0" destOrd="0" presId="urn:microsoft.com/office/officeart/2005/8/layout/hierarchy6"/>
+    <dgm:cxn modelId="{2C02A123-C83F-409F-9DB4-0D40E511A748}" type="presOf" srcId="{ED7F2F8B-596F-4ACC-88C7-425BD0C69125}" destId="{382C07DB-DF31-4C35-A8A6-001339A6AF65}" srcOrd="0" destOrd="0" presId="urn:microsoft.com/office/officeart/2005/8/layout/hierarchy6"/>
     <dgm:cxn modelId="{5759436E-0925-4D61-A8DD-C88825E506BA}" srcId="{8D5FDD50-92B6-484D-9F33-ECBEC3DBA967}" destId="{32F57AC1-33E6-4385-87AA-54CA417DA641}" srcOrd="0" destOrd="0" parTransId="{4CF32539-B159-4D5B-8813-0F2517A92619}" sibTransId="{1D3139AF-ED12-4B35-986A-3B8D78646C94}"/>
+    <dgm:cxn modelId="{FA1D91B1-FA40-437C-8AE8-D252B716A960}" type="presOf" srcId="{27D2D03C-6B7C-48CB-A639-65E257CC0E96}" destId="{F1E4FA91-E817-4642-B67C-69461E749193}" srcOrd="0" destOrd="0" presId="urn:microsoft.com/office/officeart/2005/8/layout/hierarchy6"/>
+    <dgm:cxn modelId="{4DB2AC0F-39E4-401D-8E5C-59CAB2B05FD6}" srcId="{32F57AC1-33E6-4385-87AA-54CA417DA641}" destId="{AFD31390-6AC1-4FA3-BAED-940C68F6DC88}" srcOrd="0" destOrd="0" parTransId="{5FF24799-9D94-4C82-BD4D-140D4015CB2B}" sibTransId="{419E9FC1-BC4A-4460-8112-FCFA3CD98EFD}"/>
+    <dgm:cxn modelId="{B001E01C-AF69-4B79-A4F1-94C26395D088}" srcId="{AFD31390-6AC1-4FA3-BAED-940C68F6DC88}" destId="{ED7F2F8B-596F-4ACC-88C7-425BD0C69125}" srcOrd="0" destOrd="0" parTransId="{CB4D62B7-20A0-42CA-B7A0-532513CCE3B9}" sibTransId="{57829ED3-75E3-4323-A3BE-308A2C52FF80}"/>
     <dgm:cxn modelId="{76DFF4E7-54D6-47B4-82E8-67D09AD80408}" type="presOf" srcId="{AFD31390-6AC1-4FA3-BAED-940C68F6DC88}" destId="{DE5A9EAF-482B-4BF2-AF77-13EAE24C70B0}" srcOrd="0" destOrd="0" presId="urn:microsoft.com/office/officeart/2005/8/layout/hierarchy6"/>
-    <dgm:cxn modelId="{2C02A123-C83F-409F-9DB4-0D40E511A748}" type="presOf" srcId="{ED7F2F8B-596F-4ACC-88C7-425BD0C69125}" destId="{382C07DB-DF31-4C35-A8A6-001339A6AF65}" srcOrd="0" destOrd="0" presId="urn:microsoft.com/office/officeart/2005/8/layout/hierarchy6"/>
-    <dgm:cxn modelId="{15D79CEA-3B19-49F5-9673-FC5172FA3007}" type="presOf" srcId="{CB4D62B7-20A0-42CA-B7A0-532513CCE3B9}" destId="{6B9BE3B4-6371-45FE-A71C-6E55CC800E74}" srcOrd="0" destOrd="0" presId="urn:microsoft.com/office/officeart/2005/8/layout/hierarchy6"/>
     <dgm:cxn modelId="{C0AF3F0A-9190-4AC9-A007-3DBF276853A0}" type="presOf" srcId="{32F57AC1-33E6-4385-87AA-54CA417DA641}" destId="{6C530A79-90C4-49C8-A5F2-23392F853946}" srcOrd="0" destOrd="0" presId="urn:microsoft.com/office/officeart/2005/8/layout/hierarchy6"/>
+    <dgm:cxn modelId="{2C2A58B9-C1C1-4E99-8F9F-57F5352C17B3}" srcId="{32F57AC1-33E6-4385-87AA-54CA417DA641}" destId="{F9BF59C0-DF44-4744-B321-308C735D2948}" srcOrd="1" destOrd="0" parTransId="{27D2D03C-6B7C-48CB-A639-65E257CC0E96}" sibTransId="{621FCEB5-3DC7-49FE-9793-8D4BC0648D86}"/>
     <dgm:cxn modelId="{5C5643DF-501E-4C4D-AD3C-AE8B6623289F}" srcId="{F9BF59C0-DF44-4744-B321-308C735D2948}" destId="{5AC319E5-1379-4860-865D-82CA5F8F6D74}" srcOrd="0" destOrd="0" parTransId="{796B1FE4-BA91-4115-9C79-7C9D8BC050E3}" sibTransId="{80556F87-8DB5-487B-B9F7-E91301DA1B52}"/>
-    <dgm:cxn modelId="{B001E01C-AF69-4B79-A4F1-94C26395D088}" srcId="{AFD31390-6AC1-4FA3-BAED-940C68F6DC88}" destId="{ED7F2F8B-596F-4ACC-88C7-425BD0C69125}" srcOrd="0" destOrd="0" parTransId="{CB4D62B7-20A0-42CA-B7A0-532513CCE3B9}" sibTransId="{57829ED3-75E3-4323-A3BE-308A2C52FF80}"/>
-    <dgm:cxn modelId="{1A582BAB-843E-432E-9731-21810453664C}" type="presOf" srcId="{5FF24799-9D94-4C82-BD4D-140D4015CB2B}" destId="{ED59F7BD-492C-44FF-BA19-C9825A4FB025}" srcOrd="0" destOrd="0" presId="urn:microsoft.com/office/officeart/2005/8/layout/hierarchy6"/>
-    <dgm:cxn modelId="{1029F727-8551-4955-8148-82413600BBF7}" type="presOf" srcId="{5AC319E5-1379-4860-865D-82CA5F8F6D74}" destId="{6C9A0E75-2E9F-4357-954E-2D66B9CAC58C}" srcOrd="0" destOrd="0" presId="urn:microsoft.com/office/officeart/2005/8/layout/hierarchy6"/>
-    <dgm:cxn modelId="{4DB2AC0F-39E4-401D-8E5C-59CAB2B05FD6}" srcId="{32F57AC1-33E6-4385-87AA-54CA417DA641}" destId="{AFD31390-6AC1-4FA3-BAED-940C68F6DC88}" srcOrd="0" destOrd="0" parTransId="{5FF24799-9D94-4C82-BD4D-140D4015CB2B}" sibTransId="{419E9FC1-BC4A-4460-8112-FCFA3CD98EFD}"/>
-    <dgm:cxn modelId="{C30C902C-6A2F-4DA3-AF99-D9CB01CDB348}" type="presOf" srcId="{F9BF59C0-DF44-4744-B321-308C735D2948}" destId="{8282B123-79D2-4E0A-BF9E-E258F9155E15}" srcOrd="0" destOrd="0" presId="urn:microsoft.com/office/officeart/2005/8/layout/hierarchy6"/>
-    <dgm:cxn modelId="{2C2A58B9-C1C1-4E99-8F9F-57F5352C17B3}" srcId="{32F57AC1-33E6-4385-87AA-54CA417DA641}" destId="{F9BF59C0-DF44-4744-B321-308C735D2948}" srcOrd="1" destOrd="0" parTransId="{27D2D03C-6B7C-48CB-A639-65E257CC0E96}" sibTransId="{621FCEB5-3DC7-49FE-9793-8D4BC0648D86}"/>
-    <dgm:cxn modelId="{4FF67F27-B86C-4749-B0D5-94A3B5C9900D}" type="presOf" srcId="{796B1FE4-BA91-4115-9C79-7C9D8BC050E3}" destId="{CEA2203F-6CE8-44B9-9465-03032392CF78}" srcOrd="0" destOrd="0" presId="urn:microsoft.com/office/officeart/2005/8/layout/hierarchy6"/>
-    <dgm:cxn modelId="{FA1D91B1-FA40-437C-8AE8-D252B716A960}" type="presOf" srcId="{27D2D03C-6B7C-48CB-A639-65E257CC0E96}" destId="{F1E4FA91-E817-4642-B67C-69461E749193}" srcOrd="0" destOrd="0" presId="urn:microsoft.com/office/officeart/2005/8/layout/hierarchy6"/>
     <dgm:cxn modelId="{93441FFF-E60D-456B-984C-A8A341F599E0}" type="presParOf" srcId="{28B760FA-B381-41EC-8B4D-492CAB381BC4}" destId="{3B16B6A1-0DAE-46FF-8BBD-EDBC7A332D6C}" srcOrd="0" destOrd="0" presId="urn:microsoft.com/office/officeart/2005/8/layout/hierarchy6"/>
     <dgm:cxn modelId="{6661E091-8334-482A-91A2-BE959B3E38B5}" type="presParOf" srcId="{3B16B6A1-0DAE-46FF-8BBD-EDBC7A332D6C}" destId="{010D124E-7220-40C4-B1FE-D515AE2A5227}" srcOrd="0" destOrd="0" presId="urn:microsoft.com/office/officeart/2005/8/layout/hierarchy6"/>
     <dgm:cxn modelId="{F0A82F36-C702-4476-834C-FBA3B30DA156}" type="presParOf" srcId="{010D124E-7220-40C4-B1FE-D515AE2A5227}" destId="{D546113F-0EE7-47CB-AF4A-7B882A2C2C6B}" srcOrd="0" destOrd="0" presId="urn:microsoft.com/office/officeart/2005/8/layout/hierarchy6"/>
@@ -3774,6 +3977,13 @@
         </dgm:presLayoutVars>
       </dgm:prSet>
       <dgm:spPr/>
+      <dgm:t>
+        <a:bodyPr/>
+        <a:lstStyle/>
+        <a:p>
+          <a:endParaRPr lang="pt-BR"/>
+        </a:p>
+      </dgm:t>
     </dgm:pt>
     <dgm:pt modelId="{3B16B6A1-0DAE-46FF-8BBD-EDBC7A332D6C}" type="pres">
       <dgm:prSet presAssocID="{8D5FDD50-92B6-484D-9F33-ECBEC3DBA967}" presName="hierFlow" presStyleCnt="0"/>
@@ -3800,6 +4010,13 @@
         </dgm:presLayoutVars>
       </dgm:prSet>
       <dgm:spPr/>
+      <dgm:t>
+        <a:bodyPr/>
+        <a:lstStyle/>
+        <a:p>
+          <a:endParaRPr lang="pt-BR"/>
+        </a:p>
+      </dgm:t>
     </dgm:pt>
     <dgm:pt modelId="{2772B80C-9E71-4B49-AC7F-0A01A4A35F20}" type="pres">
       <dgm:prSet presAssocID="{32F57AC1-33E6-4385-87AA-54CA417DA641}" presName="hierChild2" presStyleCnt="0"/>
@@ -3808,6 +4025,13 @@
     <dgm:pt modelId="{ED59F7BD-492C-44FF-BA19-C9825A4FB025}" type="pres">
       <dgm:prSet presAssocID="{5FF24799-9D94-4C82-BD4D-140D4015CB2B}" presName="Name19" presStyleLbl="parChTrans1D2" presStyleIdx="0" presStyleCnt="2"/>
       <dgm:spPr/>
+      <dgm:t>
+        <a:bodyPr/>
+        <a:lstStyle/>
+        <a:p>
+          <a:endParaRPr lang="pt-BR"/>
+        </a:p>
+      </dgm:t>
     </dgm:pt>
     <dgm:pt modelId="{2ABC4822-9468-4C8D-8293-D830F99CDDCF}" type="pres">
       <dgm:prSet presAssocID="{AFD31390-6AC1-4FA3-BAED-940C68F6DC88}" presName="Name21" presStyleCnt="0"/>
@@ -3816,6 +4040,13 @@
     <dgm:pt modelId="{DE5A9EAF-482B-4BF2-AF77-13EAE24C70B0}" type="pres">
       <dgm:prSet presAssocID="{AFD31390-6AC1-4FA3-BAED-940C68F6DC88}" presName="level2Shape" presStyleLbl="node2" presStyleIdx="0" presStyleCnt="2" custLinFactNeighborX="-23282"/>
       <dgm:spPr/>
+      <dgm:t>
+        <a:bodyPr/>
+        <a:lstStyle/>
+        <a:p>
+          <a:endParaRPr lang="pt-BR"/>
+        </a:p>
+      </dgm:t>
     </dgm:pt>
     <dgm:pt modelId="{E6D3E2E4-D9C8-4DBD-8AA1-1A3DCAEDCEC1}" type="pres">
       <dgm:prSet presAssocID="{AFD31390-6AC1-4FA3-BAED-940C68F6DC88}" presName="hierChild3" presStyleCnt="0"/>
@@ -3824,6 +4055,13 @@
     <dgm:pt modelId="{6B9BE3B4-6371-45FE-A71C-6E55CC800E74}" type="pres">
       <dgm:prSet presAssocID="{CB4D62B7-20A0-42CA-B7A0-532513CCE3B9}" presName="Name19" presStyleLbl="parChTrans1D3" presStyleIdx="0" presStyleCnt="2"/>
       <dgm:spPr/>
+      <dgm:t>
+        <a:bodyPr/>
+        <a:lstStyle/>
+        <a:p>
+          <a:endParaRPr lang="pt-BR"/>
+        </a:p>
+      </dgm:t>
     </dgm:pt>
     <dgm:pt modelId="{DCBD9F83-8215-4B66-8225-0278EEE19396}" type="pres">
       <dgm:prSet presAssocID="{ED7F2F8B-596F-4ACC-88C7-425BD0C69125}" presName="Name21" presStyleCnt="0"/>
@@ -3832,6 +4070,13 @@
     <dgm:pt modelId="{382C07DB-DF31-4C35-A8A6-001339A6AF65}" type="pres">
       <dgm:prSet presAssocID="{ED7F2F8B-596F-4ACC-88C7-425BD0C69125}" presName="level2Shape" presStyleLbl="node3" presStyleIdx="0" presStyleCnt="2" custLinFactNeighborX="-23282"/>
       <dgm:spPr/>
+      <dgm:t>
+        <a:bodyPr/>
+        <a:lstStyle/>
+        <a:p>
+          <a:endParaRPr lang="pt-BR"/>
+        </a:p>
+      </dgm:t>
     </dgm:pt>
     <dgm:pt modelId="{4E45FD3D-81E0-403A-A92D-56086A2E4919}" type="pres">
       <dgm:prSet presAssocID="{ED7F2F8B-596F-4ACC-88C7-425BD0C69125}" presName="hierChild3" presStyleCnt="0"/>
@@ -3840,6 +4085,13 @@
     <dgm:pt modelId="{F1E4FA91-E817-4642-B67C-69461E749193}" type="pres">
       <dgm:prSet presAssocID="{27D2D03C-6B7C-48CB-A639-65E257CC0E96}" presName="Name19" presStyleLbl="parChTrans1D2" presStyleIdx="1" presStyleCnt="2"/>
       <dgm:spPr/>
+      <dgm:t>
+        <a:bodyPr/>
+        <a:lstStyle/>
+        <a:p>
+          <a:endParaRPr lang="pt-BR"/>
+        </a:p>
+      </dgm:t>
     </dgm:pt>
     <dgm:pt modelId="{D01F688C-1BDB-4060-8359-D2CF40A1BBF6}" type="pres">
       <dgm:prSet presAssocID="{F9BF59C0-DF44-4744-B321-308C735D2948}" presName="Name21" presStyleCnt="0"/>
@@ -3848,6 +4100,13 @@
     <dgm:pt modelId="{8282B123-79D2-4E0A-BF9E-E258F9155E15}" type="pres">
       <dgm:prSet presAssocID="{F9BF59C0-DF44-4744-B321-308C735D2948}" presName="level2Shape" presStyleLbl="node2" presStyleIdx="1" presStyleCnt="2" custLinFactNeighborX="20814"/>
       <dgm:spPr/>
+      <dgm:t>
+        <a:bodyPr/>
+        <a:lstStyle/>
+        <a:p>
+          <a:endParaRPr lang="pt-BR"/>
+        </a:p>
+      </dgm:t>
     </dgm:pt>
     <dgm:pt modelId="{84B0F10B-70F7-485B-8E3F-1A5CF29D5F01}" type="pres">
       <dgm:prSet presAssocID="{F9BF59C0-DF44-4744-B321-308C735D2948}" presName="hierChild3" presStyleCnt="0"/>
@@ -3856,6 +4115,13 @@
     <dgm:pt modelId="{CEA2203F-6CE8-44B9-9465-03032392CF78}" type="pres">
       <dgm:prSet presAssocID="{796B1FE4-BA91-4115-9C79-7C9D8BC050E3}" presName="Name19" presStyleLbl="parChTrans1D3" presStyleIdx="1" presStyleCnt="2"/>
       <dgm:spPr/>
+      <dgm:t>
+        <a:bodyPr/>
+        <a:lstStyle/>
+        <a:p>
+          <a:endParaRPr lang="pt-BR"/>
+        </a:p>
+      </dgm:t>
     </dgm:pt>
     <dgm:pt modelId="{DD5E025F-70F4-48FC-B18F-38C89107B013}" type="pres">
       <dgm:prSet presAssocID="{5AC319E5-1379-4860-865D-82CA5F8F6D74}" presName="Name21" presStyleCnt="0"/>
@@ -3882,21 +4148,21 @@
     </dgm:pt>
   </dgm:ptLst>
   <dgm:cxnLst>
+    <dgm:cxn modelId="{A921FEE1-3680-4325-A960-B1C084F9E9E9}" type="presOf" srcId="{8D5FDD50-92B6-484D-9F33-ECBEC3DBA967}" destId="{28B760FA-B381-41EC-8B4D-492CAB381BC4}" srcOrd="0" destOrd="0" presId="urn:microsoft.com/office/officeart/2005/8/layout/hierarchy6"/>
+    <dgm:cxn modelId="{4DB2AC0F-39E4-401D-8E5C-59CAB2B05FD6}" srcId="{32F57AC1-33E6-4385-87AA-54CA417DA641}" destId="{AFD31390-6AC1-4FA3-BAED-940C68F6DC88}" srcOrd="0" destOrd="0" parTransId="{5FF24799-9D94-4C82-BD4D-140D4015CB2B}" sibTransId="{419E9FC1-BC4A-4460-8112-FCFA3CD98EFD}"/>
+    <dgm:cxn modelId="{5759436E-0925-4D61-A8DD-C88825E506BA}" srcId="{8D5FDD50-92B6-484D-9F33-ECBEC3DBA967}" destId="{32F57AC1-33E6-4385-87AA-54CA417DA641}" srcOrd="0" destOrd="0" parTransId="{4CF32539-B159-4D5B-8813-0F2517A92619}" sibTransId="{1D3139AF-ED12-4B35-986A-3B8D78646C94}"/>
+    <dgm:cxn modelId="{B7FE826E-C8F9-4876-9637-074B49B81DF4}" type="presOf" srcId="{5AC319E5-1379-4860-865D-82CA5F8F6D74}" destId="{6C9A0E75-2E9F-4357-954E-2D66B9CAC58C}" srcOrd="0" destOrd="0" presId="urn:microsoft.com/office/officeart/2005/8/layout/hierarchy6"/>
+    <dgm:cxn modelId="{C32FD768-55FE-4BD7-8170-F539FBEB6EEE}" type="presOf" srcId="{ED7F2F8B-596F-4ACC-88C7-425BD0C69125}" destId="{382C07DB-DF31-4C35-A8A6-001339A6AF65}" srcOrd="0" destOrd="0" presId="urn:microsoft.com/office/officeart/2005/8/layout/hierarchy6"/>
+    <dgm:cxn modelId="{CF03D959-2934-4325-9B63-D757920D2C0E}" type="presOf" srcId="{27D2D03C-6B7C-48CB-A639-65E257CC0E96}" destId="{F1E4FA91-E817-4642-B67C-69461E749193}" srcOrd="0" destOrd="0" presId="urn:microsoft.com/office/officeart/2005/8/layout/hierarchy6"/>
+    <dgm:cxn modelId="{B001E01C-AF69-4B79-A4F1-94C26395D088}" srcId="{AFD31390-6AC1-4FA3-BAED-940C68F6DC88}" destId="{ED7F2F8B-596F-4ACC-88C7-425BD0C69125}" srcOrd="0" destOrd="0" parTransId="{CB4D62B7-20A0-42CA-B7A0-532513CCE3B9}" sibTransId="{57829ED3-75E3-4323-A3BE-308A2C52FF80}"/>
+    <dgm:cxn modelId="{D086A9A8-7789-49D0-9725-DD6D48CA19BB}" type="presOf" srcId="{AFD31390-6AC1-4FA3-BAED-940C68F6DC88}" destId="{DE5A9EAF-482B-4BF2-AF77-13EAE24C70B0}" srcOrd="0" destOrd="0" presId="urn:microsoft.com/office/officeart/2005/8/layout/hierarchy6"/>
+    <dgm:cxn modelId="{0B53E737-930F-4A30-A756-CEC173CEB6F5}" type="presOf" srcId="{5FF24799-9D94-4C82-BD4D-140D4015CB2B}" destId="{ED59F7BD-492C-44FF-BA19-C9825A4FB025}" srcOrd="0" destOrd="0" presId="urn:microsoft.com/office/officeart/2005/8/layout/hierarchy6"/>
+    <dgm:cxn modelId="{2C2A58B9-C1C1-4E99-8F9F-57F5352C17B3}" srcId="{32F57AC1-33E6-4385-87AA-54CA417DA641}" destId="{F9BF59C0-DF44-4744-B321-308C735D2948}" srcOrd="1" destOrd="0" parTransId="{27D2D03C-6B7C-48CB-A639-65E257CC0E96}" sibTransId="{621FCEB5-3DC7-49FE-9793-8D4BC0648D86}"/>
+    <dgm:cxn modelId="{4340BBD9-F147-4868-A593-8F321E8FEA59}" type="presOf" srcId="{32F57AC1-33E6-4385-87AA-54CA417DA641}" destId="{6C530A79-90C4-49C8-A5F2-23392F853946}" srcOrd="0" destOrd="0" presId="urn:microsoft.com/office/officeart/2005/8/layout/hierarchy6"/>
+    <dgm:cxn modelId="{83A1B468-4A43-4490-A2DA-92D22DB37744}" type="presOf" srcId="{F9BF59C0-DF44-4744-B321-308C735D2948}" destId="{8282B123-79D2-4E0A-BF9E-E258F9155E15}" srcOrd="0" destOrd="0" presId="urn:microsoft.com/office/officeart/2005/8/layout/hierarchy6"/>
     <dgm:cxn modelId="{2130979F-3F39-4F08-9231-5AE49894D433}" type="presOf" srcId="{CB4D62B7-20A0-42CA-B7A0-532513CCE3B9}" destId="{6B9BE3B4-6371-45FE-A71C-6E55CC800E74}" srcOrd="0" destOrd="0" presId="urn:microsoft.com/office/officeart/2005/8/layout/hierarchy6"/>
-    <dgm:cxn modelId="{A921FEE1-3680-4325-A960-B1C084F9E9E9}" type="presOf" srcId="{8D5FDD50-92B6-484D-9F33-ECBEC3DBA967}" destId="{28B760FA-B381-41EC-8B4D-492CAB381BC4}" srcOrd="0" destOrd="0" presId="urn:microsoft.com/office/officeart/2005/8/layout/hierarchy6"/>
-    <dgm:cxn modelId="{B7FE826E-C8F9-4876-9637-074B49B81DF4}" type="presOf" srcId="{5AC319E5-1379-4860-865D-82CA5F8F6D74}" destId="{6C9A0E75-2E9F-4357-954E-2D66B9CAC58C}" srcOrd="0" destOrd="0" presId="urn:microsoft.com/office/officeart/2005/8/layout/hierarchy6"/>
-    <dgm:cxn modelId="{0B53E737-930F-4A30-A756-CEC173CEB6F5}" type="presOf" srcId="{5FF24799-9D94-4C82-BD4D-140D4015CB2B}" destId="{ED59F7BD-492C-44FF-BA19-C9825A4FB025}" srcOrd="0" destOrd="0" presId="urn:microsoft.com/office/officeart/2005/8/layout/hierarchy6"/>
-    <dgm:cxn modelId="{C32FD768-55FE-4BD7-8170-F539FBEB6EEE}" type="presOf" srcId="{ED7F2F8B-596F-4ACC-88C7-425BD0C69125}" destId="{382C07DB-DF31-4C35-A8A6-001339A6AF65}" srcOrd="0" destOrd="0" presId="urn:microsoft.com/office/officeart/2005/8/layout/hierarchy6"/>
-    <dgm:cxn modelId="{5759436E-0925-4D61-A8DD-C88825E506BA}" srcId="{8D5FDD50-92B6-484D-9F33-ECBEC3DBA967}" destId="{32F57AC1-33E6-4385-87AA-54CA417DA641}" srcOrd="0" destOrd="0" parTransId="{4CF32539-B159-4D5B-8813-0F2517A92619}" sibTransId="{1D3139AF-ED12-4B35-986A-3B8D78646C94}"/>
-    <dgm:cxn modelId="{4DB2AC0F-39E4-401D-8E5C-59CAB2B05FD6}" srcId="{32F57AC1-33E6-4385-87AA-54CA417DA641}" destId="{AFD31390-6AC1-4FA3-BAED-940C68F6DC88}" srcOrd="0" destOrd="0" parTransId="{5FF24799-9D94-4C82-BD4D-140D4015CB2B}" sibTransId="{419E9FC1-BC4A-4460-8112-FCFA3CD98EFD}"/>
-    <dgm:cxn modelId="{B001E01C-AF69-4B79-A4F1-94C26395D088}" srcId="{AFD31390-6AC1-4FA3-BAED-940C68F6DC88}" destId="{ED7F2F8B-596F-4ACC-88C7-425BD0C69125}" srcOrd="0" destOrd="0" parTransId="{CB4D62B7-20A0-42CA-B7A0-532513CCE3B9}" sibTransId="{57829ED3-75E3-4323-A3BE-308A2C52FF80}"/>
-    <dgm:cxn modelId="{83A1B468-4A43-4490-A2DA-92D22DB37744}" type="presOf" srcId="{F9BF59C0-DF44-4744-B321-308C735D2948}" destId="{8282B123-79D2-4E0A-BF9E-E258F9155E15}" srcOrd="0" destOrd="0" presId="urn:microsoft.com/office/officeart/2005/8/layout/hierarchy6"/>
-    <dgm:cxn modelId="{CF03D959-2934-4325-9B63-D757920D2C0E}" type="presOf" srcId="{27D2D03C-6B7C-48CB-A639-65E257CC0E96}" destId="{F1E4FA91-E817-4642-B67C-69461E749193}" srcOrd="0" destOrd="0" presId="urn:microsoft.com/office/officeart/2005/8/layout/hierarchy6"/>
-    <dgm:cxn modelId="{D086A9A8-7789-49D0-9725-DD6D48CA19BB}" type="presOf" srcId="{AFD31390-6AC1-4FA3-BAED-940C68F6DC88}" destId="{DE5A9EAF-482B-4BF2-AF77-13EAE24C70B0}" srcOrd="0" destOrd="0" presId="urn:microsoft.com/office/officeart/2005/8/layout/hierarchy6"/>
-    <dgm:cxn modelId="{4340BBD9-F147-4868-A593-8F321E8FEA59}" type="presOf" srcId="{32F57AC1-33E6-4385-87AA-54CA417DA641}" destId="{6C530A79-90C4-49C8-A5F2-23392F853946}" srcOrd="0" destOrd="0" presId="urn:microsoft.com/office/officeart/2005/8/layout/hierarchy6"/>
+    <dgm:cxn modelId="{5C5643DF-501E-4C4D-AD3C-AE8B6623289F}" srcId="{F9BF59C0-DF44-4744-B321-308C735D2948}" destId="{5AC319E5-1379-4860-865D-82CA5F8F6D74}" srcOrd="0" destOrd="0" parTransId="{796B1FE4-BA91-4115-9C79-7C9D8BC050E3}" sibTransId="{80556F87-8DB5-487B-B9F7-E91301DA1B52}"/>
     <dgm:cxn modelId="{9B0F5CF1-0373-4ABE-A5A9-D8141A536AEA}" type="presOf" srcId="{796B1FE4-BA91-4115-9C79-7C9D8BC050E3}" destId="{CEA2203F-6CE8-44B9-9465-03032392CF78}" srcOrd="0" destOrd="0" presId="urn:microsoft.com/office/officeart/2005/8/layout/hierarchy6"/>
-    <dgm:cxn modelId="{2C2A58B9-C1C1-4E99-8F9F-57F5352C17B3}" srcId="{32F57AC1-33E6-4385-87AA-54CA417DA641}" destId="{F9BF59C0-DF44-4744-B321-308C735D2948}" srcOrd="1" destOrd="0" parTransId="{27D2D03C-6B7C-48CB-A639-65E257CC0E96}" sibTransId="{621FCEB5-3DC7-49FE-9793-8D4BC0648D86}"/>
-    <dgm:cxn modelId="{5C5643DF-501E-4C4D-AD3C-AE8B6623289F}" srcId="{F9BF59C0-DF44-4744-B321-308C735D2948}" destId="{5AC319E5-1379-4860-865D-82CA5F8F6D74}" srcOrd="0" destOrd="0" parTransId="{796B1FE4-BA91-4115-9C79-7C9D8BC050E3}" sibTransId="{80556F87-8DB5-487B-B9F7-E91301DA1B52}"/>
     <dgm:cxn modelId="{91E0F08D-A6C9-4AA9-911E-5DA8688AC380}" type="presParOf" srcId="{28B760FA-B381-41EC-8B4D-492CAB381BC4}" destId="{3B16B6A1-0DAE-46FF-8BBD-EDBC7A332D6C}" srcOrd="0" destOrd="0" presId="urn:microsoft.com/office/officeart/2005/8/layout/hierarchy6"/>
     <dgm:cxn modelId="{E595E52D-E0E5-44E1-AAEF-DCFA52313DD3}" type="presParOf" srcId="{3B16B6A1-0DAE-46FF-8BBD-EDBC7A332D6C}" destId="{010D124E-7220-40C4-B1FE-D515AE2A5227}" srcOrd="0" destOrd="0" presId="urn:microsoft.com/office/officeart/2005/8/layout/hierarchy6"/>
     <dgm:cxn modelId="{9A86ED24-F5FB-49F9-8C65-0DAA5FDBE8A4}" type="presParOf" srcId="{010D124E-7220-40C4-B1FE-D515AE2A5227}" destId="{D546113F-0EE7-47CB-AF4A-7B882A2C2C6B}" srcOrd="0" destOrd="0" presId="urn:microsoft.com/office/officeart/2005/8/layout/hierarchy6"/>
@@ -21082,11 +21348,7 @@
             <a:pPr lvl="1"/>
             <a:r>
               <a:rPr lang="pt-BR" dirty="0" smtClean="0"/>
-              <a:t>acima-abaixo </a:t>
-            </a:r>
-            <a:r>
-              <a:rPr lang="pt-BR" dirty="0" smtClean="0"/>
-              <a:t>(</a:t>
+              <a:t>acima-abaixo (</a:t>
             </a:r>
             <a:r>
               <a:rPr lang="en-US" i="1" dirty="0" smtClean="0"/>
@@ -21121,7 +21383,6 @@
               <a:rPr lang="pt-BR" dirty="0" smtClean="0"/>
               <a:t> Compressão</a:t>
             </a:r>
-            <a:endParaRPr lang="pt-BR" dirty="0" smtClean="0"/>
           </a:p>
           <a:p>
             <a:pPr marL="0" indent="0">
@@ -21406,17 +21667,8 @@
           <a:p>
             <a:r>
               <a:rPr lang="pt-BR" dirty="0" smtClean="0"/>
-              <a:t>Apenas </a:t>
-            </a:r>
-            <a:r>
-              <a:rPr lang="pt-BR" dirty="0" smtClean="0"/>
-              <a:t>um </a:t>
-            </a:r>
-            <a:r>
-              <a:rPr lang="pt-BR" dirty="0" smtClean="0"/>
-              <a:t>vídeo</a:t>
-            </a:r>
-            <a:endParaRPr lang="pt-BR" dirty="0" smtClean="0"/>
+              <a:t>Apenas um vídeo</a:t>
+            </a:r>
           </a:p>
           <a:p>
             <a:r>
@@ -22235,16 +22487,8 @@
               <a:t> – </a:t>
             </a:r>
             <a:r>
-              <a:rPr lang="en-US" i="1" dirty="0" err="1" smtClean="0"/>
-              <a:t>worldline</a:t>
-            </a:r>
-            <a:r>
               <a:rPr lang="en-US" i="1" dirty="0" smtClean="0"/>
-              <a:t> </a:t>
-            </a:r>
-            <a:r>
-              <a:rPr lang="en-US" i="1" dirty="0" smtClean="0"/>
-              <a:t>correlation</a:t>
+              <a:t>worldline correlation</a:t>
             </a:r>
           </a:p>
           <a:p>
@@ -22253,7 +22497,6 @@
               <a:rPr lang="pt-BR" dirty="0" smtClean="0"/>
               <a:t>Semelhante à compressão temporal</a:t>
             </a:r>
-            <a:endParaRPr lang="pt-BR" dirty="0" smtClean="0"/>
           </a:p>
         </p:txBody>
       </p:sp>
@@ -23090,11 +23333,7 @@
             <a:pPr lvl="1"/>
             <a:r>
               <a:rPr lang="pt-BR" dirty="0" smtClean="0"/>
-              <a:t>Desenvolver </a:t>
-            </a:r>
-            <a:r>
-              <a:rPr lang="pt-BR" dirty="0" smtClean="0"/>
-              <a:t>um método de codificação exclusivo para vídeos estereoscópicos</a:t>
+              <a:t>Desenvolver um método de codificação exclusivo para vídeos estereoscópicos</a:t>
             </a:r>
           </a:p>
           <a:p>
@@ -23112,15 +23351,7 @@
             <a:pPr lvl="3"/>
             <a:r>
               <a:rPr lang="pt-BR" dirty="0" smtClean="0"/>
-              <a:t>Sem </a:t>
-            </a:r>
-            <a:r>
-              <a:rPr lang="pt-BR" dirty="0" smtClean="0"/>
-              <a:t>afetar a </a:t>
-            </a:r>
-            <a:r>
-              <a:rPr lang="pt-BR" dirty="0" smtClean="0"/>
-              <a:t>percepção de profundidade</a:t>
+              <a:t>Sem afetar a percepção de profundidade</a:t>
             </a:r>
           </a:p>
           <a:p>
@@ -23677,7 +23908,7 @@
           <a:lstStyle/>
           <a:p>
             <a:pPr algn="ctr"/>
-            <a:endParaRPr lang="pt-BR"/>
+            <a:endParaRPr lang="pt-BR" dirty="0"/>
           </a:p>
         </p:txBody>
       </p:sp>
@@ -24193,11 +24424,7 @@
             <a:pPr lvl="1"/>
             <a:r>
               <a:rPr lang="pt-BR" dirty="0" smtClean="0"/>
-              <a:t>Recuperar canais de cor removidos na transformação </a:t>
-            </a:r>
-            <a:r>
-              <a:rPr lang="pt-BR" dirty="0" smtClean="0"/>
-              <a:t>anaglífica</a:t>
+              <a:t>Recuperar canais de cor removidos na transformação anaglífica</a:t>
             </a:r>
           </a:p>
           <a:p>
@@ -24272,11 +24499,7 @@
           <a:p>
             <a:r>
               <a:rPr lang="pt-BR" dirty="0" smtClean="0"/>
-              <a:t>Proposta de Pesquisa – </a:t>
-            </a:r>
-            <a:r>
-              <a:rPr lang="pt-BR" dirty="0" smtClean="0"/>
-              <a:t>Cronograma de atividades</a:t>
+              <a:t>Proposta de Pesquisa – Cronograma de atividades</a:t>
             </a:r>
             <a:endParaRPr lang="pt-BR" dirty="0"/>
           </a:p>
@@ -24595,7 +24818,7 @@
           <a:lstStyle/>
           <a:p>
             <a:pPr algn="ctr"/>
-            <a:endParaRPr lang="pt-BR"/>
+            <a:endParaRPr lang="pt-BR" dirty="0"/>
           </a:p>
         </p:txBody>
       </p:sp>
@@ -24636,7 +24859,7 @@
           <a:lstStyle/>
           <a:p>
             <a:pPr algn="ctr"/>
-            <a:endParaRPr lang="pt-BR"/>
+            <a:endParaRPr lang="pt-BR" dirty="0"/>
           </a:p>
         </p:txBody>
       </p:sp>
@@ -24663,12 +24886,20 @@
           <a:lstStyle/>
           <a:p>
             <a:r>
-              <a:rPr lang="pt-BR" dirty="0" err="1" smtClean="0"/>
-              <a:t>Ago</a:t>
-            </a:r>
-            <a:r>
               <a:rPr lang="pt-BR" dirty="0" smtClean="0"/>
-              <a:t>/2010 - Set/2011</a:t>
+              <a:t>Ago./</a:t>
+            </a:r>
+            <a:r>
+              <a:rPr lang="pt-BR" dirty="0" smtClean="0"/>
+              <a:t>2010 </a:t>
+            </a:r>
+            <a:r>
+              <a:rPr lang="pt-BR" dirty="0" smtClean="0"/>
+              <a:t>- Set./</a:t>
+            </a:r>
+            <a:r>
+              <a:rPr lang="pt-BR" dirty="0" smtClean="0"/>
+              <a:t>2011</a:t>
             </a:r>
             <a:endParaRPr lang="pt-BR" dirty="0"/>
           </a:p>
@@ -24698,15 +24929,19 @@
           <a:p>
             <a:r>
               <a:rPr lang="pt-BR" dirty="0" smtClean="0"/>
-              <a:t>Set/2011 - </a:t>
-            </a:r>
-            <a:r>
-              <a:rPr lang="pt-BR" dirty="0" err="1" smtClean="0"/>
-              <a:t>Ago</a:t>
+              <a:t>Set./</a:t>
             </a:r>
             <a:r>
               <a:rPr lang="pt-BR" dirty="0" smtClean="0"/>
-              <a:t>/2012</a:t>
+              <a:t>2011 - </a:t>
+            </a:r>
+            <a:r>
+              <a:rPr lang="pt-BR" dirty="0" smtClean="0"/>
+              <a:t>Ago./</a:t>
+            </a:r>
+            <a:r>
+              <a:rPr lang="pt-BR" dirty="0" smtClean="0"/>
+              <a:t>2012</a:t>
             </a:r>
             <a:endParaRPr lang="pt-BR" dirty="0"/>
           </a:p>
@@ -25262,11 +25497,7 @@
             </a:r>
             <a:r>
               <a:rPr lang="pt-BR" b="1" dirty="0" smtClean="0"/>
-              <a:t>Tabela de Índice de </a:t>
-            </a:r>
-            <a:r>
-              <a:rPr lang="pt-BR" b="1" dirty="0" smtClean="0"/>
-              <a:t>Cores</a:t>
+              <a:t>Tabela de Índice de Cores</a:t>
             </a:r>
           </a:p>
         </p:txBody>
@@ -31281,14 +31512,7 @@
                 <a:ea typeface="Microsoft YaHei" pitchFamily="2"/>
                 <a:cs typeface="Mangal" pitchFamily="2"/>
               </a:rPr>
-              <a:t>Acesso </a:t>
-            </a:r>
-            <a:r>
-              <a:rPr lang="pt-BR" dirty="0" smtClean="0">
-                <a:ea typeface="Microsoft YaHei" pitchFamily="2"/>
-                <a:cs typeface="Mangal" pitchFamily="2"/>
-              </a:rPr>
-              <a:t>em 14 de setembro de 2011</a:t>
+              <a:t>Acesso em 14 de setembro de 2011</a:t>
             </a:r>
             <a:endParaRPr lang="pt-BR" dirty="0">
               <a:ea typeface="Microsoft YaHei" pitchFamily="2"/>
@@ -32462,11 +32686,7 @@
             <a:pPr lvl="1"/>
             <a:r>
               <a:rPr lang="pt-BR" dirty="0" smtClean="0"/>
-              <a:t>Redução de metade do volume de dados → compress</a:t>
-            </a:r>
-            <a:r>
-              <a:rPr lang="pt-BR" dirty="0" smtClean="0"/>
-              <a:t>ão</a:t>
+              <a:t>Redução de metade do volume de dados → compressão</a:t>
             </a:r>
             <a:endParaRPr lang="pt-BR" dirty="0"/>
           </a:p>
@@ -32760,26 +32980,17 @@
               <a:rPr lang="pt-BR" sz="1900" dirty="0" smtClean="0"/>
               <a:t>Sem necessidade de equipamento especial</a:t>
             </a:r>
-            <a:endParaRPr lang="pt-BR" sz="1900" dirty="0" smtClean="0"/>
           </a:p>
           <a:p>
             <a:r>
               <a:rPr lang="pt-BR" sz="2200" dirty="0" smtClean="0"/>
-              <a:t>Fusão das duas imagens </a:t>
-            </a:r>
+              <a:t>Fusão das duas imagens do par estéreo</a:t>
+            </a:r>
+          </a:p>
+          <a:p>
             <a:r>
               <a:rPr lang="pt-BR" sz="2200" dirty="0" smtClean="0"/>
-              <a:t>do par estéreo</a:t>
-            </a:r>
-          </a:p>
-          <a:p>
-            <a:r>
-              <a:rPr lang="pt-BR" sz="2200" dirty="0" smtClean="0"/>
-              <a:t>Óculos </a:t>
-            </a:r>
-            <a:r>
-              <a:rPr lang="pt-BR" sz="2200" dirty="0" smtClean="0"/>
-              <a:t>especiais com lentes semelhantes → filtro</a:t>
+              <a:t>Óculos especiais com lentes semelhantes → filtro</a:t>
             </a:r>
           </a:p>
         </p:txBody>
